--- a/Graficos.pptx
+++ b/Graficos.pptx
@@ -20,21 +20,30 @@
     <p:sldId id="279" r:id="rId14"/>
     <p:sldId id="275" r:id="rId15"/>
     <p:sldId id="283" r:id="rId16"/>
-    <p:sldId id="285" r:id="rId17"/>
-    <p:sldId id="284" r:id="rId18"/>
-    <p:sldId id="268" r:id="rId19"/>
-    <p:sldId id="274" r:id="rId20"/>
-    <p:sldId id="281" r:id="rId21"/>
-    <p:sldId id="280" r:id="rId22"/>
-    <p:sldId id="276" r:id="rId23"/>
-    <p:sldId id="269" r:id="rId24"/>
-    <p:sldId id="270" r:id="rId25"/>
-    <p:sldId id="271" r:id="rId26"/>
-    <p:sldId id="272" r:id="rId27"/>
-    <p:sldId id="273" r:id="rId28"/>
-    <p:sldId id="277" r:id="rId29"/>
-    <p:sldId id="278" r:id="rId30"/>
-    <p:sldId id="286" r:id="rId31"/>
+    <p:sldId id="288" r:id="rId17"/>
+    <p:sldId id="285" r:id="rId18"/>
+    <p:sldId id="284" r:id="rId19"/>
+    <p:sldId id="268" r:id="rId20"/>
+    <p:sldId id="274" r:id="rId21"/>
+    <p:sldId id="281" r:id="rId22"/>
+    <p:sldId id="280" r:id="rId23"/>
+    <p:sldId id="276" r:id="rId24"/>
+    <p:sldId id="269" r:id="rId25"/>
+    <p:sldId id="270" r:id="rId26"/>
+    <p:sldId id="271" r:id="rId27"/>
+    <p:sldId id="272" r:id="rId28"/>
+    <p:sldId id="273" r:id="rId29"/>
+    <p:sldId id="277" r:id="rId30"/>
+    <p:sldId id="278" r:id="rId31"/>
+    <p:sldId id="286" r:id="rId32"/>
+    <p:sldId id="287" r:id="rId33"/>
+    <p:sldId id="289" r:id="rId34"/>
+    <p:sldId id="290" r:id="rId35"/>
+    <p:sldId id="291" r:id="rId36"/>
+    <p:sldId id="292" r:id="rId37"/>
+    <p:sldId id="293" r:id="rId38"/>
+    <p:sldId id="294" r:id="rId39"/>
+    <p:sldId id="295" r:id="rId40"/>
   </p:sldIdLst>
   <p:sldSz cx="12192000" cy="6858000"/>
   <p:notesSz cx="6858000" cy="9144000"/>
@@ -544,7 +553,7 @@
           <a:p>
             <a:fld id="{83284890-85D2-4D7B-8EF5-15A9C1DB8F42}" type="datetimeFigureOut">
               <a:rPr lang="en-US" dirty="0"/>
-              <a:t>8/21/2024</a:t>
+              <a:t>8/22/2024</a:t>
             </a:fld>
             <a:endParaRPr lang="en-US" dirty="0"/>
           </a:p>
@@ -719,7 +728,7 @@
           <a:p>
             <a:fld id="{87157CC2-0FC8-4686-B024-99790E0F5162}" type="datetimeFigureOut">
               <a:rPr lang="en-US" dirty="0"/>
-              <a:t>8/21/2024</a:t>
+              <a:t>8/22/2024</a:t>
             </a:fld>
             <a:endParaRPr lang="en-US" dirty="0"/>
           </a:p>
@@ -894,7 +903,7 @@
           <a:p>
             <a:fld id="{F6764DA5-CD3D-4590-A511-FCD3BC7A793E}" type="datetimeFigureOut">
               <a:rPr lang="en-US" dirty="0"/>
-              <a:t>8/21/2024</a:t>
+              <a:t>8/22/2024</a:t>
             </a:fld>
             <a:endParaRPr lang="en-US" dirty="0"/>
           </a:p>
@@ -1059,7 +1068,7 @@
           <a:p>
             <a:fld id="{82F5661D-6934-4B32-B92C-470368BF1EC6}" type="datetimeFigureOut">
               <a:rPr lang="en-US" dirty="0"/>
-              <a:t>8/21/2024</a:t>
+              <a:t>8/22/2024</a:t>
             </a:fld>
             <a:endParaRPr lang="en-US" dirty="0"/>
           </a:p>
@@ -1367,7 +1376,7 @@
           <a:p>
             <a:fld id="{C6F822A4-8DA6-4447-9B1F-C5DB58435268}" type="datetimeFigureOut">
               <a:rPr lang="en-US" dirty="0"/>
-              <a:t>8/21/2024</a:t>
+              <a:t>8/22/2024</a:t>
             </a:fld>
             <a:endParaRPr lang="en-US" dirty="0"/>
           </a:p>
@@ -1749,7 +1758,7 @@
           <a:p>
             <a:fld id="{E548D31E-DCDA-41A7-9C67-C4B11B94D21D}" type="datetimeFigureOut">
               <a:rPr lang="en-US" dirty="0"/>
-              <a:t>8/21/2024</a:t>
+              <a:t>8/22/2024</a:t>
             </a:fld>
             <a:endParaRPr lang="en-US" dirty="0"/>
           </a:p>
@@ -2178,7 +2187,7 @@
           <a:p>
             <a:fld id="{9B3762C0-B258-48F1-ADE6-176B4174CCDD}" type="datetimeFigureOut">
               <a:rPr lang="en-US" dirty="0"/>
-              <a:t>8/21/2024</a:t>
+              <a:t>8/22/2024</a:t>
             </a:fld>
             <a:endParaRPr lang="en-US" dirty="0"/>
           </a:p>
@@ -2291,7 +2300,7 @@
           <a:p>
             <a:fld id="{677919A6-33EB-49BD-A62F-1FA56B9F9712}" type="datetimeFigureOut">
               <a:rPr lang="en-US" dirty="0"/>
-              <a:t>8/21/2024</a:t>
+              <a:t>8/22/2024</a:t>
             </a:fld>
             <a:endParaRPr lang="en-US" dirty="0"/>
           </a:p>
@@ -2381,7 +2390,7 @@
           <a:p>
             <a:fld id="{CA4E7D1B-D673-4CF6-8672-009D42ABD2A0}" type="datetimeFigureOut">
               <a:rPr lang="en-US" dirty="0"/>
-              <a:t>8/21/2024</a:t>
+              <a:t>8/22/2024</a:t>
             </a:fld>
             <a:endParaRPr lang="en-US" dirty="0"/>
           </a:p>
@@ -2726,7 +2735,7 @@
           <a:p>
             <a:fld id="{DA16AA21-1863-4931-97CB-99D0A168701B}" type="datetimeFigureOut">
               <a:rPr lang="en-US" dirty="0"/>
-              <a:t>8/21/2024</a:t>
+              <a:t>8/22/2024</a:t>
             </a:fld>
             <a:endParaRPr lang="en-US" dirty="0"/>
           </a:p>
@@ -3146,7 +3155,7 @@
           <a:p>
             <a:fld id="{3772C379-9A7C-4C87-A116-CBE9F58B04C5}" type="datetimeFigureOut">
               <a:rPr lang="en-US" dirty="0"/>
-              <a:t>8/21/2024</a:t>
+              <a:t>8/22/2024</a:t>
             </a:fld>
             <a:endParaRPr lang="en-US" dirty="0"/>
           </a:p>
@@ -3422,7 +3431,7 @@
           <a:p>
             <a:fld id="{8664C608-40B1-4030-A28D-5B74BC98ADCE}" type="datetimeFigureOut">
               <a:rPr lang="en-US" dirty="0"/>
-              <a:t>8/21/2024</a:t>
+              <a:t>8/22/2024</a:t>
             </a:fld>
             <a:endParaRPr lang="en-US" dirty="0"/>
           </a:p>
@@ -4820,8 +4829,8 @@
         </p:blipFill>
         <p:spPr>
           <a:xfrm>
-            <a:off x="522674" y="1885730"/>
-            <a:ext cx="5056006" cy="3587316"/>
+            <a:off x="714967" y="539525"/>
+            <a:ext cx="4079245" cy="2894289"/>
           </a:xfrm>
           <a:prstGeom prst="rect">
             <a:avLst/>
@@ -4842,8 +4851,8 @@
         </p:nvSpPr>
         <p:spPr>
           <a:xfrm>
-            <a:off x="2111830" y="1317072"/>
-            <a:ext cx="1877694" cy="369332"/>
+            <a:off x="224307" y="159391"/>
+            <a:ext cx="4569905" cy="369332"/>
           </a:xfrm>
           <a:prstGeom prst="rect">
             <a:avLst/>
@@ -4858,7 +4867,7 @@
           <a:p>
             <a:r>
               <a:rPr lang="pt-BR" b="1" dirty="0"/>
-              <a:t>Turma  Manhã</a:t>
+              <a:t>Turma  Manhã (Inteligência Artificial)</a:t>
             </a:r>
           </a:p>
         </p:txBody>
@@ -4885,8 +4894,8 @@
         </p:blipFill>
         <p:spPr>
           <a:xfrm>
-            <a:off x="5872293" y="1885730"/>
-            <a:ext cx="5259898" cy="3618459"/>
+            <a:off x="6422493" y="528723"/>
+            <a:ext cx="4416658" cy="3038366"/>
           </a:xfrm>
           <a:prstGeom prst="rect">
             <a:avLst/>
@@ -4907,8 +4916,8 @@
         </p:nvSpPr>
         <p:spPr>
           <a:xfrm>
-            <a:off x="7563395" y="1363599"/>
-            <a:ext cx="1724446" cy="369332"/>
+            <a:off x="6422493" y="170193"/>
+            <a:ext cx="4416658" cy="369332"/>
           </a:xfrm>
           <a:prstGeom prst="rect">
             <a:avLst/>
@@ -4923,7 +4932,113 @@
           <a:p>
             <a:r>
               <a:rPr lang="pt-BR" b="1" dirty="0"/>
-              <a:t>Turma  Tarde</a:t>
+              <a:t>Turma  Tarde (Inteligência Artificial)</a:t>
+            </a:r>
+          </a:p>
+        </p:txBody>
+      </p:sp>
+      <p:sp>
+        <p:nvSpPr>
+          <p:cNvPr id="6" name="Retângulo 5">
+            <a:extLst>
+              <a:ext uri="{FF2B5EF4-FFF2-40B4-BE49-F238E27FC236}">
+                <a16:creationId xmlns:a16="http://schemas.microsoft.com/office/drawing/2014/main" id="{EEBF7FDA-9F62-4CBA-9246-6C7C9694F418}"/>
+              </a:ext>
+            </a:extLst>
+          </p:cNvPr>
+          <p:cNvSpPr/>
+          <p:nvPr/>
+        </p:nvSpPr>
+        <p:spPr>
+          <a:xfrm>
+            <a:off x="535256" y="3959604"/>
+            <a:ext cx="4355525" cy="2105636"/>
+          </a:xfrm>
+          <a:prstGeom prst="rect">
+            <a:avLst/>
+          </a:prstGeom>
+        </p:spPr>
+        <p:style>
+          <a:lnRef idx="2">
+            <a:schemeClr val="accent1">
+              <a:shade val="50000"/>
+            </a:schemeClr>
+          </a:lnRef>
+          <a:fillRef idx="1">
+            <a:schemeClr val="accent1"/>
+          </a:fillRef>
+          <a:effectRef idx="0">
+            <a:schemeClr val="accent1"/>
+          </a:effectRef>
+          <a:fontRef idx="minor">
+            <a:schemeClr val="lt1"/>
+          </a:fontRef>
+        </p:style>
+        <p:txBody>
+          <a:bodyPr rtlCol="0" anchor="ctr"/>
+          <a:lstStyle/>
+          <a:p>
+            <a:pPr algn="ctr"/>
+            <a:r>
+              <a:rPr lang="pt-BR" dirty="0"/>
+              <a:t>Operador de Micro (Alisson)</a:t>
+            </a:r>
+          </a:p>
+        </p:txBody>
+      </p:sp>
+      <p:sp>
+        <p:nvSpPr>
+          <p:cNvPr id="7" name="Retângulo 6">
+            <a:extLst>
+              <a:ext uri="{FF2B5EF4-FFF2-40B4-BE49-F238E27FC236}">
+                <a16:creationId xmlns:a16="http://schemas.microsoft.com/office/drawing/2014/main" id="{6B3C6F1F-8905-4E99-A257-D4EFD8DC8C42}"/>
+              </a:ext>
+            </a:extLst>
+          </p:cNvPr>
+          <p:cNvSpPr/>
+          <p:nvPr/>
+        </p:nvSpPr>
+        <p:spPr>
+          <a:xfrm>
+            <a:off x="6422493" y="4019725"/>
+            <a:ext cx="4355525" cy="2105636"/>
+          </a:xfrm>
+          <a:prstGeom prst="rect">
+            <a:avLst/>
+          </a:prstGeom>
+        </p:spPr>
+        <p:style>
+          <a:lnRef idx="2">
+            <a:schemeClr val="accent1">
+              <a:shade val="50000"/>
+            </a:schemeClr>
+          </a:lnRef>
+          <a:fillRef idx="1">
+            <a:schemeClr val="accent1"/>
+          </a:fillRef>
+          <a:effectRef idx="0">
+            <a:schemeClr val="accent1"/>
+          </a:effectRef>
+          <a:fontRef idx="minor">
+            <a:schemeClr val="lt1"/>
+          </a:fontRef>
+        </p:style>
+        <p:txBody>
+          <a:bodyPr rtlCol="0" anchor="ctr"/>
+          <a:lstStyle/>
+          <a:p>
+            <a:pPr algn="ctr"/>
+            <a:r>
+              <a:rPr lang="pt-BR" dirty="0"/>
+              <a:t>Lógica de Programação (</a:t>
+            </a:r>
+            <a:r>
+              <a:rPr lang="pt-BR" dirty="0" err="1"/>
+              <a:t>Karython</a:t>
+            </a:r>
+            <a:r>
+              <a:rPr lang="pt-BR" dirty="0"/>
+              <a:t>)</a:t>
             </a:r>
           </a:p>
         </p:txBody>
@@ -4960,10 +5075,10 @@
       </p:grpSpPr>
       <p:pic>
         <p:nvPicPr>
-          <p:cNvPr id="2" name="Imagem 1">
-            <a:extLst>
-              <a:ext uri="{FF2B5EF4-FFF2-40B4-BE49-F238E27FC236}">
-                <a16:creationId xmlns:a16="http://schemas.microsoft.com/office/drawing/2014/main" id="{949AAD9D-7140-4EFD-9E32-402F5E85F639}"/>
+          <p:cNvPr id="3" name="Imagem 2">
+            <a:extLst>
+              <a:ext uri="{FF2B5EF4-FFF2-40B4-BE49-F238E27FC236}">
+                <a16:creationId xmlns:a16="http://schemas.microsoft.com/office/drawing/2014/main" id="{F0EEA185-2CCA-4507-A0F7-D59517B4BC2D}"/>
               </a:ext>
             </a:extLst>
           </p:cNvPr>
@@ -4980,18 +5095,70 @@
         </p:blipFill>
         <p:spPr>
           <a:xfrm>
-            <a:off x="1385887" y="1214437"/>
-            <a:ext cx="9420225" cy="4429125"/>
+            <a:off x="2067541" y="1476462"/>
+            <a:ext cx="7851224" cy="4723002"/>
           </a:xfrm>
           <a:prstGeom prst="rect">
             <a:avLst/>
           </a:prstGeom>
         </p:spPr>
       </p:pic>
+      <p:sp>
+        <p:nvSpPr>
+          <p:cNvPr id="4" name="CaixaDeTexto 3">
+            <a:extLst>
+              <a:ext uri="{FF2B5EF4-FFF2-40B4-BE49-F238E27FC236}">
+                <a16:creationId xmlns:a16="http://schemas.microsoft.com/office/drawing/2014/main" id="{5E983A95-30A3-4E4E-AD04-CD011FE32A07}"/>
+              </a:ext>
+            </a:extLst>
+          </p:cNvPr>
+          <p:cNvSpPr txBox="1"/>
+          <p:nvPr/>
+        </p:nvSpPr>
+        <p:spPr>
+          <a:xfrm>
+            <a:off x="8397379" y="1476462"/>
+            <a:ext cx="3599768" cy="923330"/>
+          </a:xfrm>
+          <a:prstGeom prst="rect">
+            <a:avLst/>
+          </a:prstGeom>
+        </p:spPr>
+        <p:style>
+          <a:lnRef idx="2">
+            <a:schemeClr val="accent2"/>
+          </a:lnRef>
+          <a:fillRef idx="1">
+            <a:schemeClr val="lt1"/>
+          </a:fillRef>
+          <a:effectRef idx="0">
+            <a:schemeClr val="accent2"/>
+          </a:effectRef>
+          <a:fontRef idx="minor">
+            <a:schemeClr val="dk1"/>
+          </a:fontRef>
+        </p:style>
+        <p:txBody>
+          <a:bodyPr wrap="none" rtlCol="0">
+            <a:spAutoFit/>
+          </a:bodyPr>
+          <a:lstStyle/>
+          <a:p>
+            <a:r>
+              <a:rPr lang="pt-BR" sz="5400" dirty="0" err="1"/>
+              <a:t>groupby</a:t>
+            </a:r>
+            <a:r>
+              <a:rPr lang="pt-BR" sz="5400" dirty="0"/>
+              <a:t>( )</a:t>
+            </a:r>
+          </a:p>
+        </p:txBody>
+      </p:sp>
     </p:spTree>
     <p:extLst>
       <p:ext uri="{BB962C8B-B14F-4D97-AF65-F5344CB8AC3E}">
-        <p14:creationId xmlns:p14="http://schemas.microsoft.com/office/powerpoint/2010/main" val="4276262735"/>
+        <p14:creationId xmlns:p14="http://schemas.microsoft.com/office/powerpoint/2010/main" val="858710185"/>
       </p:ext>
     </p:extLst>
   </p:cSld>
@@ -5020,10 +5187,10 @@
       </p:grpSpPr>
       <p:pic>
         <p:nvPicPr>
-          <p:cNvPr id="3" name="Imagem 2">
-            <a:extLst>
-              <a:ext uri="{FF2B5EF4-FFF2-40B4-BE49-F238E27FC236}">
-                <a16:creationId xmlns:a16="http://schemas.microsoft.com/office/drawing/2014/main" id="{94674EE0-CDEA-4982-8EF0-0FD325E4BABE}"/>
+          <p:cNvPr id="2" name="Imagem 1">
+            <a:extLst>
+              <a:ext uri="{FF2B5EF4-FFF2-40B4-BE49-F238E27FC236}">
+                <a16:creationId xmlns:a16="http://schemas.microsoft.com/office/drawing/2014/main" id="{949AAD9D-7140-4EFD-9E32-402F5E85F639}"/>
               </a:ext>
             </a:extLst>
           </p:cNvPr>
@@ -5040,68 +5207,8 @@
         </p:blipFill>
         <p:spPr>
           <a:xfrm>
-            <a:off x="145408" y="2093619"/>
-            <a:ext cx="6128726" cy="2868766"/>
-          </a:xfrm>
-          <a:prstGeom prst="rect">
-            <a:avLst/>
-          </a:prstGeom>
-        </p:spPr>
-      </p:pic>
-      <p:pic>
-        <p:nvPicPr>
-          <p:cNvPr id="4" name="Imagem 3">
-            <a:extLst>
-              <a:ext uri="{FF2B5EF4-FFF2-40B4-BE49-F238E27FC236}">
-                <a16:creationId xmlns:a16="http://schemas.microsoft.com/office/drawing/2014/main" id="{328908F0-1146-4D88-AC7A-44B6C7D20963}"/>
-              </a:ext>
-            </a:extLst>
-          </p:cNvPr>
-          <p:cNvPicPr>
-            <a:picLocks noChangeAspect="1"/>
-          </p:cNvPicPr>
-          <p:nvPr/>
-        </p:nvPicPr>
-        <p:blipFill>
-          <a:blip r:embed="rId3"/>
-          <a:stretch>
-            <a:fillRect/>
-          </a:stretch>
-        </p:blipFill>
-        <p:spPr>
-          <a:xfrm>
-            <a:off x="4406658" y="2002242"/>
-            <a:ext cx="6205417" cy="4855758"/>
-          </a:xfrm>
-          <a:prstGeom prst="rect">
-            <a:avLst/>
-          </a:prstGeom>
-        </p:spPr>
-      </p:pic>
-      <p:pic>
-        <p:nvPicPr>
-          <p:cNvPr id="5" name="Imagem 4">
-            <a:extLst>
-              <a:ext uri="{FF2B5EF4-FFF2-40B4-BE49-F238E27FC236}">
-                <a16:creationId xmlns:a16="http://schemas.microsoft.com/office/drawing/2014/main" id="{7B989D8C-0AB0-44AF-8C9F-8AA9D04F0EE4}"/>
-              </a:ext>
-            </a:extLst>
-          </p:cNvPr>
-          <p:cNvPicPr>
-            <a:picLocks noChangeAspect="1"/>
-          </p:cNvPicPr>
-          <p:nvPr/>
-        </p:nvPicPr>
-        <p:blipFill>
-          <a:blip r:embed="rId4"/>
-          <a:stretch>
-            <a:fillRect/>
-          </a:stretch>
-        </p:blipFill>
-        <p:spPr>
-          <a:xfrm>
-            <a:off x="8154413" y="167978"/>
-            <a:ext cx="3892179" cy="3851281"/>
+            <a:off x="1385887" y="1214437"/>
+            <a:ext cx="9420225" cy="4429125"/>
           </a:xfrm>
           <a:prstGeom prst="rect">
             <a:avLst/>
@@ -5111,7 +5218,7 @@
     </p:spTree>
     <p:extLst>
       <p:ext uri="{BB962C8B-B14F-4D97-AF65-F5344CB8AC3E}">
-        <p14:creationId xmlns:p14="http://schemas.microsoft.com/office/powerpoint/2010/main" val="716724094"/>
+        <p14:creationId xmlns:p14="http://schemas.microsoft.com/office/powerpoint/2010/main" val="4276262735"/>
       </p:ext>
     </p:extLst>
   </p:cSld>
@@ -5140,10 +5247,10 @@
       </p:grpSpPr>
       <p:pic>
         <p:nvPicPr>
-          <p:cNvPr id="4" name="Imagem 3">
-            <a:extLst>
-              <a:ext uri="{FF2B5EF4-FFF2-40B4-BE49-F238E27FC236}">
-                <a16:creationId xmlns:a16="http://schemas.microsoft.com/office/drawing/2014/main" id="{7C3DA7E6-DD47-4B72-844A-06ABC3D8B527}"/>
+          <p:cNvPr id="3" name="Imagem 2">
+            <a:extLst>
+              <a:ext uri="{FF2B5EF4-FFF2-40B4-BE49-F238E27FC236}">
+                <a16:creationId xmlns:a16="http://schemas.microsoft.com/office/drawing/2014/main" id="{94674EE0-CDEA-4982-8EF0-0FD325E4BABE}"/>
               </a:ext>
             </a:extLst>
           </p:cNvPr>
@@ -5160,8 +5267,8 @@
         </p:blipFill>
         <p:spPr>
           <a:xfrm>
-            <a:off x="3670533" y="1082816"/>
-            <a:ext cx="4098372" cy="4116347"/>
+            <a:off x="145408" y="2093619"/>
+            <a:ext cx="6128726" cy="2868766"/>
           </a:xfrm>
           <a:prstGeom prst="rect">
             <a:avLst/>
@@ -5170,10 +5277,10 @@
       </p:pic>
       <p:pic>
         <p:nvPicPr>
-          <p:cNvPr id="5" name="Imagem 4">
-            <a:extLst>
-              <a:ext uri="{FF2B5EF4-FFF2-40B4-BE49-F238E27FC236}">
-                <a16:creationId xmlns:a16="http://schemas.microsoft.com/office/drawing/2014/main" id="{1D1C1C85-9A29-4171-ADF0-1D0618E9390F}"/>
+          <p:cNvPr id="4" name="Imagem 3">
+            <a:extLst>
+              <a:ext uri="{FF2B5EF4-FFF2-40B4-BE49-F238E27FC236}">
+                <a16:creationId xmlns:a16="http://schemas.microsoft.com/office/drawing/2014/main" id="{328908F0-1146-4D88-AC7A-44B6C7D20963}"/>
               </a:ext>
             </a:extLst>
           </p:cNvPr>
@@ -5190,8 +5297,38 @@
         </p:blipFill>
         <p:spPr>
           <a:xfrm>
-            <a:off x="3537756" y="5440025"/>
-            <a:ext cx="4363925" cy="536093"/>
+            <a:off x="4406658" y="2002242"/>
+            <a:ext cx="6205417" cy="4855758"/>
+          </a:xfrm>
+          <a:prstGeom prst="rect">
+            <a:avLst/>
+          </a:prstGeom>
+        </p:spPr>
+      </p:pic>
+      <p:pic>
+        <p:nvPicPr>
+          <p:cNvPr id="5" name="Imagem 4">
+            <a:extLst>
+              <a:ext uri="{FF2B5EF4-FFF2-40B4-BE49-F238E27FC236}">
+                <a16:creationId xmlns:a16="http://schemas.microsoft.com/office/drawing/2014/main" id="{7B989D8C-0AB0-44AF-8C9F-8AA9D04F0EE4}"/>
+              </a:ext>
+            </a:extLst>
+          </p:cNvPr>
+          <p:cNvPicPr>
+            <a:picLocks noChangeAspect="1"/>
+          </p:cNvPicPr>
+          <p:nvPr/>
+        </p:nvPicPr>
+        <p:blipFill>
+          <a:blip r:embed="rId4"/>
+          <a:stretch>
+            <a:fillRect/>
+          </a:stretch>
+        </p:blipFill>
+        <p:spPr>
+          <a:xfrm>
+            <a:off x="8154413" y="167978"/>
+            <a:ext cx="3892179" cy="3851281"/>
           </a:xfrm>
           <a:prstGeom prst="rect">
             <a:avLst/>
@@ -5201,7 +5338,7 @@
     </p:spTree>
     <p:extLst>
       <p:ext uri="{BB962C8B-B14F-4D97-AF65-F5344CB8AC3E}">
-        <p14:creationId xmlns:p14="http://schemas.microsoft.com/office/powerpoint/2010/main" val="4104724467"/>
+        <p14:creationId xmlns:p14="http://schemas.microsoft.com/office/powerpoint/2010/main" val="716724094"/>
       </p:ext>
     </p:extLst>
   </p:cSld>
@@ -5228,40 +5365,12 @@
           <a:chExt cx="0" cy="0"/>
         </a:xfrm>
       </p:grpSpPr>
-      <p:sp>
-        <p:nvSpPr>
-          <p:cNvPr id="2" name="Título 1">
-            <a:extLst>
-              <a:ext uri="{FF2B5EF4-FFF2-40B4-BE49-F238E27FC236}">
-                <a16:creationId xmlns:a16="http://schemas.microsoft.com/office/drawing/2014/main" id="{C243218E-78D2-429B-BF6C-69373B2C2605}"/>
-              </a:ext>
-            </a:extLst>
-          </p:cNvPr>
-          <p:cNvSpPr>
-            <a:spLocks noGrp="1"/>
-          </p:cNvSpPr>
-          <p:nvPr>
-            <p:ph type="title"/>
-          </p:nvPr>
-        </p:nvSpPr>
-        <p:spPr/>
-        <p:txBody>
-          <a:bodyPr/>
-          <a:lstStyle/>
-          <a:p>
-            <a:r>
-              <a:rPr lang="pt-BR" dirty="0"/>
-              <a:t>Tarefa 1</a:t>
-            </a:r>
-          </a:p>
-        </p:txBody>
-      </p:sp>
       <p:pic>
         <p:nvPicPr>
           <p:cNvPr id="4" name="Imagem 3">
             <a:extLst>
               <a:ext uri="{FF2B5EF4-FFF2-40B4-BE49-F238E27FC236}">
-                <a16:creationId xmlns:a16="http://schemas.microsoft.com/office/drawing/2014/main" id="{8BD7C5E2-C6DD-499A-B740-1E162D2476CD}"/>
+                <a16:creationId xmlns:a16="http://schemas.microsoft.com/office/drawing/2014/main" id="{7C3DA7E6-DD47-4B72-844A-06ABC3D8B527}"/>
               </a:ext>
             </a:extLst>
           </p:cNvPr>
@@ -5278,78 +5387,52 @@
         </p:blipFill>
         <p:spPr>
           <a:xfrm>
-            <a:off x="1063752" y="1667052"/>
-            <a:ext cx="4363925" cy="536093"/>
+            <a:off x="3670533" y="1082816"/>
+            <a:ext cx="4098372" cy="4116347"/>
           </a:xfrm>
           <a:prstGeom prst="rect">
             <a:avLst/>
           </a:prstGeom>
         </p:spPr>
       </p:pic>
-      <p:pic>
-        <p:nvPicPr>
-          <p:cNvPr id="5" name="Imagem 4">
-            <a:extLst>
-              <a:ext uri="{FF2B5EF4-FFF2-40B4-BE49-F238E27FC236}">
-                <a16:creationId xmlns:a16="http://schemas.microsoft.com/office/drawing/2014/main" id="{AD916899-9EE2-4A91-97F1-D6ED9AC0A385}"/>
-              </a:ext>
-            </a:extLst>
-          </p:cNvPr>
-          <p:cNvPicPr>
-            <a:picLocks noChangeAspect="1"/>
-          </p:cNvPicPr>
-          <p:nvPr/>
-        </p:nvPicPr>
-        <p:blipFill>
-          <a:blip r:embed="rId3"/>
-          <a:stretch>
-            <a:fillRect/>
-          </a:stretch>
-        </p:blipFill>
-        <p:spPr>
-          <a:xfrm>
-            <a:off x="1063752" y="2421105"/>
-            <a:ext cx="3884103" cy="747353"/>
-          </a:xfrm>
-          <a:prstGeom prst="rect">
-            <a:avLst/>
-          </a:prstGeom>
-        </p:spPr>
-      </p:pic>
-      <p:pic>
-        <p:nvPicPr>
-          <p:cNvPr id="6" name="Imagem 5">
-            <a:extLst>
-              <a:ext uri="{FF2B5EF4-FFF2-40B4-BE49-F238E27FC236}">
-                <a16:creationId xmlns:a16="http://schemas.microsoft.com/office/drawing/2014/main" id="{E3A3AE13-1348-49DA-B6BF-5A8E99195E34}"/>
-              </a:ext>
-            </a:extLst>
-          </p:cNvPr>
-          <p:cNvPicPr>
-            <a:picLocks noChangeAspect="1"/>
-          </p:cNvPicPr>
-          <p:nvPr/>
-        </p:nvPicPr>
-        <p:blipFill>
-          <a:blip r:embed="rId4"/>
-          <a:stretch>
-            <a:fillRect/>
-          </a:stretch>
-        </p:blipFill>
-        <p:spPr>
-          <a:xfrm>
-            <a:off x="5427677" y="1339923"/>
-            <a:ext cx="6304776" cy="4112549"/>
-          </a:xfrm>
-          <a:prstGeom prst="rect">
-            <a:avLst/>
-          </a:prstGeom>
-        </p:spPr>
-      </p:pic>
+      <p:sp>
+        <p:nvSpPr>
+          <p:cNvPr id="3" name="Retângulo 2">
+            <a:extLst>
+              <a:ext uri="{FF2B5EF4-FFF2-40B4-BE49-F238E27FC236}">
+                <a16:creationId xmlns:a16="http://schemas.microsoft.com/office/drawing/2014/main" id="{9FED65DE-FD59-43A5-ABB1-A155ED256364}"/>
+              </a:ext>
+            </a:extLst>
+          </p:cNvPr>
+          <p:cNvSpPr/>
+          <p:nvPr/>
+        </p:nvSpPr>
+        <p:spPr>
+          <a:xfrm>
+            <a:off x="2143737" y="5389074"/>
+            <a:ext cx="7276800" cy="584775"/>
+          </a:xfrm>
+          <a:prstGeom prst="rect">
+            <a:avLst/>
+          </a:prstGeom>
+        </p:spPr>
+        <p:txBody>
+          <a:bodyPr wrap="none">
+            <a:spAutoFit/>
+          </a:bodyPr>
+          <a:lstStyle/>
+          <a:p>
+            <a:r>
+              <a:rPr lang="pt-BR" sz="3200" dirty="0"/>
+              <a:t>https://linktr.ee/romulocesarsilvestre</a:t>
+            </a:r>
+          </a:p>
+        </p:txBody>
+      </p:sp>
     </p:spTree>
     <p:extLst>
       <p:ext uri="{BB962C8B-B14F-4D97-AF65-F5344CB8AC3E}">
-        <p14:creationId xmlns:p14="http://schemas.microsoft.com/office/powerpoint/2010/main" val="3032161966"/>
+        <p14:creationId xmlns:p14="http://schemas.microsoft.com/office/powerpoint/2010/main" val="4104724467"/>
       </p:ext>
     </p:extLst>
   </p:cSld>
@@ -5468,6 +5551,154 @@
       </p:grpSpPr>
       <p:sp>
         <p:nvSpPr>
+          <p:cNvPr id="2" name="Título 1">
+            <a:extLst>
+              <a:ext uri="{FF2B5EF4-FFF2-40B4-BE49-F238E27FC236}">
+                <a16:creationId xmlns:a16="http://schemas.microsoft.com/office/drawing/2014/main" id="{C243218E-78D2-429B-BF6C-69373B2C2605}"/>
+              </a:ext>
+            </a:extLst>
+          </p:cNvPr>
+          <p:cNvSpPr>
+            <a:spLocks noGrp="1"/>
+          </p:cNvSpPr>
+          <p:nvPr>
+            <p:ph type="title"/>
+          </p:nvPr>
+        </p:nvSpPr>
+        <p:spPr/>
+        <p:txBody>
+          <a:bodyPr/>
+          <a:lstStyle/>
+          <a:p>
+            <a:r>
+              <a:rPr lang="pt-BR" dirty="0"/>
+              <a:t>Tarefa 1</a:t>
+            </a:r>
+          </a:p>
+        </p:txBody>
+      </p:sp>
+      <p:pic>
+        <p:nvPicPr>
+          <p:cNvPr id="4" name="Imagem 3">
+            <a:extLst>
+              <a:ext uri="{FF2B5EF4-FFF2-40B4-BE49-F238E27FC236}">
+                <a16:creationId xmlns:a16="http://schemas.microsoft.com/office/drawing/2014/main" id="{8BD7C5E2-C6DD-499A-B740-1E162D2476CD}"/>
+              </a:ext>
+            </a:extLst>
+          </p:cNvPr>
+          <p:cNvPicPr>
+            <a:picLocks noChangeAspect="1"/>
+          </p:cNvPicPr>
+          <p:nvPr/>
+        </p:nvPicPr>
+        <p:blipFill>
+          <a:blip r:embed="rId2"/>
+          <a:stretch>
+            <a:fillRect/>
+          </a:stretch>
+        </p:blipFill>
+        <p:spPr>
+          <a:xfrm>
+            <a:off x="1063752" y="1667052"/>
+            <a:ext cx="4363925" cy="536093"/>
+          </a:xfrm>
+          <a:prstGeom prst="rect">
+            <a:avLst/>
+          </a:prstGeom>
+        </p:spPr>
+      </p:pic>
+      <p:pic>
+        <p:nvPicPr>
+          <p:cNvPr id="5" name="Imagem 4">
+            <a:extLst>
+              <a:ext uri="{FF2B5EF4-FFF2-40B4-BE49-F238E27FC236}">
+                <a16:creationId xmlns:a16="http://schemas.microsoft.com/office/drawing/2014/main" id="{AD916899-9EE2-4A91-97F1-D6ED9AC0A385}"/>
+              </a:ext>
+            </a:extLst>
+          </p:cNvPr>
+          <p:cNvPicPr>
+            <a:picLocks noChangeAspect="1"/>
+          </p:cNvPicPr>
+          <p:nvPr/>
+        </p:nvPicPr>
+        <p:blipFill>
+          <a:blip r:embed="rId3"/>
+          <a:stretch>
+            <a:fillRect/>
+          </a:stretch>
+        </p:blipFill>
+        <p:spPr>
+          <a:xfrm>
+            <a:off x="1063752" y="2421105"/>
+            <a:ext cx="3884103" cy="747353"/>
+          </a:xfrm>
+          <a:prstGeom prst="rect">
+            <a:avLst/>
+          </a:prstGeom>
+        </p:spPr>
+      </p:pic>
+      <p:pic>
+        <p:nvPicPr>
+          <p:cNvPr id="6" name="Imagem 5">
+            <a:extLst>
+              <a:ext uri="{FF2B5EF4-FFF2-40B4-BE49-F238E27FC236}">
+                <a16:creationId xmlns:a16="http://schemas.microsoft.com/office/drawing/2014/main" id="{E3A3AE13-1348-49DA-B6BF-5A8E99195E34}"/>
+              </a:ext>
+            </a:extLst>
+          </p:cNvPr>
+          <p:cNvPicPr>
+            <a:picLocks noChangeAspect="1"/>
+          </p:cNvPicPr>
+          <p:nvPr/>
+        </p:nvPicPr>
+        <p:blipFill>
+          <a:blip r:embed="rId4"/>
+          <a:stretch>
+            <a:fillRect/>
+          </a:stretch>
+        </p:blipFill>
+        <p:spPr>
+          <a:xfrm>
+            <a:off x="5427677" y="1339923"/>
+            <a:ext cx="6304776" cy="4112549"/>
+          </a:xfrm>
+          <a:prstGeom prst="rect">
+            <a:avLst/>
+          </a:prstGeom>
+        </p:spPr>
+      </p:pic>
+    </p:spTree>
+    <p:extLst>
+      <p:ext uri="{BB962C8B-B14F-4D97-AF65-F5344CB8AC3E}">
+        <p14:creationId xmlns:p14="http://schemas.microsoft.com/office/powerpoint/2010/main" val="3032161966"/>
+      </p:ext>
+    </p:extLst>
+  </p:cSld>
+  <p:clrMapOvr>
+    <a:masterClrMapping/>
+  </p:clrMapOvr>
+</p:sld>
+</file>
+
+<file path=ppt/slides/slide21.xml><?xml version="1.0" encoding="utf-8"?>
+<p:sld xmlns:a="http://schemas.openxmlformats.org/drawingml/2006/main" xmlns:r="http://schemas.openxmlformats.org/officeDocument/2006/relationships" xmlns:p="http://schemas.openxmlformats.org/presentationml/2006/main">
+  <p:cSld>
+    <p:spTree>
+      <p:nvGrpSpPr>
+        <p:cNvPr id="1" name=""/>
+        <p:cNvGrpSpPr/>
+        <p:nvPr/>
+      </p:nvGrpSpPr>
+      <p:grpSpPr>
+        <a:xfrm>
+          <a:off x="0" y="0"/>
+          <a:ext cx="0" cy="0"/>
+          <a:chOff x="0" y="0"/>
+          <a:chExt cx="0" cy="0"/>
+        </a:xfrm>
+      </p:grpSpPr>
+      <p:sp>
+        <p:nvSpPr>
           <p:cNvPr id="6" name="CaixaDeTexto 5">
             <a:extLst>
               <a:ext uri="{FF2B5EF4-FFF2-40B4-BE49-F238E27FC236}">
@@ -5607,219 +5838,6 @@
 </p:sld>
 </file>
 
-<file path=ppt/slides/slide21.xml><?xml version="1.0" encoding="utf-8"?>
-<p:sld xmlns:a="http://schemas.openxmlformats.org/drawingml/2006/main" xmlns:r="http://schemas.openxmlformats.org/officeDocument/2006/relationships" xmlns:p="http://schemas.openxmlformats.org/presentationml/2006/main">
-  <p:cSld>
-    <p:spTree>
-      <p:nvGrpSpPr>
-        <p:cNvPr id="1" name=""/>
-        <p:cNvGrpSpPr/>
-        <p:nvPr/>
-      </p:nvGrpSpPr>
-      <p:grpSpPr>
-        <a:xfrm>
-          <a:off x="0" y="0"/>
-          <a:ext cx="0" cy="0"/>
-          <a:chOff x="0" y="0"/>
-          <a:chExt cx="0" cy="0"/>
-        </a:xfrm>
-      </p:grpSpPr>
-      <p:sp>
-        <p:nvSpPr>
-          <p:cNvPr id="2" name="Título 1">
-            <a:extLst>
-              <a:ext uri="{FF2B5EF4-FFF2-40B4-BE49-F238E27FC236}">
-                <a16:creationId xmlns:a16="http://schemas.microsoft.com/office/drawing/2014/main" id="{FFFFA4F6-23BA-4A22-A3F0-E900FCD6B30F}"/>
-              </a:ext>
-            </a:extLst>
-          </p:cNvPr>
-          <p:cNvSpPr>
-            <a:spLocks noGrp="1"/>
-          </p:cNvSpPr>
-          <p:nvPr>
-            <p:ph type="title"/>
-          </p:nvPr>
-        </p:nvSpPr>
-        <p:spPr/>
-        <p:txBody>
-          <a:bodyPr/>
-          <a:lstStyle/>
-          <a:p>
-            <a:r>
-              <a:rPr lang="pt-BR" dirty="0"/>
-              <a:t>Tarefa 3</a:t>
-            </a:r>
-          </a:p>
-        </p:txBody>
-      </p:sp>
-      <p:sp>
-        <p:nvSpPr>
-          <p:cNvPr id="3" name="Espaço Reservado para Conteúdo 2">
-            <a:extLst>
-              <a:ext uri="{FF2B5EF4-FFF2-40B4-BE49-F238E27FC236}">
-                <a16:creationId xmlns:a16="http://schemas.microsoft.com/office/drawing/2014/main" id="{54713C7E-4573-4D29-B622-0D89B4CE58B4}"/>
-              </a:ext>
-            </a:extLst>
-          </p:cNvPr>
-          <p:cNvSpPr>
-            <a:spLocks noGrp="1"/>
-          </p:cNvSpPr>
-          <p:nvPr>
-            <p:ph idx="1"/>
-          </p:nvPr>
-        </p:nvSpPr>
-        <p:spPr/>
-        <p:txBody>
-          <a:bodyPr/>
-          <a:lstStyle/>
-          <a:p>
-            <a:endParaRPr lang="pt-BR" dirty="0"/>
-          </a:p>
-        </p:txBody>
-      </p:sp>
-      <p:pic>
-        <p:nvPicPr>
-          <p:cNvPr id="4" name="Imagem 3">
-            <a:extLst>
-              <a:ext uri="{FF2B5EF4-FFF2-40B4-BE49-F238E27FC236}">
-                <a16:creationId xmlns:a16="http://schemas.microsoft.com/office/drawing/2014/main" id="{C8ABC6E4-9C57-4929-A582-50FB3401D015}"/>
-              </a:ext>
-            </a:extLst>
-          </p:cNvPr>
-          <p:cNvPicPr>
-            <a:picLocks noChangeAspect="1"/>
-          </p:cNvPicPr>
-          <p:nvPr/>
-        </p:nvPicPr>
-        <p:blipFill>
-          <a:blip r:embed="rId2"/>
-          <a:stretch>
-            <a:fillRect/>
-          </a:stretch>
-        </p:blipFill>
-        <p:spPr>
-          <a:xfrm>
-            <a:off x="1063752" y="3006971"/>
-            <a:ext cx="10856582" cy="1388860"/>
-          </a:xfrm>
-          <a:prstGeom prst="rect">
-            <a:avLst/>
-          </a:prstGeom>
-        </p:spPr>
-      </p:pic>
-      <p:pic>
-        <p:nvPicPr>
-          <p:cNvPr id="5" name="Imagem 4">
-            <a:extLst>
-              <a:ext uri="{FF2B5EF4-FFF2-40B4-BE49-F238E27FC236}">
-                <a16:creationId xmlns:a16="http://schemas.microsoft.com/office/drawing/2014/main" id="{9005D64F-C9DC-4057-9179-952AA771A052}"/>
-              </a:ext>
-            </a:extLst>
-          </p:cNvPr>
-          <p:cNvPicPr>
-            <a:picLocks noChangeAspect="1"/>
-          </p:cNvPicPr>
-          <p:nvPr/>
-        </p:nvPicPr>
-        <p:blipFill>
-          <a:blip r:embed="rId3"/>
-          <a:stretch>
-            <a:fillRect/>
-          </a:stretch>
-        </p:blipFill>
-        <p:spPr>
-          <a:xfrm>
-            <a:off x="1063752" y="2178034"/>
-            <a:ext cx="10848615" cy="653531"/>
-          </a:xfrm>
-          <a:prstGeom prst="rect">
-            <a:avLst/>
-          </a:prstGeom>
-        </p:spPr>
-      </p:pic>
-      <p:sp>
-        <p:nvSpPr>
-          <p:cNvPr id="6" name="CaixaDeTexto 5">
-            <a:extLst>
-              <a:ext uri="{FF2B5EF4-FFF2-40B4-BE49-F238E27FC236}">
-                <a16:creationId xmlns:a16="http://schemas.microsoft.com/office/drawing/2014/main" id="{A5896155-2818-478C-B3DF-032CC7DD6A73}"/>
-              </a:ext>
-            </a:extLst>
-          </p:cNvPr>
-          <p:cNvSpPr txBox="1"/>
-          <p:nvPr/>
-        </p:nvSpPr>
-        <p:spPr>
-          <a:xfrm>
-            <a:off x="453006" y="2281805"/>
-            <a:ext cx="502061" cy="369332"/>
-          </a:xfrm>
-          <a:prstGeom prst="rect">
-            <a:avLst/>
-          </a:prstGeom>
-          <a:noFill/>
-        </p:spPr>
-        <p:txBody>
-          <a:bodyPr wrap="none" rtlCol="0">
-            <a:spAutoFit/>
-          </a:bodyPr>
-          <a:lstStyle/>
-          <a:p>
-            <a:r>
-              <a:rPr lang="pt-BR" dirty="0"/>
-              <a:t>3.1</a:t>
-            </a:r>
-          </a:p>
-        </p:txBody>
-      </p:sp>
-      <p:sp>
-        <p:nvSpPr>
-          <p:cNvPr id="7" name="CaixaDeTexto 6">
-            <a:extLst>
-              <a:ext uri="{FF2B5EF4-FFF2-40B4-BE49-F238E27FC236}">
-                <a16:creationId xmlns:a16="http://schemas.microsoft.com/office/drawing/2014/main" id="{888C8EB2-6032-4816-B0A7-1AFD839B7A57}"/>
-              </a:ext>
-            </a:extLst>
-          </p:cNvPr>
-          <p:cNvSpPr txBox="1"/>
-          <p:nvPr/>
-        </p:nvSpPr>
-        <p:spPr>
-          <a:xfrm>
-            <a:off x="443978" y="3633831"/>
-            <a:ext cx="502061" cy="369332"/>
-          </a:xfrm>
-          <a:prstGeom prst="rect">
-            <a:avLst/>
-          </a:prstGeom>
-          <a:noFill/>
-        </p:spPr>
-        <p:txBody>
-          <a:bodyPr wrap="none" rtlCol="0">
-            <a:spAutoFit/>
-          </a:bodyPr>
-          <a:lstStyle/>
-          <a:p>
-            <a:r>
-              <a:rPr lang="pt-BR" dirty="0"/>
-              <a:t>3.2</a:t>
-            </a:r>
-          </a:p>
-        </p:txBody>
-      </p:sp>
-    </p:spTree>
-    <p:extLst>
-      <p:ext uri="{BB962C8B-B14F-4D97-AF65-F5344CB8AC3E}">
-        <p14:creationId xmlns:p14="http://schemas.microsoft.com/office/powerpoint/2010/main" val="2360944457"/>
-      </p:ext>
-    </p:extLst>
-  </p:cSld>
-  <p:clrMapOvr>
-    <a:masterClrMapping/>
-  </p:clrMapOvr>
-</p:sld>
-</file>
-
 <file path=ppt/slides/slide22.xml><?xml version="1.0" encoding="utf-8"?>
 <p:sld xmlns:a="http://schemas.openxmlformats.org/drawingml/2006/main" xmlns:r="http://schemas.openxmlformats.org/officeDocument/2006/relationships" xmlns:p="http://schemas.openxmlformats.org/presentationml/2006/main">
   <p:cSld>
@@ -5837,12 +5855,65 @@
           <a:chExt cx="0" cy="0"/>
         </a:xfrm>
       </p:grpSpPr>
+      <p:sp>
+        <p:nvSpPr>
+          <p:cNvPr id="2" name="Título 1">
+            <a:extLst>
+              <a:ext uri="{FF2B5EF4-FFF2-40B4-BE49-F238E27FC236}">
+                <a16:creationId xmlns:a16="http://schemas.microsoft.com/office/drawing/2014/main" id="{FFFFA4F6-23BA-4A22-A3F0-E900FCD6B30F}"/>
+              </a:ext>
+            </a:extLst>
+          </p:cNvPr>
+          <p:cNvSpPr>
+            <a:spLocks noGrp="1"/>
+          </p:cNvSpPr>
+          <p:nvPr>
+            <p:ph type="title"/>
+          </p:nvPr>
+        </p:nvSpPr>
+        <p:spPr/>
+        <p:txBody>
+          <a:bodyPr/>
+          <a:lstStyle/>
+          <a:p>
+            <a:r>
+              <a:rPr lang="pt-BR" dirty="0"/>
+              <a:t>Tarefa 3</a:t>
+            </a:r>
+          </a:p>
+        </p:txBody>
+      </p:sp>
+      <p:sp>
+        <p:nvSpPr>
+          <p:cNvPr id="3" name="Espaço Reservado para Conteúdo 2">
+            <a:extLst>
+              <a:ext uri="{FF2B5EF4-FFF2-40B4-BE49-F238E27FC236}">
+                <a16:creationId xmlns:a16="http://schemas.microsoft.com/office/drawing/2014/main" id="{54713C7E-4573-4D29-B622-0D89B4CE58B4}"/>
+              </a:ext>
+            </a:extLst>
+          </p:cNvPr>
+          <p:cNvSpPr>
+            <a:spLocks noGrp="1"/>
+          </p:cNvSpPr>
+          <p:nvPr>
+            <p:ph idx="1"/>
+          </p:nvPr>
+        </p:nvSpPr>
+        <p:spPr/>
+        <p:txBody>
+          <a:bodyPr/>
+          <a:lstStyle/>
+          <a:p>
+            <a:endParaRPr lang="pt-BR" dirty="0"/>
+          </a:p>
+        </p:txBody>
+      </p:sp>
       <p:pic>
         <p:nvPicPr>
-          <p:cNvPr id="3" name="Imagem 2">
-            <a:extLst>
-              <a:ext uri="{FF2B5EF4-FFF2-40B4-BE49-F238E27FC236}">
-                <a16:creationId xmlns:a16="http://schemas.microsoft.com/office/drawing/2014/main" id="{E3E0F3A5-C3B7-4883-8636-4F12A19DB1EE}"/>
+          <p:cNvPr id="4" name="Imagem 3">
+            <a:extLst>
+              <a:ext uri="{FF2B5EF4-FFF2-40B4-BE49-F238E27FC236}">
+                <a16:creationId xmlns:a16="http://schemas.microsoft.com/office/drawing/2014/main" id="{C8ABC6E4-9C57-4929-A582-50FB3401D015}"/>
               </a:ext>
             </a:extLst>
           </p:cNvPr>
@@ -5859,18 +5930,118 @@
         </p:blipFill>
         <p:spPr>
           <a:xfrm>
-            <a:off x="0" y="751037"/>
-            <a:ext cx="12192000" cy="4584137"/>
+            <a:off x="1063752" y="3006971"/>
+            <a:ext cx="10856582" cy="1388860"/>
           </a:xfrm>
           <a:prstGeom prst="rect">
             <a:avLst/>
           </a:prstGeom>
         </p:spPr>
       </p:pic>
+      <p:pic>
+        <p:nvPicPr>
+          <p:cNvPr id="5" name="Imagem 4">
+            <a:extLst>
+              <a:ext uri="{FF2B5EF4-FFF2-40B4-BE49-F238E27FC236}">
+                <a16:creationId xmlns:a16="http://schemas.microsoft.com/office/drawing/2014/main" id="{9005D64F-C9DC-4057-9179-952AA771A052}"/>
+              </a:ext>
+            </a:extLst>
+          </p:cNvPr>
+          <p:cNvPicPr>
+            <a:picLocks noChangeAspect="1"/>
+          </p:cNvPicPr>
+          <p:nvPr/>
+        </p:nvPicPr>
+        <p:blipFill>
+          <a:blip r:embed="rId3"/>
+          <a:stretch>
+            <a:fillRect/>
+          </a:stretch>
+        </p:blipFill>
+        <p:spPr>
+          <a:xfrm>
+            <a:off x="1063752" y="2178034"/>
+            <a:ext cx="10848615" cy="653531"/>
+          </a:xfrm>
+          <a:prstGeom prst="rect">
+            <a:avLst/>
+          </a:prstGeom>
+        </p:spPr>
+      </p:pic>
+      <p:sp>
+        <p:nvSpPr>
+          <p:cNvPr id="6" name="CaixaDeTexto 5">
+            <a:extLst>
+              <a:ext uri="{FF2B5EF4-FFF2-40B4-BE49-F238E27FC236}">
+                <a16:creationId xmlns:a16="http://schemas.microsoft.com/office/drawing/2014/main" id="{A5896155-2818-478C-B3DF-032CC7DD6A73}"/>
+              </a:ext>
+            </a:extLst>
+          </p:cNvPr>
+          <p:cNvSpPr txBox="1"/>
+          <p:nvPr/>
+        </p:nvSpPr>
+        <p:spPr>
+          <a:xfrm>
+            <a:off x="453006" y="2281805"/>
+            <a:ext cx="502061" cy="369332"/>
+          </a:xfrm>
+          <a:prstGeom prst="rect">
+            <a:avLst/>
+          </a:prstGeom>
+          <a:noFill/>
+        </p:spPr>
+        <p:txBody>
+          <a:bodyPr wrap="none" rtlCol="0">
+            <a:spAutoFit/>
+          </a:bodyPr>
+          <a:lstStyle/>
+          <a:p>
+            <a:r>
+              <a:rPr lang="pt-BR" dirty="0"/>
+              <a:t>3.1</a:t>
+            </a:r>
+          </a:p>
+        </p:txBody>
+      </p:sp>
+      <p:sp>
+        <p:nvSpPr>
+          <p:cNvPr id="7" name="CaixaDeTexto 6">
+            <a:extLst>
+              <a:ext uri="{FF2B5EF4-FFF2-40B4-BE49-F238E27FC236}">
+                <a16:creationId xmlns:a16="http://schemas.microsoft.com/office/drawing/2014/main" id="{888C8EB2-6032-4816-B0A7-1AFD839B7A57}"/>
+              </a:ext>
+            </a:extLst>
+          </p:cNvPr>
+          <p:cNvSpPr txBox="1"/>
+          <p:nvPr/>
+        </p:nvSpPr>
+        <p:spPr>
+          <a:xfrm>
+            <a:off x="443978" y="3633831"/>
+            <a:ext cx="502061" cy="369332"/>
+          </a:xfrm>
+          <a:prstGeom prst="rect">
+            <a:avLst/>
+          </a:prstGeom>
+          <a:noFill/>
+        </p:spPr>
+        <p:txBody>
+          <a:bodyPr wrap="none" rtlCol="0">
+            <a:spAutoFit/>
+          </a:bodyPr>
+          <a:lstStyle/>
+          <a:p>
+            <a:r>
+              <a:rPr lang="pt-BR" dirty="0"/>
+              <a:t>3.2</a:t>
+            </a:r>
+          </a:p>
+        </p:txBody>
+      </p:sp>
     </p:spTree>
     <p:extLst>
       <p:ext uri="{BB962C8B-B14F-4D97-AF65-F5344CB8AC3E}">
-        <p14:creationId xmlns:p14="http://schemas.microsoft.com/office/powerpoint/2010/main" val="3068258202"/>
+        <p14:creationId xmlns:p14="http://schemas.microsoft.com/office/powerpoint/2010/main" val="2360944457"/>
       </p:ext>
     </p:extLst>
   </p:cSld>
@@ -5897,82 +6068,40 @@
           <a:chExt cx="0" cy="0"/>
         </a:xfrm>
       </p:grpSpPr>
-      <p:sp>
-        <p:nvSpPr>
-          <p:cNvPr id="2" name="Título 1">
-            <a:extLst>
-              <a:ext uri="{FF2B5EF4-FFF2-40B4-BE49-F238E27FC236}">
-                <a16:creationId xmlns:a16="http://schemas.microsoft.com/office/drawing/2014/main" id="{BFEA56D6-010B-40B6-BCBC-068566013AE6}"/>
-              </a:ext>
-            </a:extLst>
-          </p:cNvPr>
-          <p:cNvSpPr>
-            <a:spLocks noGrp="1"/>
-          </p:cNvSpPr>
-          <p:nvPr>
-            <p:ph type="title"/>
-          </p:nvPr>
-        </p:nvSpPr>
-        <p:spPr/>
-        <p:txBody>
-          <a:bodyPr/>
-          <a:lstStyle/>
-          <a:p>
-            <a:r>
-              <a:rPr lang="pt-BR" b="1" dirty="0"/>
-              <a:t>Escolha do Gráfico</a:t>
-            </a:r>
-            <a:br>
-              <a:rPr lang="pt-BR" b="1" dirty="0"/>
-            </a:br>
-            <a:endParaRPr lang="pt-BR" dirty="0"/>
-          </a:p>
-        </p:txBody>
-      </p:sp>
-      <p:sp>
-        <p:nvSpPr>
-          <p:cNvPr id="3" name="Espaço Reservado para Conteúdo 2">
-            <a:extLst>
-              <a:ext uri="{FF2B5EF4-FFF2-40B4-BE49-F238E27FC236}">
-                <a16:creationId xmlns:a16="http://schemas.microsoft.com/office/drawing/2014/main" id="{F70425C2-6498-4C3E-9330-02F9818E678D}"/>
-              </a:ext>
-            </a:extLst>
-          </p:cNvPr>
-          <p:cNvSpPr>
-            <a:spLocks noGrp="1"/>
-          </p:cNvSpPr>
-          <p:nvPr>
-            <p:ph idx="1"/>
-          </p:nvPr>
-        </p:nvSpPr>
-        <p:spPr/>
-        <p:txBody>
-          <a:bodyPr/>
-          <a:lstStyle/>
-          <a:p>
-            <a:pPr algn="just"/>
-            <a:r>
-              <a:rPr lang="pt-BR" dirty="0"/>
-              <a:t>Um </a:t>
-            </a:r>
-            <a:r>
-              <a:rPr lang="pt-BR" dirty="0" err="1"/>
-              <a:t>boxplot</a:t>
-            </a:r>
-            <a:r>
-              <a:rPr lang="pt-BR" dirty="0"/>
-              <a:t> é excelente para comparar a distribuição de notas entre diferentes estilos musicais, pois ele mostra a mediana, os quartis, e os outliers de cada gênero musical. Isso ajuda a identificar rapidamente qual estilo tem a maior ou menor mediana, além de destacar valores extremos.</a:t>
-            </a:r>
-          </a:p>
-          <a:p>
-            <a:endParaRPr lang="pt-BR" dirty="0"/>
-          </a:p>
-        </p:txBody>
-      </p:sp>
+      <p:pic>
+        <p:nvPicPr>
+          <p:cNvPr id="3" name="Imagem 2">
+            <a:extLst>
+              <a:ext uri="{FF2B5EF4-FFF2-40B4-BE49-F238E27FC236}">
+                <a16:creationId xmlns:a16="http://schemas.microsoft.com/office/drawing/2014/main" id="{E3E0F3A5-C3B7-4883-8636-4F12A19DB1EE}"/>
+              </a:ext>
+            </a:extLst>
+          </p:cNvPr>
+          <p:cNvPicPr>
+            <a:picLocks noChangeAspect="1"/>
+          </p:cNvPicPr>
+          <p:nvPr/>
+        </p:nvPicPr>
+        <p:blipFill>
+          <a:blip r:embed="rId2"/>
+          <a:stretch>
+            <a:fillRect/>
+          </a:stretch>
+        </p:blipFill>
+        <p:spPr>
+          <a:xfrm>
+            <a:off x="0" y="751037"/>
+            <a:ext cx="12192000" cy="4584137"/>
+          </a:xfrm>
+          <a:prstGeom prst="rect">
+            <a:avLst/>
+          </a:prstGeom>
+        </p:spPr>
+      </p:pic>
     </p:spTree>
     <p:extLst>
       <p:ext uri="{BB962C8B-B14F-4D97-AF65-F5344CB8AC3E}">
-        <p14:creationId xmlns:p14="http://schemas.microsoft.com/office/powerpoint/2010/main" val="1354486734"/>
+        <p14:creationId xmlns:p14="http://schemas.microsoft.com/office/powerpoint/2010/main" val="3068258202"/>
       </p:ext>
     </p:extLst>
   </p:cSld>
@@ -6004,7 +6133,7 @@
           <p:cNvPr id="2" name="Título 1">
             <a:extLst>
               <a:ext uri="{FF2B5EF4-FFF2-40B4-BE49-F238E27FC236}">
-                <a16:creationId xmlns:a16="http://schemas.microsoft.com/office/drawing/2014/main" id="{32CF4118-97B8-487F-8710-89BCFEEC4BA2}"/>
+                <a16:creationId xmlns:a16="http://schemas.microsoft.com/office/drawing/2014/main" id="{BFEA56D6-010B-40B6-BCBC-068566013AE6}"/>
               </a:ext>
             </a:extLst>
           </p:cNvPr>
@@ -6021,9 +6150,13 @@
           <a:lstStyle/>
           <a:p>
             <a:r>
-              <a:rPr lang="pt-BR" dirty="0"/>
-              <a:t>Crie uma figura</a:t>
-            </a:r>
+              <a:rPr lang="pt-BR" b="1" dirty="0"/>
+              <a:t>Escolha do Gráfico</a:t>
+            </a:r>
+            <a:br>
+              <a:rPr lang="pt-BR" b="1" dirty="0"/>
+            </a:br>
+            <a:endParaRPr lang="pt-BR" dirty="0"/>
           </a:p>
         </p:txBody>
       </p:sp>
@@ -6032,7 +6165,7 @@
           <p:cNvPr id="3" name="Espaço Reservado para Conteúdo 2">
             <a:extLst>
               <a:ext uri="{FF2B5EF4-FFF2-40B4-BE49-F238E27FC236}">
-                <a16:creationId xmlns:a16="http://schemas.microsoft.com/office/drawing/2014/main" id="{497C754D-35C3-4E8D-842A-B9578AEB1DCC}"/>
+                <a16:creationId xmlns:a16="http://schemas.microsoft.com/office/drawing/2014/main" id="{F70425C2-6498-4C3E-9330-02F9818E678D}"/>
               </a:ext>
             </a:extLst>
           </p:cNvPr>
@@ -6048,60 +6181,29 @@
           <a:bodyPr/>
           <a:lstStyle/>
           <a:p>
-            <a:endParaRPr lang="pt-BR"/>
-          </a:p>
-        </p:txBody>
-      </p:sp>
-      <p:sp>
-        <p:nvSpPr>
-          <p:cNvPr id="4" name="Retângulo 3">
-            <a:extLst>
-              <a:ext uri="{FF2B5EF4-FFF2-40B4-BE49-F238E27FC236}">
-                <a16:creationId xmlns:a16="http://schemas.microsoft.com/office/drawing/2014/main" id="{6703E8E2-B7C7-4805-8285-6EA041F92C9B}"/>
-              </a:ext>
-            </a:extLst>
-          </p:cNvPr>
-          <p:cNvSpPr/>
-          <p:nvPr/>
-        </p:nvSpPr>
-        <p:spPr>
-          <a:xfrm>
-            <a:off x="2033766" y="3223474"/>
-            <a:ext cx="8124468" cy="923330"/>
-          </a:xfrm>
-          <a:prstGeom prst="rect">
-            <a:avLst/>
-          </a:prstGeom>
-        </p:spPr>
-        <p:txBody>
-          <a:bodyPr wrap="none">
-            <a:spAutoFit/>
-          </a:bodyPr>
-          <a:lstStyle/>
-          <a:p>
-            <a:r>
-              <a:rPr lang="pt-BR" sz="5400" dirty="0" err="1"/>
-              <a:t>plt.figure</a:t>
-            </a:r>
-            <a:r>
-              <a:rPr lang="pt-BR" sz="5400" dirty="0"/>
-              <a:t>(</a:t>
-            </a:r>
-            <a:r>
-              <a:rPr lang="pt-BR" sz="5400" dirty="0" err="1"/>
-              <a:t>figsize</a:t>
-            </a:r>
-            <a:r>
-              <a:rPr lang="pt-BR" sz="5400" dirty="0"/>
-              <a:t>=(12, 6))</a:t>
-            </a:r>
+            <a:pPr algn="just"/>
+            <a:r>
+              <a:rPr lang="pt-BR" dirty="0"/>
+              <a:t>Um </a:t>
+            </a:r>
+            <a:r>
+              <a:rPr lang="pt-BR" dirty="0" err="1"/>
+              <a:t>boxplot</a:t>
+            </a:r>
+            <a:r>
+              <a:rPr lang="pt-BR" dirty="0"/>
+              <a:t> é excelente para comparar a distribuição de notas entre diferentes estilos musicais, pois ele mostra a mediana, os quartis, e os outliers de cada gênero musical. Isso ajuda a identificar rapidamente qual estilo tem a maior ou menor mediana, além de destacar valores extremos.</a:t>
+            </a:r>
+          </a:p>
+          <a:p>
+            <a:endParaRPr lang="pt-BR" dirty="0"/>
           </a:p>
         </p:txBody>
       </p:sp>
     </p:spTree>
     <p:extLst>
       <p:ext uri="{BB962C8B-B14F-4D97-AF65-F5344CB8AC3E}">
-        <p14:creationId xmlns:p14="http://schemas.microsoft.com/office/powerpoint/2010/main" val="4030364252"/>
+        <p14:creationId xmlns:p14="http://schemas.microsoft.com/office/powerpoint/2010/main" val="1354486734"/>
       </p:ext>
     </p:extLst>
   </p:cSld>
@@ -6133,7 +6235,7 @@
           <p:cNvPr id="2" name="Título 1">
             <a:extLst>
               <a:ext uri="{FF2B5EF4-FFF2-40B4-BE49-F238E27FC236}">
-                <a16:creationId xmlns:a16="http://schemas.microsoft.com/office/drawing/2014/main" id="{280BA710-D266-4F5C-ABE4-39780BA5B482}"/>
+                <a16:creationId xmlns:a16="http://schemas.microsoft.com/office/drawing/2014/main" id="{32CF4118-97B8-487F-8710-89BCFEEC4BA2}"/>
               </a:ext>
             </a:extLst>
           </p:cNvPr>
@@ -6144,237 +6246,93 @@
             <p:ph type="title"/>
           </p:nvPr>
         </p:nvSpPr>
-        <p:spPr>
-          <a:xfrm>
-            <a:off x="1069848" y="-283841"/>
-            <a:ext cx="10058400" cy="1609344"/>
-          </a:xfrm>
-        </p:spPr>
+        <p:spPr/>
         <p:txBody>
           <a:bodyPr/>
           <a:lstStyle/>
           <a:p>
             <a:r>
               <a:rPr lang="pt-BR" dirty="0"/>
-              <a:t>detalhes</a:t>
-            </a:r>
-          </a:p>
-        </p:txBody>
-      </p:sp>
-      <p:pic>
-        <p:nvPicPr>
-          <p:cNvPr id="7" name="Imagem 6">
-            <a:extLst>
-              <a:ext uri="{FF2B5EF4-FFF2-40B4-BE49-F238E27FC236}">
-                <a16:creationId xmlns:a16="http://schemas.microsoft.com/office/drawing/2014/main" id="{5E686377-9999-47AA-869C-C6FBC11E9703}"/>
-              </a:ext>
-            </a:extLst>
-          </p:cNvPr>
-          <p:cNvPicPr>
-            <a:picLocks noChangeAspect="1"/>
-          </p:cNvPicPr>
-          <p:nvPr/>
-        </p:nvPicPr>
-        <p:blipFill>
-          <a:blip r:embed="rId2"/>
-          <a:stretch>
-            <a:fillRect/>
-          </a:stretch>
-        </p:blipFill>
-        <p:spPr>
-          <a:xfrm>
-            <a:off x="1063752" y="792103"/>
-            <a:ext cx="8391525" cy="1114425"/>
-          </a:xfrm>
-          <a:prstGeom prst="rect">
-            <a:avLst/>
-          </a:prstGeom>
-        </p:spPr>
-      </p:pic>
-      <p:pic>
-        <p:nvPicPr>
-          <p:cNvPr id="8" name="Imagem 7">
-            <a:extLst>
-              <a:ext uri="{FF2B5EF4-FFF2-40B4-BE49-F238E27FC236}">
-                <a16:creationId xmlns:a16="http://schemas.microsoft.com/office/drawing/2014/main" id="{73705257-E8C8-4D91-BD73-38C960F4684F}"/>
-              </a:ext>
-            </a:extLst>
-          </p:cNvPr>
-          <p:cNvPicPr>
-            <a:picLocks noChangeAspect="1"/>
-          </p:cNvPicPr>
-          <p:nvPr/>
-        </p:nvPicPr>
-        <p:blipFill>
-          <a:blip r:embed="rId3"/>
-          <a:stretch>
-            <a:fillRect/>
-          </a:stretch>
-        </p:blipFill>
-        <p:spPr>
-          <a:xfrm>
-            <a:off x="1181404" y="1943767"/>
-            <a:ext cx="7362825" cy="1885950"/>
-          </a:xfrm>
-          <a:prstGeom prst="rect">
-            <a:avLst/>
-          </a:prstGeom>
-        </p:spPr>
-      </p:pic>
-      <p:pic>
-        <p:nvPicPr>
-          <p:cNvPr id="9" name="Imagem 8">
-            <a:extLst>
-              <a:ext uri="{FF2B5EF4-FFF2-40B4-BE49-F238E27FC236}">
-                <a16:creationId xmlns:a16="http://schemas.microsoft.com/office/drawing/2014/main" id="{26580A99-718B-4AA4-B2B0-FA57D53F39AE}"/>
-              </a:ext>
-            </a:extLst>
-          </p:cNvPr>
-          <p:cNvPicPr>
-            <a:picLocks noChangeAspect="1"/>
-          </p:cNvPicPr>
-          <p:nvPr/>
-        </p:nvPicPr>
-        <p:blipFill>
-          <a:blip r:embed="rId4"/>
-          <a:stretch>
-            <a:fillRect/>
-          </a:stretch>
-        </p:blipFill>
-        <p:spPr>
-          <a:xfrm>
-            <a:off x="923182" y="3784958"/>
-            <a:ext cx="7791450" cy="847725"/>
-          </a:xfrm>
-          <a:prstGeom prst="rect">
-            <a:avLst/>
-          </a:prstGeom>
-        </p:spPr>
-      </p:pic>
-      <p:pic>
-        <p:nvPicPr>
-          <p:cNvPr id="10" name="Imagem 9">
-            <a:extLst>
-              <a:ext uri="{FF2B5EF4-FFF2-40B4-BE49-F238E27FC236}">
-                <a16:creationId xmlns:a16="http://schemas.microsoft.com/office/drawing/2014/main" id="{907D9972-8D4D-4419-B8E1-79830817B9D9}"/>
-              </a:ext>
-            </a:extLst>
-          </p:cNvPr>
-          <p:cNvPicPr>
-            <a:picLocks noChangeAspect="1"/>
-          </p:cNvPicPr>
-          <p:nvPr/>
-        </p:nvPicPr>
-        <p:blipFill>
-          <a:blip r:embed="rId5"/>
-          <a:stretch>
-            <a:fillRect/>
-          </a:stretch>
-        </p:blipFill>
-        <p:spPr>
-          <a:xfrm>
-            <a:off x="1063752" y="4680308"/>
-            <a:ext cx="6343650" cy="457200"/>
-          </a:xfrm>
-          <a:prstGeom prst="rect">
-            <a:avLst/>
-          </a:prstGeom>
-        </p:spPr>
-      </p:pic>
-      <p:pic>
-        <p:nvPicPr>
-          <p:cNvPr id="11" name="Imagem 10">
-            <a:extLst>
-              <a:ext uri="{FF2B5EF4-FFF2-40B4-BE49-F238E27FC236}">
-                <a16:creationId xmlns:a16="http://schemas.microsoft.com/office/drawing/2014/main" id="{3F33A6B5-3F9C-405E-91D8-D732B726BC48}"/>
-              </a:ext>
-            </a:extLst>
-          </p:cNvPr>
-          <p:cNvPicPr>
-            <a:picLocks noChangeAspect="1"/>
-          </p:cNvPicPr>
-          <p:nvPr/>
-        </p:nvPicPr>
-        <p:blipFill>
-          <a:blip r:embed="rId6"/>
-          <a:stretch>
-            <a:fillRect/>
-          </a:stretch>
-        </p:blipFill>
-        <p:spPr>
-          <a:xfrm>
-            <a:off x="923182" y="5171668"/>
-            <a:ext cx="7191375" cy="409575"/>
-          </a:xfrm>
-          <a:prstGeom prst="rect">
-            <a:avLst/>
-          </a:prstGeom>
-        </p:spPr>
-      </p:pic>
-      <p:pic>
-        <p:nvPicPr>
-          <p:cNvPr id="12" name="Imagem 11">
-            <a:extLst>
-              <a:ext uri="{FF2B5EF4-FFF2-40B4-BE49-F238E27FC236}">
-                <a16:creationId xmlns:a16="http://schemas.microsoft.com/office/drawing/2014/main" id="{D22993D1-CE0B-439B-A170-D54AC5291FE6}"/>
-              </a:ext>
-            </a:extLst>
-          </p:cNvPr>
-          <p:cNvPicPr>
-            <a:picLocks noChangeAspect="1"/>
-          </p:cNvPicPr>
-          <p:nvPr/>
-        </p:nvPicPr>
-        <p:blipFill>
-          <a:blip r:embed="rId7"/>
-          <a:stretch>
-            <a:fillRect/>
-          </a:stretch>
-        </p:blipFill>
-        <p:spPr>
-          <a:xfrm>
-            <a:off x="1122475" y="5615403"/>
-            <a:ext cx="7981950" cy="1076325"/>
-          </a:xfrm>
-          <a:prstGeom prst="rect">
-            <a:avLst/>
-          </a:prstGeom>
-        </p:spPr>
-      </p:pic>
-      <p:pic>
-        <p:nvPicPr>
-          <p:cNvPr id="13" name="Imagem 12">
-            <a:extLst>
-              <a:ext uri="{FF2B5EF4-FFF2-40B4-BE49-F238E27FC236}">
-                <a16:creationId xmlns:a16="http://schemas.microsoft.com/office/drawing/2014/main" id="{DDF03BD1-FDA0-4814-8303-3F6337DC4AF0}"/>
-              </a:ext>
-            </a:extLst>
-          </p:cNvPr>
-          <p:cNvPicPr>
-            <a:picLocks noChangeAspect="1"/>
-          </p:cNvPicPr>
-          <p:nvPr/>
-        </p:nvPicPr>
-        <p:blipFill>
-          <a:blip r:embed="rId8"/>
-          <a:stretch>
-            <a:fillRect/>
-          </a:stretch>
-        </p:blipFill>
-        <p:spPr>
-          <a:xfrm>
-            <a:off x="7296150" y="4594583"/>
-            <a:ext cx="4895850" cy="542925"/>
-          </a:xfrm>
-          <a:prstGeom prst="rect">
-            <a:avLst/>
-          </a:prstGeom>
-        </p:spPr>
-      </p:pic>
+              <a:t>Crie uma figura</a:t>
+            </a:r>
+          </a:p>
+        </p:txBody>
+      </p:sp>
+      <p:sp>
+        <p:nvSpPr>
+          <p:cNvPr id="3" name="Espaço Reservado para Conteúdo 2">
+            <a:extLst>
+              <a:ext uri="{FF2B5EF4-FFF2-40B4-BE49-F238E27FC236}">
+                <a16:creationId xmlns:a16="http://schemas.microsoft.com/office/drawing/2014/main" id="{497C754D-35C3-4E8D-842A-B9578AEB1DCC}"/>
+              </a:ext>
+            </a:extLst>
+          </p:cNvPr>
+          <p:cNvSpPr>
+            <a:spLocks noGrp="1"/>
+          </p:cNvSpPr>
+          <p:nvPr>
+            <p:ph idx="1"/>
+          </p:nvPr>
+        </p:nvSpPr>
+        <p:spPr/>
+        <p:txBody>
+          <a:bodyPr/>
+          <a:lstStyle/>
+          <a:p>
+            <a:endParaRPr lang="pt-BR"/>
+          </a:p>
+        </p:txBody>
+      </p:sp>
+      <p:sp>
+        <p:nvSpPr>
+          <p:cNvPr id="4" name="Retângulo 3">
+            <a:extLst>
+              <a:ext uri="{FF2B5EF4-FFF2-40B4-BE49-F238E27FC236}">
+                <a16:creationId xmlns:a16="http://schemas.microsoft.com/office/drawing/2014/main" id="{6703E8E2-B7C7-4805-8285-6EA041F92C9B}"/>
+              </a:ext>
+            </a:extLst>
+          </p:cNvPr>
+          <p:cNvSpPr/>
+          <p:nvPr/>
+        </p:nvSpPr>
+        <p:spPr>
+          <a:xfrm>
+            <a:off x="2033766" y="3223474"/>
+            <a:ext cx="8124468" cy="923330"/>
+          </a:xfrm>
+          <a:prstGeom prst="rect">
+            <a:avLst/>
+          </a:prstGeom>
+        </p:spPr>
+        <p:txBody>
+          <a:bodyPr wrap="none">
+            <a:spAutoFit/>
+          </a:bodyPr>
+          <a:lstStyle/>
+          <a:p>
+            <a:r>
+              <a:rPr lang="pt-BR" sz="5400" dirty="0" err="1"/>
+              <a:t>plt.figure</a:t>
+            </a:r>
+            <a:r>
+              <a:rPr lang="pt-BR" sz="5400" dirty="0"/>
+              <a:t>(</a:t>
+            </a:r>
+            <a:r>
+              <a:rPr lang="pt-BR" sz="5400" dirty="0" err="1"/>
+              <a:t>figsize</a:t>
+            </a:r>
+            <a:r>
+              <a:rPr lang="pt-BR" sz="5400" dirty="0"/>
+              <a:t>=(12, 6))</a:t>
+            </a:r>
+          </a:p>
+        </p:txBody>
+      </p:sp>
     </p:spTree>
     <p:extLst>
       <p:ext uri="{BB962C8B-B14F-4D97-AF65-F5344CB8AC3E}">
-        <p14:creationId xmlns:p14="http://schemas.microsoft.com/office/powerpoint/2010/main" val="1489151353"/>
+        <p14:creationId xmlns:p14="http://schemas.microsoft.com/office/powerpoint/2010/main" val="4030364252"/>
       </p:ext>
     </p:extLst>
   </p:cSld>
@@ -6401,12 +6359,45 @@
           <a:chExt cx="0" cy="0"/>
         </a:xfrm>
       </p:grpSpPr>
+      <p:sp>
+        <p:nvSpPr>
+          <p:cNvPr id="2" name="Título 1">
+            <a:extLst>
+              <a:ext uri="{FF2B5EF4-FFF2-40B4-BE49-F238E27FC236}">
+                <a16:creationId xmlns:a16="http://schemas.microsoft.com/office/drawing/2014/main" id="{280BA710-D266-4F5C-ABE4-39780BA5B482}"/>
+              </a:ext>
+            </a:extLst>
+          </p:cNvPr>
+          <p:cNvSpPr>
+            <a:spLocks noGrp="1"/>
+          </p:cNvSpPr>
+          <p:nvPr>
+            <p:ph type="title"/>
+          </p:nvPr>
+        </p:nvSpPr>
+        <p:spPr>
+          <a:xfrm>
+            <a:off x="1069848" y="-283841"/>
+            <a:ext cx="10058400" cy="1609344"/>
+          </a:xfrm>
+        </p:spPr>
+        <p:txBody>
+          <a:bodyPr/>
+          <a:lstStyle/>
+          <a:p>
+            <a:r>
+              <a:rPr lang="pt-BR" dirty="0"/>
+              <a:t>detalhes</a:t>
+            </a:r>
+          </a:p>
+        </p:txBody>
+      </p:sp>
       <p:pic>
         <p:nvPicPr>
-          <p:cNvPr id="2" name="Imagem 1">
-            <a:extLst>
-              <a:ext uri="{FF2B5EF4-FFF2-40B4-BE49-F238E27FC236}">
-                <a16:creationId xmlns:a16="http://schemas.microsoft.com/office/drawing/2014/main" id="{1B033F34-8C15-4D88-B02E-4BCFAA1D7326}"/>
+          <p:cNvPr id="7" name="Imagem 6">
+            <a:extLst>
+              <a:ext uri="{FF2B5EF4-FFF2-40B4-BE49-F238E27FC236}">
+                <a16:creationId xmlns:a16="http://schemas.microsoft.com/office/drawing/2014/main" id="{5E686377-9999-47AA-869C-C6FBC11E9703}"/>
               </a:ext>
             </a:extLst>
           </p:cNvPr>
@@ -6423,8 +6414,188 @@
         </p:blipFill>
         <p:spPr>
           <a:xfrm>
-            <a:off x="357187" y="666750"/>
-            <a:ext cx="11477625" cy="5524500"/>
+            <a:off x="1063752" y="792103"/>
+            <a:ext cx="8391525" cy="1114425"/>
+          </a:xfrm>
+          <a:prstGeom prst="rect">
+            <a:avLst/>
+          </a:prstGeom>
+        </p:spPr>
+      </p:pic>
+      <p:pic>
+        <p:nvPicPr>
+          <p:cNvPr id="8" name="Imagem 7">
+            <a:extLst>
+              <a:ext uri="{FF2B5EF4-FFF2-40B4-BE49-F238E27FC236}">
+                <a16:creationId xmlns:a16="http://schemas.microsoft.com/office/drawing/2014/main" id="{73705257-E8C8-4D91-BD73-38C960F4684F}"/>
+              </a:ext>
+            </a:extLst>
+          </p:cNvPr>
+          <p:cNvPicPr>
+            <a:picLocks noChangeAspect="1"/>
+          </p:cNvPicPr>
+          <p:nvPr/>
+        </p:nvPicPr>
+        <p:blipFill>
+          <a:blip r:embed="rId3"/>
+          <a:stretch>
+            <a:fillRect/>
+          </a:stretch>
+        </p:blipFill>
+        <p:spPr>
+          <a:xfrm>
+            <a:off x="1181404" y="1943767"/>
+            <a:ext cx="7362825" cy="1885950"/>
+          </a:xfrm>
+          <a:prstGeom prst="rect">
+            <a:avLst/>
+          </a:prstGeom>
+        </p:spPr>
+      </p:pic>
+      <p:pic>
+        <p:nvPicPr>
+          <p:cNvPr id="9" name="Imagem 8">
+            <a:extLst>
+              <a:ext uri="{FF2B5EF4-FFF2-40B4-BE49-F238E27FC236}">
+                <a16:creationId xmlns:a16="http://schemas.microsoft.com/office/drawing/2014/main" id="{26580A99-718B-4AA4-B2B0-FA57D53F39AE}"/>
+              </a:ext>
+            </a:extLst>
+          </p:cNvPr>
+          <p:cNvPicPr>
+            <a:picLocks noChangeAspect="1"/>
+          </p:cNvPicPr>
+          <p:nvPr/>
+        </p:nvPicPr>
+        <p:blipFill>
+          <a:blip r:embed="rId4"/>
+          <a:stretch>
+            <a:fillRect/>
+          </a:stretch>
+        </p:blipFill>
+        <p:spPr>
+          <a:xfrm>
+            <a:off x="923182" y="3784958"/>
+            <a:ext cx="7791450" cy="847725"/>
+          </a:xfrm>
+          <a:prstGeom prst="rect">
+            <a:avLst/>
+          </a:prstGeom>
+        </p:spPr>
+      </p:pic>
+      <p:pic>
+        <p:nvPicPr>
+          <p:cNvPr id="10" name="Imagem 9">
+            <a:extLst>
+              <a:ext uri="{FF2B5EF4-FFF2-40B4-BE49-F238E27FC236}">
+                <a16:creationId xmlns:a16="http://schemas.microsoft.com/office/drawing/2014/main" id="{907D9972-8D4D-4419-B8E1-79830817B9D9}"/>
+              </a:ext>
+            </a:extLst>
+          </p:cNvPr>
+          <p:cNvPicPr>
+            <a:picLocks noChangeAspect="1"/>
+          </p:cNvPicPr>
+          <p:nvPr/>
+        </p:nvPicPr>
+        <p:blipFill>
+          <a:blip r:embed="rId5"/>
+          <a:stretch>
+            <a:fillRect/>
+          </a:stretch>
+        </p:blipFill>
+        <p:spPr>
+          <a:xfrm>
+            <a:off x="1063752" y="4680308"/>
+            <a:ext cx="6343650" cy="457200"/>
+          </a:xfrm>
+          <a:prstGeom prst="rect">
+            <a:avLst/>
+          </a:prstGeom>
+        </p:spPr>
+      </p:pic>
+      <p:pic>
+        <p:nvPicPr>
+          <p:cNvPr id="11" name="Imagem 10">
+            <a:extLst>
+              <a:ext uri="{FF2B5EF4-FFF2-40B4-BE49-F238E27FC236}">
+                <a16:creationId xmlns:a16="http://schemas.microsoft.com/office/drawing/2014/main" id="{3F33A6B5-3F9C-405E-91D8-D732B726BC48}"/>
+              </a:ext>
+            </a:extLst>
+          </p:cNvPr>
+          <p:cNvPicPr>
+            <a:picLocks noChangeAspect="1"/>
+          </p:cNvPicPr>
+          <p:nvPr/>
+        </p:nvPicPr>
+        <p:blipFill>
+          <a:blip r:embed="rId6"/>
+          <a:stretch>
+            <a:fillRect/>
+          </a:stretch>
+        </p:blipFill>
+        <p:spPr>
+          <a:xfrm>
+            <a:off x="923182" y="5171668"/>
+            <a:ext cx="7191375" cy="409575"/>
+          </a:xfrm>
+          <a:prstGeom prst="rect">
+            <a:avLst/>
+          </a:prstGeom>
+        </p:spPr>
+      </p:pic>
+      <p:pic>
+        <p:nvPicPr>
+          <p:cNvPr id="12" name="Imagem 11">
+            <a:extLst>
+              <a:ext uri="{FF2B5EF4-FFF2-40B4-BE49-F238E27FC236}">
+                <a16:creationId xmlns:a16="http://schemas.microsoft.com/office/drawing/2014/main" id="{D22993D1-CE0B-439B-A170-D54AC5291FE6}"/>
+              </a:ext>
+            </a:extLst>
+          </p:cNvPr>
+          <p:cNvPicPr>
+            <a:picLocks noChangeAspect="1"/>
+          </p:cNvPicPr>
+          <p:nvPr/>
+        </p:nvPicPr>
+        <p:blipFill>
+          <a:blip r:embed="rId7"/>
+          <a:stretch>
+            <a:fillRect/>
+          </a:stretch>
+        </p:blipFill>
+        <p:spPr>
+          <a:xfrm>
+            <a:off x="1122475" y="5615403"/>
+            <a:ext cx="7981950" cy="1076325"/>
+          </a:xfrm>
+          <a:prstGeom prst="rect">
+            <a:avLst/>
+          </a:prstGeom>
+        </p:spPr>
+      </p:pic>
+      <p:pic>
+        <p:nvPicPr>
+          <p:cNvPr id="13" name="Imagem 12">
+            <a:extLst>
+              <a:ext uri="{FF2B5EF4-FFF2-40B4-BE49-F238E27FC236}">
+                <a16:creationId xmlns:a16="http://schemas.microsoft.com/office/drawing/2014/main" id="{DDF03BD1-FDA0-4814-8303-3F6337DC4AF0}"/>
+              </a:ext>
+            </a:extLst>
+          </p:cNvPr>
+          <p:cNvPicPr>
+            <a:picLocks noChangeAspect="1"/>
+          </p:cNvPicPr>
+          <p:nvPr/>
+        </p:nvPicPr>
+        <p:blipFill>
+          <a:blip r:embed="rId8"/>
+          <a:stretch>
+            <a:fillRect/>
+          </a:stretch>
+        </p:blipFill>
+        <p:spPr>
+          <a:xfrm>
+            <a:off x="7296150" y="4594583"/>
+            <a:ext cx="4895850" cy="542925"/>
           </a:xfrm>
           <a:prstGeom prst="rect">
             <a:avLst/>
@@ -6434,7 +6605,7 @@
     </p:spTree>
     <p:extLst>
       <p:ext uri="{BB962C8B-B14F-4D97-AF65-F5344CB8AC3E}">
-        <p14:creationId xmlns:p14="http://schemas.microsoft.com/office/powerpoint/2010/main" val="2609697249"/>
+        <p14:creationId xmlns:p14="http://schemas.microsoft.com/office/powerpoint/2010/main" val="1489151353"/>
       </p:ext>
     </p:extLst>
   </p:cSld>
@@ -6463,10 +6634,10 @@
       </p:grpSpPr>
       <p:pic>
         <p:nvPicPr>
-          <p:cNvPr id="3" name="Imagem 2">
-            <a:extLst>
-              <a:ext uri="{FF2B5EF4-FFF2-40B4-BE49-F238E27FC236}">
-                <a16:creationId xmlns:a16="http://schemas.microsoft.com/office/drawing/2014/main" id="{E3E0F3A5-C3B7-4883-8636-4F12A19DB1EE}"/>
+          <p:cNvPr id="2" name="Imagem 1">
+            <a:extLst>
+              <a:ext uri="{FF2B5EF4-FFF2-40B4-BE49-F238E27FC236}">
+                <a16:creationId xmlns:a16="http://schemas.microsoft.com/office/drawing/2014/main" id="{1B033F34-8C15-4D88-B02E-4BCFAA1D7326}"/>
               </a:ext>
             </a:extLst>
           </p:cNvPr>
@@ -6483,8 +6654,8 @@
         </p:blipFill>
         <p:spPr>
           <a:xfrm>
-            <a:off x="0" y="751037"/>
-            <a:ext cx="12192000" cy="4584137"/>
+            <a:off x="357187" y="666750"/>
+            <a:ext cx="11477625" cy="5524500"/>
           </a:xfrm>
           <a:prstGeom prst="rect">
             <a:avLst/>
@@ -6494,7 +6665,7 @@
     </p:spTree>
     <p:extLst>
       <p:ext uri="{BB962C8B-B14F-4D97-AF65-F5344CB8AC3E}">
-        <p14:creationId xmlns:p14="http://schemas.microsoft.com/office/powerpoint/2010/main" val="3650652138"/>
+        <p14:creationId xmlns:p14="http://schemas.microsoft.com/office/powerpoint/2010/main" val="2609697249"/>
       </p:ext>
     </p:extLst>
   </p:cSld>
@@ -6523,10 +6694,10 @@
       </p:grpSpPr>
       <p:pic>
         <p:nvPicPr>
-          <p:cNvPr id="2" name="Imagem 1">
-            <a:extLst>
-              <a:ext uri="{FF2B5EF4-FFF2-40B4-BE49-F238E27FC236}">
-                <a16:creationId xmlns:a16="http://schemas.microsoft.com/office/drawing/2014/main" id="{73124CF7-3303-4A20-9B66-B9119D276A17}"/>
+          <p:cNvPr id="3" name="Imagem 2">
+            <a:extLst>
+              <a:ext uri="{FF2B5EF4-FFF2-40B4-BE49-F238E27FC236}">
+                <a16:creationId xmlns:a16="http://schemas.microsoft.com/office/drawing/2014/main" id="{E3E0F3A5-C3B7-4883-8636-4F12A19DB1EE}"/>
               </a:ext>
             </a:extLst>
           </p:cNvPr>
@@ -6543,8 +6714,8 @@
         </p:blipFill>
         <p:spPr>
           <a:xfrm>
-            <a:off x="2334695" y="862273"/>
-            <a:ext cx="7522609" cy="5337410"/>
+            <a:off x="0" y="751037"/>
+            <a:ext cx="12192000" cy="4584137"/>
           </a:xfrm>
           <a:prstGeom prst="rect">
             <a:avLst/>
@@ -6554,7 +6725,7 @@
     </p:spTree>
     <p:extLst>
       <p:ext uri="{BB962C8B-B14F-4D97-AF65-F5344CB8AC3E}">
-        <p14:creationId xmlns:p14="http://schemas.microsoft.com/office/powerpoint/2010/main" val="3559939841"/>
+        <p14:creationId xmlns:p14="http://schemas.microsoft.com/office/powerpoint/2010/main" val="3650652138"/>
       </p:ext>
     </p:extLst>
   </p:cSld>
@@ -6586,7 +6757,7 @@
           <p:cNvPr id="2" name="Imagem 1">
             <a:extLst>
               <a:ext uri="{FF2B5EF4-FFF2-40B4-BE49-F238E27FC236}">
-                <a16:creationId xmlns:a16="http://schemas.microsoft.com/office/drawing/2014/main" id="{E2CE6667-1BA7-437D-8AF6-21DAA5BFDFE7}"/>
+                <a16:creationId xmlns:a16="http://schemas.microsoft.com/office/drawing/2014/main" id="{73124CF7-3303-4A20-9B66-B9119D276A17}"/>
               </a:ext>
             </a:extLst>
           </p:cNvPr>
@@ -6603,38 +6774,8 @@
         </p:blipFill>
         <p:spPr>
           <a:xfrm>
-            <a:off x="0" y="3961132"/>
-            <a:ext cx="12172950" cy="1838325"/>
-          </a:xfrm>
-          <a:prstGeom prst="rect">
-            <a:avLst/>
-          </a:prstGeom>
-        </p:spPr>
-      </p:pic>
-      <p:pic>
-        <p:nvPicPr>
-          <p:cNvPr id="3" name="Imagem 2">
-            <a:extLst>
-              <a:ext uri="{FF2B5EF4-FFF2-40B4-BE49-F238E27FC236}">
-                <a16:creationId xmlns:a16="http://schemas.microsoft.com/office/drawing/2014/main" id="{F9CCC2B0-E18A-44B6-B44D-4A59BDD61C6A}"/>
-              </a:ext>
-            </a:extLst>
-          </p:cNvPr>
-          <p:cNvPicPr>
-            <a:picLocks noChangeAspect="1"/>
-          </p:cNvPicPr>
-          <p:nvPr/>
-        </p:nvPicPr>
-        <p:blipFill>
-          <a:blip r:embed="rId3"/>
-          <a:stretch>
-            <a:fillRect/>
-          </a:stretch>
-        </p:blipFill>
-        <p:spPr>
-          <a:xfrm>
-            <a:off x="0" y="253377"/>
-            <a:ext cx="12192000" cy="3482212"/>
+            <a:off x="2334695" y="862273"/>
+            <a:ext cx="7522609" cy="5337410"/>
           </a:xfrm>
           <a:prstGeom prst="rect">
             <a:avLst/>
@@ -6644,7 +6785,7 @@
     </p:spTree>
     <p:extLst>
       <p:ext uri="{BB962C8B-B14F-4D97-AF65-F5344CB8AC3E}">
-        <p14:creationId xmlns:p14="http://schemas.microsoft.com/office/powerpoint/2010/main" val="3116328855"/>
+        <p14:creationId xmlns:p14="http://schemas.microsoft.com/office/powerpoint/2010/main" val="3559939841"/>
       </p:ext>
     </p:extLst>
   </p:cSld>
@@ -7019,7 +7160,7 @@
           <p:cNvPr id="2" name="Imagem 1">
             <a:extLst>
               <a:ext uri="{FF2B5EF4-FFF2-40B4-BE49-F238E27FC236}">
-                <a16:creationId xmlns:a16="http://schemas.microsoft.com/office/drawing/2014/main" id="{0C7594B6-038A-458B-AA67-2C479458C3DD}"/>
+                <a16:creationId xmlns:a16="http://schemas.microsoft.com/office/drawing/2014/main" id="{E2CE6667-1BA7-437D-8AF6-21DAA5BFDFE7}"/>
               </a:ext>
             </a:extLst>
           </p:cNvPr>
@@ -7036,55 +7177,20 @@
         </p:blipFill>
         <p:spPr>
           <a:xfrm>
-            <a:off x="238386" y="1404238"/>
-            <a:ext cx="4055901" cy="4207997"/>
+            <a:off x="0" y="3961132"/>
+            <a:ext cx="12172950" cy="1838325"/>
           </a:xfrm>
           <a:prstGeom prst="rect">
             <a:avLst/>
           </a:prstGeom>
         </p:spPr>
       </p:pic>
-      <p:sp>
-        <p:nvSpPr>
-          <p:cNvPr id="3" name="CaixaDeTexto 2">
-            <a:extLst>
-              <a:ext uri="{FF2B5EF4-FFF2-40B4-BE49-F238E27FC236}">
-                <a16:creationId xmlns:a16="http://schemas.microsoft.com/office/drawing/2014/main" id="{036F1F6B-55C7-40BF-9C26-67D181CCC728}"/>
-              </a:ext>
-            </a:extLst>
-          </p:cNvPr>
-          <p:cNvSpPr txBox="1"/>
-          <p:nvPr/>
-        </p:nvSpPr>
-        <p:spPr>
-          <a:xfrm>
-            <a:off x="1851094" y="939567"/>
-            <a:ext cx="830484" cy="369332"/>
-          </a:xfrm>
-          <a:prstGeom prst="rect">
-            <a:avLst/>
-          </a:prstGeom>
-          <a:noFill/>
-        </p:spPr>
-        <p:txBody>
-          <a:bodyPr wrap="none" rtlCol="0">
-            <a:spAutoFit/>
-          </a:bodyPr>
-          <a:lstStyle/>
-          <a:p>
-            <a:r>
-              <a:rPr lang="pt-BR" dirty="0"/>
-              <a:t>series</a:t>
-            </a:r>
-          </a:p>
-        </p:txBody>
-      </p:sp>
       <p:pic>
         <p:nvPicPr>
-          <p:cNvPr id="4" name="Imagem 3">
-            <a:extLst>
-              <a:ext uri="{FF2B5EF4-FFF2-40B4-BE49-F238E27FC236}">
-                <a16:creationId xmlns:a16="http://schemas.microsoft.com/office/drawing/2014/main" id="{5B842E88-1C5E-48FB-9D0B-983EDF25C471}"/>
+          <p:cNvPr id="3" name="Imagem 2">
+            <a:extLst>
+              <a:ext uri="{FF2B5EF4-FFF2-40B4-BE49-F238E27FC236}">
+                <a16:creationId xmlns:a16="http://schemas.microsoft.com/office/drawing/2014/main" id="{F9CCC2B0-E18A-44B6-B44D-4A59BDD61C6A}"/>
               </a:ext>
             </a:extLst>
           </p:cNvPr>
@@ -7101,6 +7207,131 @@
         </p:blipFill>
         <p:spPr>
           <a:xfrm>
+            <a:off x="0" y="253377"/>
+            <a:ext cx="12192000" cy="3482212"/>
+          </a:xfrm>
+          <a:prstGeom prst="rect">
+            <a:avLst/>
+          </a:prstGeom>
+        </p:spPr>
+      </p:pic>
+    </p:spTree>
+    <p:extLst>
+      <p:ext uri="{BB962C8B-B14F-4D97-AF65-F5344CB8AC3E}">
+        <p14:creationId xmlns:p14="http://schemas.microsoft.com/office/powerpoint/2010/main" val="3116328855"/>
+      </p:ext>
+    </p:extLst>
+  </p:cSld>
+  <p:clrMapOvr>
+    <a:masterClrMapping/>
+  </p:clrMapOvr>
+</p:sld>
+</file>
+
+<file path=ppt/slides/slide31.xml><?xml version="1.0" encoding="utf-8"?>
+<p:sld xmlns:a="http://schemas.openxmlformats.org/drawingml/2006/main" xmlns:r="http://schemas.openxmlformats.org/officeDocument/2006/relationships" xmlns:p="http://schemas.openxmlformats.org/presentationml/2006/main">
+  <p:cSld>
+    <p:spTree>
+      <p:nvGrpSpPr>
+        <p:cNvPr id="1" name=""/>
+        <p:cNvGrpSpPr/>
+        <p:nvPr/>
+      </p:nvGrpSpPr>
+      <p:grpSpPr>
+        <a:xfrm>
+          <a:off x="0" y="0"/>
+          <a:ext cx="0" cy="0"/>
+          <a:chOff x="0" y="0"/>
+          <a:chExt cx="0" cy="0"/>
+        </a:xfrm>
+      </p:grpSpPr>
+      <p:pic>
+        <p:nvPicPr>
+          <p:cNvPr id="2" name="Imagem 1">
+            <a:extLst>
+              <a:ext uri="{FF2B5EF4-FFF2-40B4-BE49-F238E27FC236}">
+                <a16:creationId xmlns:a16="http://schemas.microsoft.com/office/drawing/2014/main" id="{0C7594B6-038A-458B-AA67-2C479458C3DD}"/>
+              </a:ext>
+            </a:extLst>
+          </p:cNvPr>
+          <p:cNvPicPr>
+            <a:picLocks noChangeAspect="1"/>
+          </p:cNvPicPr>
+          <p:nvPr/>
+        </p:nvPicPr>
+        <p:blipFill>
+          <a:blip r:embed="rId2"/>
+          <a:stretch>
+            <a:fillRect/>
+          </a:stretch>
+        </p:blipFill>
+        <p:spPr>
+          <a:xfrm>
+            <a:off x="238386" y="1404238"/>
+            <a:ext cx="4055901" cy="4207997"/>
+          </a:xfrm>
+          <a:prstGeom prst="rect">
+            <a:avLst/>
+          </a:prstGeom>
+        </p:spPr>
+      </p:pic>
+      <p:sp>
+        <p:nvSpPr>
+          <p:cNvPr id="3" name="CaixaDeTexto 2">
+            <a:extLst>
+              <a:ext uri="{FF2B5EF4-FFF2-40B4-BE49-F238E27FC236}">
+                <a16:creationId xmlns:a16="http://schemas.microsoft.com/office/drawing/2014/main" id="{036F1F6B-55C7-40BF-9C26-67D181CCC728}"/>
+              </a:ext>
+            </a:extLst>
+          </p:cNvPr>
+          <p:cNvSpPr txBox="1"/>
+          <p:nvPr/>
+        </p:nvSpPr>
+        <p:spPr>
+          <a:xfrm>
+            <a:off x="1851094" y="939567"/>
+            <a:ext cx="830484" cy="369332"/>
+          </a:xfrm>
+          <a:prstGeom prst="rect">
+            <a:avLst/>
+          </a:prstGeom>
+          <a:noFill/>
+        </p:spPr>
+        <p:txBody>
+          <a:bodyPr wrap="none" rtlCol="0">
+            <a:spAutoFit/>
+          </a:bodyPr>
+          <a:lstStyle/>
+          <a:p>
+            <a:r>
+              <a:rPr lang="pt-BR" dirty="0"/>
+              <a:t>series</a:t>
+            </a:r>
+          </a:p>
+        </p:txBody>
+      </p:sp>
+      <p:pic>
+        <p:nvPicPr>
+          <p:cNvPr id="4" name="Imagem 3">
+            <a:extLst>
+              <a:ext uri="{FF2B5EF4-FFF2-40B4-BE49-F238E27FC236}">
+                <a16:creationId xmlns:a16="http://schemas.microsoft.com/office/drawing/2014/main" id="{5B842E88-1C5E-48FB-9D0B-983EDF25C471}"/>
+              </a:ext>
+            </a:extLst>
+          </p:cNvPr>
+          <p:cNvPicPr>
+            <a:picLocks noChangeAspect="1"/>
+          </p:cNvPicPr>
+          <p:nvPr/>
+        </p:nvPicPr>
+        <p:blipFill>
+          <a:blip r:embed="rId3"/>
+          <a:stretch>
+            <a:fillRect/>
+          </a:stretch>
+        </p:blipFill>
+        <p:spPr>
+          <a:xfrm>
             <a:off x="4418900" y="308756"/>
             <a:ext cx="6025393" cy="2734350"/>
           </a:xfrm>
@@ -7143,6 +7374,1311 @@
     <p:extLst>
       <p:ext uri="{BB962C8B-B14F-4D97-AF65-F5344CB8AC3E}">
         <p14:creationId xmlns:p14="http://schemas.microsoft.com/office/powerpoint/2010/main" val="1934519596"/>
+      </p:ext>
+    </p:extLst>
+  </p:cSld>
+  <p:clrMapOvr>
+    <a:masterClrMapping/>
+  </p:clrMapOvr>
+</p:sld>
+</file>
+
+<file path=ppt/slides/slide32.xml><?xml version="1.0" encoding="utf-8"?>
+<p:sld xmlns:a="http://schemas.openxmlformats.org/drawingml/2006/main" xmlns:r="http://schemas.openxmlformats.org/officeDocument/2006/relationships" xmlns:p="http://schemas.openxmlformats.org/presentationml/2006/main">
+  <p:cSld>
+    <p:spTree>
+      <p:nvGrpSpPr>
+        <p:cNvPr id="1" name=""/>
+        <p:cNvGrpSpPr/>
+        <p:nvPr/>
+      </p:nvGrpSpPr>
+      <p:grpSpPr>
+        <a:xfrm>
+          <a:off x="0" y="0"/>
+          <a:ext cx="0" cy="0"/>
+          <a:chOff x="0" y="0"/>
+          <a:chExt cx="0" cy="0"/>
+        </a:xfrm>
+      </p:grpSpPr>
+      <p:sp>
+        <p:nvSpPr>
+          <p:cNvPr id="2" name="Título 1">
+            <a:extLst>
+              <a:ext uri="{FF2B5EF4-FFF2-40B4-BE49-F238E27FC236}">
+                <a16:creationId xmlns:a16="http://schemas.microsoft.com/office/drawing/2014/main" id="{8FF5EB82-5B50-4715-8722-23F70E0BCCE6}"/>
+              </a:ext>
+            </a:extLst>
+          </p:cNvPr>
+          <p:cNvSpPr>
+            <a:spLocks noGrp="1"/>
+          </p:cNvSpPr>
+          <p:nvPr>
+            <p:ph type="title"/>
+          </p:nvPr>
+        </p:nvSpPr>
+        <p:spPr/>
+        <p:txBody>
+          <a:bodyPr/>
+          <a:lstStyle/>
+          <a:p>
+            <a:r>
+              <a:rPr lang="pt-BR" dirty="0" err="1"/>
+              <a:t>Karython</a:t>
+            </a:r>
+            <a:endParaRPr lang="pt-BR" dirty="0"/>
+          </a:p>
+        </p:txBody>
+      </p:sp>
+      <p:sp>
+        <p:nvSpPr>
+          <p:cNvPr id="3" name="Espaço Reservado para Conteúdo 2">
+            <a:extLst>
+              <a:ext uri="{FF2B5EF4-FFF2-40B4-BE49-F238E27FC236}">
+                <a16:creationId xmlns:a16="http://schemas.microsoft.com/office/drawing/2014/main" id="{72423A7A-2796-40A5-BEF4-2DE998D3C48A}"/>
+              </a:ext>
+            </a:extLst>
+          </p:cNvPr>
+          <p:cNvSpPr>
+            <a:spLocks noGrp="1"/>
+          </p:cNvSpPr>
+          <p:nvPr>
+            <p:ph idx="1"/>
+          </p:nvPr>
+        </p:nvSpPr>
+        <p:spPr/>
+        <p:txBody>
+          <a:bodyPr/>
+          <a:lstStyle/>
+          <a:p>
+            <a:r>
+              <a:rPr lang="pt-BR" b="1" dirty="0" err="1"/>
+              <a:t>Publico-Alvo</a:t>
+            </a:r>
+            <a:r>
+              <a:rPr lang="pt-BR" b="1" dirty="0"/>
+              <a:t>: </a:t>
+            </a:r>
+            <a:r>
+              <a:rPr lang="pt-BR" dirty="0"/>
+              <a:t>Nem</a:t>
+            </a:r>
+          </a:p>
+          <a:p>
+            <a:r>
+              <a:rPr lang="pt-BR" dirty="0"/>
+              <a:t>Gráfico entregue para o professor:</a:t>
+            </a:r>
+          </a:p>
+          <a:p>
+            <a:pPr marL="617220" lvl="1" indent="-342900">
+              <a:buFont typeface="+mj-lt"/>
+              <a:buAutoNum type="arabicPeriod"/>
+            </a:pPr>
+            <a:r>
+              <a:rPr lang="pt-BR" dirty="0"/>
+              <a:t>Barra Vertical</a:t>
+            </a:r>
+          </a:p>
+          <a:p>
+            <a:pPr marL="617220" lvl="1" indent="-342900">
+              <a:buFont typeface="+mj-lt"/>
+              <a:buAutoNum type="arabicPeriod"/>
+            </a:pPr>
+            <a:r>
+              <a:rPr lang="pt-BR" dirty="0"/>
+              <a:t>Barra Horizontal</a:t>
+            </a:r>
+          </a:p>
+          <a:p>
+            <a:pPr marL="617220" lvl="1" indent="-342900">
+              <a:buFont typeface="+mj-lt"/>
+              <a:buAutoNum type="arabicPeriod"/>
+            </a:pPr>
+            <a:r>
+              <a:rPr lang="pt-BR" dirty="0" err="1"/>
+              <a:t>Boxplot</a:t>
+            </a:r>
+            <a:endParaRPr lang="pt-BR" dirty="0"/>
+          </a:p>
+          <a:p>
+            <a:pPr marL="617220" lvl="1" indent="-342900">
+              <a:buFont typeface="+mj-lt"/>
+              <a:buAutoNum type="arabicPeriod"/>
+            </a:pPr>
+            <a:r>
+              <a:rPr lang="pt-BR" dirty="0"/>
+              <a:t>Histograma</a:t>
+            </a:r>
+          </a:p>
+          <a:p>
+            <a:pPr marL="617220" lvl="1" indent="-342900">
+              <a:buFont typeface="+mj-lt"/>
+              <a:buAutoNum type="arabicPeriod"/>
+            </a:pPr>
+            <a:r>
+              <a:rPr lang="pt-BR" dirty="0"/>
+              <a:t>Pizza</a:t>
+            </a:r>
+          </a:p>
+        </p:txBody>
+      </p:sp>
+    </p:spTree>
+    <p:extLst>
+      <p:ext uri="{BB962C8B-B14F-4D97-AF65-F5344CB8AC3E}">
+        <p14:creationId xmlns:p14="http://schemas.microsoft.com/office/powerpoint/2010/main" val="3801436074"/>
+      </p:ext>
+    </p:extLst>
+  </p:cSld>
+  <p:clrMapOvr>
+    <a:masterClrMapping/>
+  </p:clrMapOvr>
+</p:sld>
+</file>
+
+<file path=ppt/slides/slide33.xml><?xml version="1.0" encoding="utf-8"?>
+<p:sld xmlns:a="http://schemas.openxmlformats.org/drawingml/2006/main" xmlns:r="http://schemas.openxmlformats.org/officeDocument/2006/relationships" xmlns:p="http://schemas.openxmlformats.org/presentationml/2006/main">
+  <p:cSld>
+    <p:spTree>
+      <p:nvGrpSpPr>
+        <p:cNvPr id="1" name=""/>
+        <p:cNvGrpSpPr/>
+        <p:nvPr/>
+      </p:nvGrpSpPr>
+      <p:grpSpPr>
+        <a:xfrm>
+          <a:off x="0" y="0"/>
+          <a:ext cx="0" cy="0"/>
+          <a:chOff x="0" y="0"/>
+          <a:chExt cx="0" cy="0"/>
+        </a:xfrm>
+      </p:grpSpPr>
+      <p:sp>
+        <p:nvSpPr>
+          <p:cNvPr id="2" name="Título 1">
+            <a:extLst>
+              <a:ext uri="{FF2B5EF4-FFF2-40B4-BE49-F238E27FC236}">
+                <a16:creationId xmlns:a16="http://schemas.microsoft.com/office/drawing/2014/main" id="{01976B22-FA19-4599-B27E-0B5729178243}"/>
+              </a:ext>
+            </a:extLst>
+          </p:cNvPr>
+          <p:cNvSpPr>
+            <a:spLocks noGrp="1"/>
+          </p:cNvSpPr>
+          <p:nvPr>
+            <p:ph type="title"/>
+          </p:nvPr>
+        </p:nvSpPr>
+        <p:spPr>
+          <a:xfrm>
+            <a:off x="1027258" y="150989"/>
+            <a:ext cx="10058400" cy="1609344"/>
+          </a:xfrm>
+        </p:spPr>
+        <p:txBody>
+          <a:bodyPr/>
+          <a:lstStyle/>
+          <a:p>
+            <a:r>
+              <a:rPr lang="pt-BR" dirty="0"/>
+              <a:t>Gabarito</a:t>
+            </a:r>
+          </a:p>
+        </p:txBody>
+      </p:sp>
+      <p:pic>
+        <p:nvPicPr>
+          <p:cNvPr id="4" name="Imagem 3">
+            <a:extLst>
+              <a:ext uri="{FF2B5EF4-FFF2-40B4-BE49-F238E27FC236}">
+                <a16:creationId xmlns:a16="http://schemas.microsoft.com/office/drawing/2014/main" id="{75963A01-5FB8-44CD-9D1C-DD594B062F90}"/>
+              </a:ext>
+            </a:extLst>
+          </p:cNvPr>
+          <p:cNvPicPr>
+            <a:picLocks noChangeAspect="1"/>
+          </p:cNvPicPr>
+          <p:nvPr/>
+        </p:nvPicPr>
+        <p:blipFill>
+          <a:blip r:embed="rId2"/>
+          <a:stretch>
+            <a:fillRect/>
+          </a:stretch>
+        </p:blipFill>
+        <p:spPr>
+          <a:xfrm>
+            <a:off x="3774915" y="368316"/>
+            <a:ext cx="4105275" cy="1323975"/>
+          </a:xfrm>
+          <a:prstGeom prst="rect">
+            <a:avLst/>
+          </a:prstGeom>
+          <a:ln w="88900" cap="sq" cmpd="thickThin">
+            <a:solidFill>
+              <a:srgbClr val="000000"/>
+            </a:solidFill>
+            <a:prstDash val="solid"/>
+            <a:miter lim="800000"/>
+          </a:ln>
+          <a:effectLst>
+            <a:innerShdw blurRad="76200">
+              <a:srgbClr val="000000"/>
+            </a:innerShdw>
+          </a:effectLst>
+        </p:spPr>
+      </p:pic>
+      <p:pic>
+        <p:nvPicPr>
+          <p:cNvPr id="5" name="Imagem 4">
+            <a:extLst>
+              <a:ext uri="{FF2B5EF4-FFF2-40B4-BE49-F238E27FC236}">
+                <a16:creationId xmlns:a16="http://schemas.microsoft.com/office/drawing/2014/main" id="{1B55019E-B16C-480F-9C60-37C10C4362E4}"/>
+              </a:ext>
+            </a:extLst>
+          </p:cNvPr>
+          <p:cNvPicPr>
+            <a:picLocks noChangeAspect="1"/>
+          </p:cNvPicPr>
+          <p:nvPr/>
+        </p:nvPicPr>
+        <p:blipFill>
+          <a:blip r:embed="rId3"/>
+          <a:stretch>
+            <a:fillRect/>
+          </a:stretch>
+        </p:blipFill>
+        <p:spPr>
+          <a:xfrm>
+            <a:off x="1354560" y="2126748"/>
+            <a:ext cx="9906000" cy="1009650"/>
+          </a:xfrm>
+          <a:prstGeom prst="rect">
+            <a:avLst/>
+          </a:prstGeom>
+          <a:ln w="228600" cap="sq" cmpd="thickThin">
+            <a:solidFill>
+              <a:srgbClr val="000000"/>
+            </a:solidFill>
+            <a:prstDash val="solid"/>
+            <a:miter lim="800000"/>
+          </a:ln>
+          <a:effectLst>
+            <a:innerShdw blurRad="76200">
+              <a:srgbClr val="000000"/>
+            </a:innerShdw>
+          </a:effectLst>
+        </p:spPr>
+      </p:pic>
+      <p:pic>
+        <p:nvPicPr>
+          <p:cNvPr id="6" name="Imagem 5">
+            <a:extLst>
+              <a:ext uri="{FF2B5EF4-FFF2-40B4-BE49-F238E27FC236}">
+                <a16:creationId xmlns:a16="http://schemas.microsoft.com/office/drawing/2014/main" id="{B83E344E-E00C-4E13-94DC-4B2BF3A1D57C}"/>
+              </a:ext>
+            </a:extLst>
+          </p:cNvPr>
+          <p:cNvPicPr>
+            <a:picLocks noChangeAspect="1"/>
+          </p:cNvPicPr>
+          <p:nvPr/>
+        </p:nvPicPr>
+        <p:blipFill>
+          <a:blip r:embed="rId4"/>
+          <a:stretch>
+            <a:fillRect/>
+          </a:stretch>
+        </p:blipFill>
+        <p:spPr>
+          <a:xfrm>
+            <a:off x="8442252" y="475418"/>
+            <a:ext cx="2722490" cy="1109770"/>
+          </a:xfrm>
+          <a:prstGeom prst="rect">
+            <a:avLst/>
+          </a:prstGeom>
+          <a:ln w="228600" cap="sq" cmpd="thickThin">
+            <a:solidFill>
+              <a:srgbClr val="000000"/>
+            </a:solidFill>
+            <a:prstDash val="solid"/>
+            <a:miter lim="800000"/>
+          </a:ln>
+          <a:effectLst>
+            <a:innerShdw blurRad="76200">
+              <a:srgbClr val="000000"/>
+            </a:innerShdw>
+          </a:effectLst>
+        </p:spPr>
+      </p:pic>
+      <p:pic>
+        <p:nvPicPr>
+          <p:cNvPr id="7" name="Imagem 6">
+            <a:extLst>
+              <a:ext uri="{FF2B5EF4-FFF2-40B4-BE49-F238E27FC236}">
+                <a16:creationId xmlns:a16="http://schemas.microsoft.com/office/drawing/2014/main" id="{00476DA4-326A-4D9E-9CD1-33FD6EDA48FA}"/>
+              </a:ext>
+            </a:extLst>
+          </p:cNvPr>
+          <p:cNvPicPr>
+            <a:picLocks noChangeAspect="1"/>
+          </p:cNvPicPr>
+          <p:nvPr/>
+        </p:nvPicPr>
+        <p:blipFill>
+          <a:blip r:embed="rId5"/>
+          <a:stretch>
+            <a:fillRect/>
+          </a:stretch>
+        </p:blipFill>
+        <p:spPr>
+          <a:xfrm>
+            <a:off x="1166180" y="3677957"/>
+            <a:ext cx="10354597" cy="852097"/>
+          </a:xfrm>
+          <a:prstGeom prst="rect">
+            <a:avLst/>
+          </a:prstGeom>
+        </p:spPr>
+      </p:pic>
+      <p:pic>
+        <p:nvPicPr>
+          <p:cNvPr id="8" name="Imagem 7">
+            <a:extLst>
+              <a:ext uri="{FF2B5EF4-FFF2-40B4-BE49-F238E27FC236}">
+                <a16:creationId xmlns:a16="http://schemas.microsoft.com/office/drawing/2014/main" id="{BD108E6A-299C-411A-8725-4161EE25D384}"/>
+              </a:ext>
+            </a:extLst>
+          </p:cNvPr>
+          <p:cNvPicPr>
+            <a:picLocks noChangeAspect="1"/>
+          </p:cNvPicPr>
+          <p:nvPr/>
+        </p:nvPicPr>
+        <p:blipFill>
+          <a:blip r:embed="rId6"/>
+          <a:stretch>
+            <a:fillRect/>
+          </a:stretch>
+        </p:blipFill>
+        <p:spPr>
+          <a:xfrm>
+            <a:off x="1244978" y="4782205"/>
+            <a:ext cx="8477250" cy="1152525"/>
+          </a:xfrm>
+          <a:prstGeom prst="rect">
+            <a:avLst/>
+          </a:prstGeom>
+        </p:spPr>
+      </p:pic>
+    </p:spTree>
+    <p:extLst>
+      <p:ext uri="{BB962C8B-B14F-4D97-AF65-F5344CB8AC3E}">
+        <p14:creationId xmlns:p14="http://schemas.microsoft.com/office/powerpoint/2010/main" val="3198907406"/>
+      </p:ext>
+    </p:extLst>
+  </p:cSld>
+  <p:clrMapOvr>
+    <a:masterClrMapping/>
+  </p:clrMapOvr>
+</p:sld>
+</file>
+
+<file path=ppt/slides/slide34.xml><?xml version="1.0" encoding="utf-8"?>
+<p:sld xmlns:a="http://schemas.openxmlformats.org/drawingml/2006/main" xmlns:r="http://schemas.openxmlformats.org/officeDocument/2006/relationships" xmlns:p="http://schemas.openxmlformats.org/presentationml/2006/main">
+  <p:cSld>
+    <p:spTree>
+      <p:nvGrpSpPr>
+        <p:cNvPr id="1" name=""/>
+        <p:cNvGrpSpPr/>
+        <p:nvPr/>
+      </p:nvGrpSpPr>
+      <p:grpSpPr>
+        <a:xfrm>
+          <a:off x="0" y="0"/>
+          <a:ext cx="0" cy="0"/>
+          <a:chOff x="0" y="0"/>
+          <a:chExt cx="0" cy="0"/>
+        </a:xfrm>
+      </p:grpSpPr>
+      <p:pic>
+        <p:nvPicPr>
+          <p:cNvPr id="2" name="Imagem 1">
+            <a:extLst>
+              <a:ext uri="{FF2B5EF4-FFF2-40B4-BE49-F238E27FC236}">
+                <a16:creationId xmlns:a16="http://schemas.microsoft.com/office/drawing/2014/main" id="{D47907E4-3374-4270-A0CE-85875C3C5573}"/>
+              </a:ext>
+            </a:extLst>
+          </p:cNvPr>
+          <p:cNvPicPr>
+            <a:picLocks noChangeAspect="1"/>
+          </p:cNvPicPr>
+          <p:nvPr/>
+        </p:nvPicPr>
+        <p:blipFill>
+          <a:blip r:embed="rId2"/>
+          <a:stretch>
+            <a:fillRect/>
+          </a:stretch>
+        </p:blipFill>
+        <p:spPr>
+          <a:xfrm>
+            <a:off x="0" y="1915019"/>
+            <a:ext cx="12192000" cy="3027962"/>
+          </a:xfrm>
+          <a:prstGeom prst="rect">
+            <a:avLst/>
+          </a:prstGeom>
+        </p:spPr>
+      </p:pic>
+    </p:spTree>
+    <p:extLst>
+      <p:ext uri="{BB962C8B-B14F-4D97-AF65-F5344CB8AC3E}">
+        <p14:creationId xmlns:p14="http://schemas.microsoft.com/office/powerpoint/2010/main" val="3266759863"/>
+      </p:ext>
+    </p:extLst>
+  </p:cSld>
+  <p:clrMapOvr>
+    <a:masterClrMapping/>
+  </p:clrMapOvr>
+</p:sld>
+</file>
+
+<file path=ppt/slides/slide35.xml><?xml version="1.0" encoding="utf-8"?>
+<p:sld xmlns:a="http://schemas.openxmlformats.org/drawingml/2006/main" xmlns:r="http://schemas.openxmlformats.org/officeDocument/2006/relationships" xmlns:p="http://schemas.openxmlformats.org/presentationml/2006/main">
+  <p:cSld>
+    <p:spTree>
+      <p:nvGrpSpPr>
+        <p:cNvPr id="1" name=""/>
+        <p:cNvGrpSpPr/>
+        <p:nvPr/>
+      </p:nvGrpSpPr>
+      <p:grpSpPr>
+        <a:xfrm>
+          <a:off x="0" y="0"/>
+          <a:ext cx="0" cy="0"/>
+          <a:chOff x="0" y="0"/>
+          <a:chExt cx="0" cy="0"/>
+        </a:xfrm>
+      </p:grpSpPr>
+      <p:pic>
+        <p:nvPicPr>
+          <p:cNvPr id="2" name="Imagem 1">
+            <a:extLst>
+              <a:ext uri="{FF2B5EF4-FFF2-40B4-BE49-F238E27FC236}">
+                <a16:creationId xmlns:a16="http://schemas.microsoft.com/office/drawing/2014/main" id="{08D44229-997F-4242-8EA6-0A3F9EA38122}"/>
+              </a:ext>
+            </a:extLst>
+          </p:cNvPr>
+          <p:cNvPicPr>
+            <a:picLocks noChangeAspect="1"/>
+          </p:cNvPicPr>
+          <p:nvPr/>
+        </p:nvPicPr>
+        <p:blipFill>
+          <a:blip r:embed="rId2"/>
+          <a:stretch>
+            <a:fillRect/>
+          </a:stretch>
+        </p:blipFill>
+        <p:spPr>
+          <a:xfrm>
+            <a:off x="143428" y="1317071"/>
+            <a:ext cx="11585939" cy="4110605"/>
+          </a:xfrm>
+          <a:prstGeom prst="rect">
+            <a:avLst/>
+          </a:prstGeom>
+        </p:spPr>
+      </p:pic>
+    </p:spTree>
+    <p:extLst>
+      <p:ext uri="{BB962C8B-B14F-4D97-AF65-F5344CB8AC3E}">
+        <p14:creationId xmlns:p14="http://schemas.microsoft.com/office/powerpoint/2010/main" val="3993840344"/>
+      </p:ext>
+    </p:extLst>
+  </p:cSld>
+  <p:clrMapOvr>
+    <a:masterClrMapping/>
+  </p:clrMapOvr>
+</p:sld>
+</file>
+
+<file path=ppt/slides/slide36.xml><?xml version="1.0" encoding="utf-8"?>
+<p:sld xmlns:a="http://schemas.openxmlformats.org/drawingml/2006/main" xmlns:r="http://schemas.openxmlformats.org/officeDocument/2006/relationships" xmlns:p="http://schemas.openxmlformats.org/presentationml/2006/main">
+  <p:cSld>
+    <p:spTree>
+      <p:nvGrpSpPr>
+        <p:cNvPr id="1" name=""/>
+        <p:cNvGrpSpPr/>
+        <p:nvPr/>
+      </p:nvGrpSpPr>
+      <p:grpSpPr>
+        <a:xfrm>
+          <a:off x="0" y="0"/>
+          <a:ext cx="0" cy="0"/>
+          <a:chOff x="0" y="0"/>
+          <a:chExt cx="0" cy="0"/>
+        </a:xfrm>
+      </p:grpSpPr>
+      <p:pic>
+        <p:nvPicPr>
+          <p:cNvPr id="2" name="Imagem 1">
+            <a:extLst>
+              <a:ext uri="{FF2B5EF4-FFF2-40B4-BE49-F238E27FC236}">
+                <a16:creationId xmlns:a16="http://schemas.microsoft.com/office/drawing/2014/main" id="{80FAB9BB-2805-4EED-9C96-4D5388A43CDA}"/>
+              </a:ext>
+            </a:extLst>
+          </p:cNvPr>
+          <p:cNvPicPr>
+            <a:picLocks noChangeAspect="1"/>
+          </p:cNvPicPr>
+          <p:nvPr/>
+        </p:nvPicPr>
+        <p:blipFill>
+          <a:blip r:embed="rId2"/>
+          <a:stretch>
+            <a:fillRect/>
+          </a:stretch>
+        </p:blipFill>
+        <p:spPr>
+          <a:xfrm>
+            <a:off x="984409" y="-100668"/>
+            <a:ext cx="9938058" cy="6324219"/>
+          </a:xfrm>
+          <a:prstGeom prst="rect">
+            <a:avLst/>
+          </a:prstGeom>
+        </p:spPr>
+      </p:pic>
+    </p:spTree>
+    <p:extLst>
+      <p:ext uri="{BB962C8B-B14F-4D97-AF65-F5344CB8AC3E}">
+        <p14:creationId xmlns:p14="http://schemas.microsoft.com/office/powerpoint/2010/main" val="4028602850"/>
+      </p:ext>
+    </p:extLst>
+  </p:cSld>
+  <p:clrMapOvr>
+    <a:masterClrMapping/>
+  </p:clrMapOvr>
+</p:sld>
+</file>
+
+<file path=ppt/slides/slide37.xml><?xml version="1.0" encoding="utf-8"?>
+<p:sld xmlns:a="http://schemas.openxmlformats.org/drawingml/2006/main" xmlns:r="http://schemas.openxmlformats.org/officeDocument/2006/relationships" xmlns:p="http://schemas.openxmlformats.org/presentationml/2006/main">
+  <p:cSld>
+    <p:spTree>
+      <p:nvGrpSpPr>
+        <p:cNvPr id="1" name=""/>
+        <p:cNvGrpSpPr/>
+        <p:nvPr/>
+      </p:nvGrpSpPr>
+      <p:grpSpPr>
+        <a:xfrm>
+          <a:off x="0" y="0"/>
+          <a:ext cx="0" cy="0"/>
+          <a:chOff x="0" y="0"/>
+          <a:chExt cx="0" cy="0"/>
+        </a:xfrm>
+      </p:grpSpPr>
+      <p:pic>
+        <p:nvPicPr>
+          <p:cNvPr id="2" name="Imagem 1">
+            <a:extLst>
+              <a:ext uri="{FF2B5EF4-FFF2-40B4-BE49-F238E27FC236}">
+                <a16:creationId xmlns:a16="http://schemas.microsoft.com/office/drawing/2014/main" id="{7AFD45B9-B80B-4BD5-9A12-8E12272AD570}"/>
+              </a:ext>
+            </a:extLst>
+          </p:cNvPr>
+          <p:cNvPicPr>
+            <a:picLocks noChangeAspect="1"/>
+          </p:cNvPicPr>
+          <p:nvPr/>
+        </p:nvPicPr>
+        <p:blipFill>
+          <a:blip r:embed="rId2"/>
+          <a:stretch>
+            <a:fillRect/>
+          </a:stretch>
+        </p:blipFill>
+        <p:spPr>
+          <a:xfrm>
+            <a:off x="3876981" y="653016"/>
+            <a:ext cx="3983503" cy="5131630"/>
+          </a:xfrm>
+          <a:prstGeom prst="rect">
+            <a:avLst/>
+          </a:prstGeom>
+        </p:spPr>
+      </p:pic>
+    </p:spTree>
+    <p:extLst>
+      <p:ext uri="{BB962C8B-B14F-4D97-AF65-F5344CB8AC3E}">
+        <p14:creationId xmlns:p14="http://schemas.microsoft.com/office/powerpoint/2010/main" val="1105466646"/>
+      </p:ext>
+    </p:extLst>
+  </p:cSld>
+  <p:clrMapOvr>
+    <a:masterClrMapping/>
+  </p:clrMapOvr>
+</p:sld>
+</file>
+
+<file path=ppt/slides/slide38.xml><?xml version="1.0" encoding="utf-8"?>
+<p:sld xmlns:a="http://schemas.openxmlformats.org/drawingml/2006/main" xmlns:r="http://schemas.openxmlformats.org/officeDocument/2006/relationships" xmlns:p="http://schemas.openxmlformats.org/presentationml/2006/main">
+  <p:cSld>
+    <p:spTree>
+      <p:nvGrpSpPr>
+        <p:cNvPr id="1" name=""/>
+        <p:cNvGrpSpPr/>
+        <p:nvPr/>
+      </p:nvGrpSpPr>
+      <p:grpSpPr>
+        <a:xfrm>
+          <a:off x="0" y="0"/>
+          <a:ext cx="0" cy="0"/>
+          <a:chOff x="0" y="0"/>
+          <a:chExt cx="0" cy="0"/>
+        </a:xfrm>
+      </p:grpSpPr>
+      <p:sp>
+        <p:nvSpPr>
+          <p:cNvPr id="2" name="Retângulo 1">
+            <a:extLst>
+              <a:ext uri="{FF2B5EF4-FFF2-40B4-BE49-F238E27FC236}">
+                <a16:creationId xmlns:a16="http://schemas.microsoft.com/office/drawing/2014/main" id="{5E74EB89-ECDB-4B52-9027-292C7BF0B813}"/>
+              </a:ext>
+            </a:extLst>
+          </p:cNvPr>
+          <p:cNvSpPr/>
+          <p:nvPr/>
+        </p:nvSpPr>
+        <p:spPr>
+          <a:xfrm>
+            <a:off x="268448" y="1518407"/>
+            <a:ext cx="2592198" cy="4345498"/>
+          </a:xfrm>
+          <a:prstGeom prst="rect">
+            <a:avLst/>
+          </a:prstGeom>
+        </p:spPr>
+        <p:style>
+          <a:lnRef idx="2">
+            <a:schemeClr val="accent1">
+              <a:shade val="50000"/>
+            </a:schemeClr>
+          </a:lnRef>
+          <a:fillRef idx="1">
+            <a:schemeClr val="accent1"/>
+          </a:fillRef>
+          <a:effectRef idx="0">
+            <a:schemeClr val="accent1"/>
+          </a:effectRef>
+          <a:fontRef idx="minor">
+            <a:schemeClr val="lt1"/>
+          </a:fontRef>
+        </p:style>
+        <p:txBody>
+          <a:bodyPr rtlCol="0" anchor="ctr"/>
+          <a:lstStyle/>
+          <a:p>
+            <a:pPr algn="ctr"/>
+            <a:r>
+              <a:rPr lang="pt-BR" dirty="0"/>
+              <a:t>COLETA</a:t>
+            </a:r>
+          </a:p>
+        </p:txBody>
+      </p:sp>
+      <p:sp>
+        <p:nvSpPr>
+          <p:cNvPr id="3" name="Retângulo 2">
+            <a:extLst>
+              <a:ext uri="{FF2B5EF4-FFF2-40B4-BE49-F238E27FC236}">
+                <a16:creationId xmlns:a16="http://schemas.microsoft.com/office/drawing/2014/main" id="{B3B754C2-67B0-4194-B456-D04C01324E4B}"/>
+              </a:ext>
+            </a:extLst>
+          </p:cNvPr>
+          <p:cNvSpPr/>
+          <p:nvPr/>
+        </p:nvSpPr>
+        <p:spPr>
+          <a:xfrm>
+            <a:off x="3205993" y="1518407"/>
+            <a:ext cx="2592198" cy="4345498"/>
+          </a:xfrm>
+          <a:prstGeom prst="rect">
+            <a:avLst/>
+          </a:prstGeom>
+        </p:spPr>
+        <p:style>
+          <a:lnRef idx="2">
+            <a:schemeClr val="accent1">
+              <a:shade val="50000"/>
+            </a:schemeClr>
+          </a:lnRef>
+          <a:fillRef idx="1">
+            <a:schemeClr val="accent1"/>
+          </a:fillRef>
+          <a:effectRef idx="0">
+            <a:schemeClr val="accent1"/>
+          </a:effectRef>
+          <a:fontRef idx="minor">
+            <a:schemeClr val="lt1"/>
+          </a:fontRef>
+        </p:style>
+        <p:txBody>
+          <a:bodyPr rtlCol="0" anchor="ctr"/>
+          <a:lstStyle/>
+          <a:p>
+            <a:pPr algn="ctr"/>
+            <a:r>
+              <a:rPr lang="pt-BR" dirty="0"/>
+              <a:t>PRÉ-PROCESSAMENTO</a:t>
+            </a:r>
+          </a:p>
+        </p:txBody>
+      </p:sp>
+      <p:sp>
+        <p:nvSpPr>
+          <p:cNvPr id="4" name="Retângulo 3">
+            <a:extLst>
+              <a:ext uri="{FF2B5EF4-FFF2-40B4-BE49-F238E27FC236}">
+                <a16:creationId xmlns:a16="http://schemas.microsoft.com/office/drawing/2014/main" id="{E81CB131-273F-49BD-9982-F331543E415F}"/>
+              </a:ext>
+            </a:extLst>
+          </p:cNvPr>
+          <p:cNvSpPr/>
+          <p:nvPr/>
+        </p:nvSpPr>
+        <p:spPr>
+          <a:xfrm>
+            <a:off x="7029974" y="486561"/>
+            <a:ext cx="4345498" cy="2541865"/>
+          </a:xfrm>
+          <a:prstGeom prst="rect">
+            <a:avLst/>
+          </a:prstGeom>
+        </p:spPr>
+        <p:style>
+          <a:lnRef idx="2">
+            <a:schemeClr val="accent1">
+              <a:shade val="50000"/>
+            </a:schemeClr>
+          </a:lnRef>
+          <a:fillRef idx="1">
+            <a:schemeClr val="accent1"/>
+          </a:fillRef>
+          <a:effectRef idx="0">
+            <a:schemeClr val="accent1"/>
+          </a:effectRef>
+          <a:fontRef idx="minor">
+            <a:schemeClr val="lt1"/>
+          </a:fontRef>
+        </p:style>
+        <p:txBody>
+          <a:bodyPr rtlCol="0" anchor="ctr"/>
+          <a:lstStyle/>
+          <a:p>
+            <a:pPr algn="ctr"/>
+            <a:r>
+              <a:rPr lang="pt-BR" dirty="0"/>
+              <a:t>Inteligência Artificial</a:t>
+            </a:r>
+          </a:p>
+        </p:txBody>
+      </p:sp>
+      <p:sp>
+        <p:nvSpPr>
+          <p:cNvPr id="5" name="Retângulo 4">
+            <a:extLst>
+              <a:ext uri="{FF2B5EF4-FFF2-40B4-BE49-F238E27FC236}">
+                <a16:creationId xmlns:a16="http://schemas.microsoft.com/office/drawing/2014/main" id="{13306F87-6F3B-44DA-B0BC-C861D5472CB6}"/>
+              </a:ext>
+            </a:extLst>
+          </p:cNvPr>
+          <p:cNvSpPr/>
+          <p:nvPr/>
+        </p:nvSpPr>
+        <p:spPr>
+          <a:xfrm>
+            <a:off x="7029974" y="3691156"/>
+            <a:ext cx="4345498" cy="2541865"/>
+          </a:xfrm>
+          <a:prstGeom prst="rect">
+            <a:avLst/>
+          </a:prstGeom>
+        </p:spPr>
+        <p:style>
+          <a:lnRef idx="2">
+            <a:schemeClr val="accent1">
+              <a:shade val="50000"/>
+            </a:schemeClr>
+          </a:lnRef>
+          <a:fillRef idx="1">
+            <a:schemeClr val="accent1"/>
+          </a:fillRef>
+          <a:effectRef idx="0">
+            <a:schemeClr val="accent1"/>
+          </a:effectRef>
+          <a:fontRef idx="minor">
+            <a:schemeClr val="lt1"/>
+          </a:fontRef>
+        </p:style>
+        <p:txBody>
+          <a:bodyPr rtlCol="0" anchor="ctr"/>
+          <a:lstStyle/>
+          <a:p>
+            <a:pPr algn="ctr"/>
+            <a:r>
+              <a:rPr lang="pt-BR" dirty="0"/>
+              <a:t>DATA VISUALIZATION</a:t>
+            </a:r>
+          </a:p>
+        </p:txBody>
+      </p:sp>
+      <p:pic>
+        <p:nvPicPr>
+          <p:cNvPr id="6" name="Imagem 5">
+            <a:extLst>
+              <a:ext uri="{FF2B5EF4-FFF2-40B4-BE49-F238E27FC236}">
+                <a16:creationId xmlns:a16="http://schemas.microsoft.com/office/drawing/2014/main" id="{2BF601F3-39F8-497E-82E1-BD2C1BC2EDF4}"/>
+              </a:ext>
+            </a:extLst>
+          </p:cNvPr>
+          <p:cNvPicPr>
+            <a:picLocks noChangeAspect="1"/>
+          </p:cNvPicPr>
+          <p:nvPr/>
+        </p:nvPicPr>
+        <p:blipFill>
+          <a:blip r:embed="rId2"/>
+          <a:stretch>
+            <a:fillRect/>
+          </a:stretch>
+        </p:blipFill>
+        <p:spPr>
+          <a:xfrm>
+            <a:off x="883794" y="1837189"/>
+            <a:ext cx="1459574" cy="1465976"/>
+          </a:xfrm>
+          <a:prstGeom prst="rect">
+            <a:avLst/>
+          </a:prstGeom>
+        </p:spPr>
+      </p:pic>
+      <p:pic>
+        <p:nvPicPr>
+          <p:cNvPr id="8" name="Imagem 7">
+            <a:extLst>
+              <a:ext uri="{FF2B5EF4-FFF2-40B4-BE49-F238E27FC236}">
+                <a16:creationId xmlns:a16="http://schemas.microsoft.com/office/drawing/2014/main" id="{385C92DA-47C1-4769-9C86-D41EF9D4A5A9}"/>
+              </a:ext>
+            </a:extLst>
+          </p:cNvPr>
+          <p:cNvPicPr>
+            <a:picLocks noChangeAspect="1"/>
+          </p:cNvPicPr>
+          <p:nvPr/>
+        </p:nvPicPr>
+        <p:blipFill>
+          <a:blip r:embed="rId3"/>
+          <a:stretch>
+            <a:fillRect/>
+          </a:stretch>
+        </p:blipFill>
+        <p:spPr>
+          <a:xfrm>
+            <a:off x="3383833" y="2122415"/>
+            <a:ext cx="2236518" cy="906011"/>
+          </a:xfrm>
+          <a:prstGeom prst="rect">
+            <a:avLst/>
+          </a:prstGeom>
+        </p:spPr>
+      </p:pic>
+      <p:sp>
+        <p:nvSpPr>
+          <p:cNvPr id="9" name="CaixaDeTexto 8">
+            <a:extLst>
+              <a:ext uri="{FF2B5EF4-FFF2-40B4-BE49-F238E27FC236}">
+                <a16:creationId xmlns:a16="http://schemas.microsoft.com/office/drawing/2014/main" id="{E61F093A-B563-4B0F-A057-D34A24E60F23}"/>
+              </a:ext>
+            </a:extLst>
+          </p:cNvPr>
+          <p:cNvSpPr txBox="1"/>
+          <p:nvPr/>
+        </p:nvSpPr>
+        <p:spPr>
+          <a:xfrm>
+            <a:off x="3895996" y="4437776"/>
+            <a:ext cx="1212191" cy="646331"/>
+          </a:xfrm>
+          <a:prstGeom prst="rect">
+            <a:avLst/>
+          </a:prstGeom>
+        </p:spPr>
+        <p:style>
+          <a:lnRef idx="2">
+            <a:schemeClr val="dk1">
+              <a:shade val="50000"/>
+            </a:schemeClr>
+          </a:lnRef>
+          <a:fillRef idx="1">
+            <a:schemeClr val="dk1"/>
+          </a:fillRef>
+          <a:effectRef idx="0">
+            <a:schemeClr val="dk1"/>
+          </a:effectRef>
+          <a:fontRef idx="minor">
+            <a:schemeClr val="lt1"/>
+          </a:fontRef>
+        </p:style>
+        <p:txBody>
+          <a:bodyPr wrap="none" rtlCol="0">
+            <a:spAutoFit/>
+          </a:bodyPr>
+          <a:lstStyle/>
+          <a:p>
+            <a:r>
+              <a:rPr lang="pt-BR" dirty="0" err="1"/>
+              <a:t>df.drop</a:t>
+            </a:r>
+            <a:r>
+              <a:rPr lang="pt-BR" dirty="0"/>
+              <a:t>( )</a:t>
+            </a:r>
+          </a:p>
+          <a:p>
+            <a:r>
+              <a:rPr lang="pt-BR" dirty="0" err="1"/>
+              <a:t>df.sum</a:t>
+            </a:r>
+            <a:r>
+              <a:rPr lang="pt-BR" dirty="0"/>
+              <a:t>( )</a:t>
+            </a:r>
+          </a:p>
+        </p:txBody>
+      </p:sp>
+      <p:cxnSp>
+        <p:nvCxnSpPr>
+          <p:cNvPr id="11" name="Conector de Seta Reta 10">
+            <a:extLst>
+              <a:ext uri="{FF2B5EF4-FFF2-40B4-BE49-F238E27FC236}">
+                <a16:creationId xmlns:a16="http://schemas.microsoft.com/office/drawing/2014/main" id="{4EFC94B7-9838-4D8F-9564-D1FF094D38D4}"/>
+              </a:ext>
+            </a:extLst>
+          </p:cNvPr>
+          <p:cNvCxnSpPr/>
+          <p:nvPr/>
+        </p:nvCxnSpPr>
+        <p:spPr>
+          <a:xfrm flipV="1">
+            <a:off x="5964572" y="1837189"/>
+            <a:ext cx="788566" cy="494950"/>
+          </a:xfrm>
+          <a:prstGeom prst="straightConnector1">
+            <a:avLst/>
+          </a:prstGeom>
+          <a:ln w="76200">
+            <a:tailEnd type="triangle"/>
+          </a:ln>
+        </p:spPr>
+        <p:style>
+          <a:lnRef idx="1">
+            <a:schemeClr val="accent1"/>
+          </a:lnRef>
+          <a:fillRef idx="0">
+            <a:schemeClr val="accent1"/>
+          </a:fillRef>
+          <a:effectRef idx="0">
+            <a:schemeClr val="accent1"/>
+          </a:effectRef>
+          <a:fontRef idx="minor">
+            <a:schemeClr val="tx1"/>
+          </a:fontRef>
+        </p:style>
+      </p:cxnSp>
+      <p:cxnSp>
+        <p:nvCxnSpPr>
+          <p:cNvPr id="12" name="Conector de Seta Reta 11">
+            <a:extLst>
+              <a:ext uri="{FF2B5EF4-FFF2-40B4-BE49-F238E27FC236}">
+                <a16:creationId xmlns:a16="http://schemas.microsoft.com/office/drawing/2014/main" id="{FDFA76D0-36B4-41B3-91EA-B4335E99F1A6}"/>
+              </a:ext>
+            </a:extLst>
+          </p:cNvPr>
+          <p:cNvCxnSpPr>
+            <a:cxnSpLocks/>
+          </p:cNvCxnSpPr>
+          <p:nvPr/>
+        </p:nvCxnSpPr>
+        <p:spPr>
+          <a:xfrm>
+            <a:off x="5964572" y="4605556"/>
+            <a:ext cx="1020099" cy="335371"/>
+          </a:xfrm>
+          <a:prstGeom prst="straightConnector1">
+            <a:avLst/>
+          </a:prstGeom>
+          <a:ln w="76200">
+            <a:tailEnd type="triangle"/>
+          </a:ln>
+        </p:spPr>
+        <p:style>
+          <a:lnRef idx="1">
+            <a:schemeClr val="accent1"/>
+          </a:lnRef>
+          <a:fillRef idx="0">
+            <a:schemeClr val="accent1"/>
+          </a:fillRef>
+          <a:effectRef idx="0">
+            <a:schemeClr val="accent1"/>
+          </a:effectRef>
+          <a:fontRef idx="minor">
+            <a:schemeClr val="tx1"/>
+          </a:fontRef>
+        </p:style>
+      </p:cxnSp>
+      <p:sp>
+        <p:nvSpPr>
+          <p:cNvPr id="16" name="CaixaDeTexto 15">
+            <a:extLst>
+              <a:ext uri="{FF2B5EF4-FFF2-40B4-BE49-F238E27FC236}">
+                <a16:creationId xmlns:a16="http://schemas.microsoft.com/office/drawing/2014/main" id="{4259A28B-E742-4EAF-B296-3473D8D82909}"/>
+              </a:ext>
+            </a:extLst>
+          </p:cNvPr>
+          <p:cNvSpPr txBox="1"/>
+          <p:nvPr/>
+        </p:nvSpPr>
+        <p:spPr>
+          <a:xfrm>
+            <a:off x="7350966" y="3807926"/>
+            <a:ext cx="3703514" cy="2308324"/>
+          </a:xfrm>
+          <a:prstGeom prst="rect">
+            <a:avLst/>
+          </a:prstGeom>
+        </p:spPr>
+        <p:style>
+          <a:lnRef idx="1">
+            <a:schemeClr val="dk1"/>
+          </a:lnRef>
+          <a:fillRef idx="3">
+            <a:schemeClr val="dk1"/>
+          </a:fillRef>
+          <a:effectRef idx="2">
+            <a:schemeClr val="dk1"/>
+          </a:effectRef>
+          <a:fontRef idx="minor">
+            <a:schemeClr val="lt1"/>
+          </a:fontRef>
+        </p:style>
+        <p:txBody>
+          <a:bodyPr wrap="square" rtlCol="0">
+            <a:spAutoFit/>
+          </a:bodyPr>
+          <a:lstStyle/>
+          <a:p>
+            <a:r>
+              <a:rPr lang="pt-BR" dirty="0"/>
+              <a:t>Linha</a:t>
+            </a:r>
+          </a:p>
+          <a:p>
+            <a:r>
+              <a:rPr lang="pt-BR" dirty="0"/>
+              <a:t>Barra</a:t>
+            </a:r>
+          </a:p>
+          <a:p>
+            <a:r>
+              <a:rPr lang="pt-BR" dirty="0"/>
+              <a:t>Dispersão</a:t>
+            </a:r>
+          </a:p>
+          <a:p>
+            <a:r>
+              <a:rPr lang="pt-BR" dirty="0"/>
+              <a:t>Pizza</a:t>
+            </a:r>
+          </a:p>
+          <a:p>
+            <a:r>
+              <a:rPr lang="pt-BR" dirty="0" err="1"/>
+              <a:t>Boxplot</a:t>
+            </a:r>
+            <a:endParaRPr lang="pt-BR" dirty="0"/>
+          </a:p>
+          <a:p>
+            <a:r>
+              <a:rPr lang="pt-BR" dirty="0"/>
+              <a:t>Histograma</a:t>
+            </a:r>
+          </a:p>
+          <a:p>
+            <a:r>
+              <a:rPr lang="pt-BR" dirty="0"/>
+              <a:t>Gráfico como figura</a:t>
+            </a:r>
+          </a:p>
+          <a:p>
+            <a:r>
+              <a:rPr lang="pt-BR" dirty="0" err="1"/>
+              <a:t>Subplot</a:t>
+            </a:r>
+            <a:r>
+              <a:rPr lang="pt-BR" dirty="0"/>
+              <a:t>( )</a:t>
+            </a:r>
+          </a:p>
+        </p:txBody>
+      </p:sp>
+      <p:sp>
+        <p:nvSpPr>
+          <p:cNvPr id="17" name="Retângulo 16">
+            <a:extLst>
+              <a:ext uri="{FF2B5EF4-FFF2-40B4-BE49-F238E27FC236}">
+                <a16:creationId xmlns:a16="http://schemas.microsoft.com/office/drawing/2014/main" id="{51FFBA4D-D727-4369-8FD6-38F4CFC765A0}"/>
+              </a:ext>
+            </a:extLst>
+          </p:cNvPr>
+          <p:cNvSpPr/>
+          <p:nvPr/>
+        </p:nvSpPr>
+        <p:spPr>
+          <a:xfrm>
+            <a:off x="8482942" y="4530055"/>
+            <a:ext cx="2414357" cy="615553"/>
+          </a:xfrm>
+          <a:prstGeom prst="rect">
+            <a:avLst/>
+          </a:prstGeom>
+        </p:spPr>
+        <p:style>
+          <a:lnRef idx="2">
+            <a:schemeClr val="accent1">
+              <a:shade val="50000"/>
+            </a:schemeClr>
+          </a:lnRef>
+          <a:fillRef idx="1">
+            <a:schemeClr val="accent1"/>
+          </a:fillRef>
+          <a:effectRef idx="0">
+            <a:schemeClr val="accent1"/>
+          </a:effectRef>
+          <a:fontRef idx="minor">
+            <a:schemeClr val="lt1"/>
+          </a:fontRef>
+        </p:style>
+        <p:txBody>
+          <a:bodyPr wrap="square" lIns="91440" tIns="45720" rIns="91440" bIns="45720">
+            <a:spAutoFit/>
+          </a:bodyPr>
+          <a:lstStyle/>
+          <a:p>
+            <a:pPr algn="ctr"/>
+            <a:r>
+              <a:rPr lang="pt-BR" sz="3400" b="1" cap="none" spc="0" dirty="0">
+                <a:ln w="12700" cmpd="sng">
+                  <a:solidFill>
+                    <a:schemeClr val="accent4"/>
+                  </a:solidFill>
+                  <a:prstDash val="solid"/>
+                </a:ln>
+                <a:gradFill>
+                  <a:gsLst>
+                    <a:gs pos="0">
+                      <a:schemeClr val="accent4"/>
+                    </a:gs>
+                    <a:gs pos="4000">
+                      <a:schemeClr val="accent4">
+                        <a:lumMod val="60000"/>
+                        <a:lumOff val="40000"/>
+                      </a:schemeClr>
+                    </a:gs>
+                    <a:gs pos="87000">
+                      <a:schemeClr val="accent4">
+                        <a:lumMod val="20000"/>
+                        <a:lumOff val="80000"/>
+                      </a:schemeClr>
+                    </a:gs>
+                  </a:gsLst>
+                  <a:lin ang="5400000"/>
+                </a:gradFill>
+                <a:effectLst/>
+              </a:rPr>
+              <a:t>Gráficos</a:t>
+            </a:r>
+          </a:p>
+        </p:txBody>
+      </p:sp>
+    </p:spTree>
+    <p:extLst>
+      <p:ext uri="{BB962C8B-B14F-4D97-AF65-F5344CB8AC3E}">
+        <p14:creationId xmlns:p14="http://schemas.microsoft.com/office/powerpoint/2010/main" val="2331164678"/>
+      </p:ext>
+    </p:extLst>
+  </p:cSld>
+  <p:clrMapOvr>
+    <a:masterClrMapping/>
+  </p:clrMapOvr>
+</p:sld>
+</file>
+
+<file path=ppt/slides/slide39.xml><?xml version="1.0" encoding="utf-8"?>
+<p:sld xmlns:a="http://schemas.openxmlformats.org/drawingml/2006/main" xmlns:r="http://schemas.openxmlformats.org/officeDocument/2006/relationships" xmlns:p="http://schemas.openxmlformats.org/presentationml/2006/main">
+  <p:cSld>
+    <p:spTree>
+      <p:nvGrpSpPr>
+        <p:cNvPr id="1" name=""/>
+        <p:cNvGrpSpPr/>
+        <p:nvPr/>
+      </p:nvGrpSpPr>
+      <p:grpSpPr>
+        <a:xfrm>
+          <a:off x="0" y="0"/>
+          <a:ext cx="0" cy="0"/>
+          <a:chOff x="0" y="0"/>
+          <a:chExt cx="0" cy="0"/>
+        </a:xfrm>
+      </p:grpSpPr>
+      <p:pic>
+        <p:nvPicPr>
+          <p:cNvPr id="2" name="Imagem 1">
+            <a:extLst>
+              <a:ext uri="{FF2B5EF4-FFF2-40B4-BE49-F238E27FC236}">
+                <a16:creationId xmlns:a16="http://schemas.microsoft.com/office/drawing/2014/main" id="{5923DD00-A280-4236-AACD-BAD7185FA08A}"/>
+              </a:ext>
+            </a:extLst>
+          </p:cNvPr>
+          <p:cNvPicPr>
+            <a:picLocks noChangeAspect="1"/>
+          </p:cNvPicPr>
+          <p:nvPr/>
+        </p:nvPicPr>
+        <p:blipFill>
+          <a:blip r:embed="rId2"/>
+          <a:stretch>
+            <a:fillRect/>
+          </a:stretch>
+        </p:blipFill>
+        <p:spPr>
+          <a:xfrm>
+            <a:off x="1793296" y="163585"/>
+            <a:ext cx="8282078" cy="6530829"/>
+          </a:xfrm>
+          <a:prstGeom prst="rect">
+            <a:avLst/>
+          </a:prstGeom>
+        </p:spPr>
+      </p:pic>
+    </p:spTree>
+    <p:extLst>
+      <p:ext uri="{BB962C8B-B14F-4D97-AF65-F5344CB8AC3E}">
+        <p14:creationId xmlns:p14="http://schemas.microsoft.com/office/powerpoint/2010/main" val="4177865860"/>
       </p:ext>
     </p:extLst>
   </p:cSld>

--- a/Graficos.pptx
+++ b/Graficos.pptx
@@ -4,6 +4,9 @@
   <p:sldMasterIdLst>
     <p:sldMasterId id="2147483840" r:id="rId1"/>
   </p:sldMasterIdLst>
+  <p:notesMasterIdLst>
+    <p:notesMasterId r:id="rId48"/>
+  </p:notesMasterIdLst>
   <p:sldIdLst>
     <p:sldId id="256" r:id="rId2"/>
     <p:sldId id="257" r:id="rId3"/>
@@ -44,6 +47,13 @@
     <p:sldId id="293" r:id="rId38"/>
     <p:sldId id="294" r:id="rId39"/>
     <p:sldId id="295" r:id="rId40"/>
+    <p:sldId id="296" r:id="rId41"/>
+    <p:sldId id="297" r:id="rId42"/>
+    <p:sldId id="298" r:id="rId43"/>
+    <p:sldId id="299" r:id="rId44"/>
+    <p:sldId id="300" r:id="rId45"/>
+    <p:sldId id="301" r:id="rId46"/>
+    <p:sldId id="302" r:id="rId47"/>
   </p:sldIdLst>
   <p:sldSz cx="12192000" cy="6858000"/>
   <p:notesSz cx="6858000" cy="9144000"/>
@@ -148,6 +158,439 @@
     </p:ext>
   </p:extLst>
 </p:presentation>
+</file>
+
+<file path=ppt/notesMasters/notesMaster1.xml><?xml version="1.0" encoding="utf-8"?>
+<p:notesMaster xmlns:a="http://schemas.openxmlformats.org/drawingml/2006/main" xmlns:r="http://schemas.openxmlformats.org/officeDocument/2006/relationships" xmlns:p="http://schemas.openxmlformats.org/presentationml/2006/main">
+  <p:cSld>
+    <p:bg>
+      <p:bgRef idx="1001">
+        <a:schemeClr val="bg1"/>
+      </p:bgRef>
+    </p:bg>
+    <p:spTree>
+      <p:nvGrpSpPr>
+        <p:cNvPr id="1" name=""/>
+        <p:cNvGrpSpPr/>
+        <p:nvPr/>
+      </p:nvGrpSpPr>
+      <p:grpSpPr>
+        <a:xfrm>
+          <a:off x="0" y="0"/>
+          <a:ext cx="0" cy="0"/>
+          <a:chOff x="0" y="0"/>
+          <a:chExt cx="0" cy="0"/>
+        </a:xfrm>
+      </p:grpSpPr>
+      <p:sp>
+        <p:nvSpPr>
+          <p:cNvPr id="2" name="Espaço Reservado para Cabeçalho 1"/>
+          <p:cNvSpPr>
+            <a:spLocks noGrp="1"/>
+          </p:cNvSpPr>
+          <p:nvPr>
+            <p:ph type="hdr" sz="quarter"/>
+          </p:nvPr>
+        </p:nvSpPr>
+        <p:spPr>
+          <a:xfrm>
+            <a:off x="0" y="0"/>
+            <a:ext cx="2971800" cy="458788"/>
+          </a:xfrm>
+          <a:prstGeom prst="rect">
+            <a:avLst/>
+          </a:prstGeom>
+        </p:spPr>
+        <p:txBody>
+          <a:bodyPr vert="horz" lIns="91440" tIns="45720" rIns="91440" bIns="45720" rtlCol="0"/>
+          <a:lstStyle>
+            <a:lvl1pPr algn="l">
+              <a:defRPr sz="1200"/>
+            </a:lvl1pPr>
+          </a:lstStyle>
+          <a:p>
+            <a:endParaRPr lang="pt-BR"/>
+          </a:p>
+        </p:txBody>
+      </p:sp>
+      <p:sp>
+        <p:nvSpPr>
+          <p:cNvPr id="3" name="Espaço Reservado para Data 2"/>
+          <p:cNvSpPr>
+            <a:spLocks noGrp="1"/>
+          </p:cNvSpPr>
+          <p:nvPr>
+            <p:ph type="dt" idx="1"/>
+          </p:nvPr>
+        </p:nvSpPr>
+        <p:spPr>
+          <a:xfrm>
+            <a:off x="3884613" y="0"/>
+            <a:ext cx="2971800" cy="458788"/>
+          </a:xfrm>
+          <a:prstGeom prst="rect">
+            <a:avLst/>
+          </a:prstGeom>
+        </p:spPr>
+        <p:txBody>
+          <a:bodyPr vert="horz" lIns="91440" tIns="45720" rIns="91440" bIns="45720" rtlCol="0"/>
+          <a:lstStyle>
+            <a:lvl1pPr algn="r">
+              <a:defRPr sz="1200"/>
+            </a:lvl1pPr>
+          </a:lstStyle>
+          <a:p>
+            <a:fld id="{9555EE47-61D7-44CE-ABCB-93AEAEE86C33}" type="datetimeFigureOut">
+              <a:rPr lang="pt-BR" smtClean="0"/>
+              <a:t>22/08/2024</a:t>
+            </a:fld>
+            <a:endParaRPr lang="pt-BR"/>
+          </a:p>
+        </p:txBody>
+      </p:sp>
+      <p:sp>
+        <p:nvSpPr>
+          <p:cNvPr id="4" name="Espaço Reservado para Imagem de Slide 3"/>
+          <p:cNvSpPr>
+            <a:spLocks noGrp="1" noRot="1" noChangeAspect="1"/>
+          </p:cNvSpPr>
+          <p:nvPr>
+            <p:ph type="sldImg" idx="2"/>
+          </p:nvPr>
+        </p:nvSpPr>
+        <p:spPr>
+          <a:xfrm>
+            <a:off x="685800" y="1143000"/>
+            <a:ext cx="5486400" cy="3086100"/>
+          </a:xfrm>
+          <a:prstGeom prst="rect">
+            <a:avLst/>
+          </a:prstGeom>
+          <a:noFill/>
+          <a:ln w="12700">
+            <a:solidFill>
+              <a:prstClr val="black"/>
+            </a:solidFill>
+          </a:ln>
+        </p:spPr>
+        <p:txBody>
+          <a:bodyPr vert="horz" lIns="91440" tIns="45720" rIns="91440" bIns="45720" rtlCol="0" anchor="ctr"/>
+          <a:lstStyle/>
+          <a:p>
+            <a:endParaRPr lang="pt-BR"/>
+          </a:p>
+        </p:txBody>
+      </p:sp>
+      <p:sp>
+        <p:nvSpPr>
+          <p:cNvPr id="5" name="Espaço Reservado para Anotações 4"/>
+          <p:cNvSpPr>
+            <a:spLocks noGrp="1"/>
+          </p:cNvSpPr>
+          <p:nvPr>
+            <p:ph type="body" sz="quarter" idx="3"/>
+          </p:nvPr>
+        </p:nvSpPr>
+        <p:spPr>
+          <a:xfrm>
+            <a:off x="685800" y="4400550"/>
+            <a:ext cx="5486400" cy="3600450"/>
+          </a:xfrm>
+          <a:prstGeom prst="rect">
+            <a:avLst/>
+          </a:prstGeom>
+        </p:spPr>
+        <p:txBody>
+          <a:bodyPr vert="horz" lIns="91440" tIns="45720" rIns="91440" bIns="45720" rtlCol="0"/>
+          <a:lstStyle/>
+          <a:p>
+            <a:pPr lvl="0"/>
+            <a:r>
+              <a:rPr lang="pt-BR"/>
+              <a:t>Editar estilos de texto Mestre</a:t>
+            </a:r>
+          </a:p>
+          <a:p>
+            <a:pPr lvl="1"/>
+            <a:r>
+              <a:rPr lang="pt-BR"/>
+              <a:t>Segundo nível</a:t>
+            </a:r>
+          </a:p>
+          <a:p>
+            <a:pPr lvl="2"/>
+            <a:r>
+              <a:rPr lang="pt-BR"/>
+              <a:t>Terceiro nível</a:t>
+            </a:r>
+          </a:p>
+          <a:p>
+            <a:pPr lvl="3"/>
+            <a:r>
+              <a:rPr lang="pt-BR"/>
+              <a:t>Quarto nível</a:t>
+            </a:r>
+          </a:p>
+          <a:p>
+            <a:pPr lvl="4"/>
+            <a:r>
+              <a:rPr lang="pt-BR"/>
+              <a:t>Quinto nível</a:t>
+            </a:r>
+          </a:p>
+        </p:txBody>
+      </p:sp>
+      <p:sp>
+        <p:nvSpPr>
+          <p:cNvPr id="6" name="Espaço Reservado para Rodapé 5"/>
+          <p:cNvSpPr>
+            <a:spLocks noGrp="1"/>
+          </p:cNvSpPr>
+          <p:nvPr>
+            <p:ph type="ftr" sz="quarter" idx="4"/>
+          </p:nvPr>
+        </p:nvSpPr>
+        <p:spPr>
+          <a:xfrm>
+            <a:off x="0" y="8685213"/>
+            <a:ext cx="2971800" cy="458787"/>
+          </a:xfrm>
+          <a:prstGeom prst="rect">
+            <a:avLst/>
+          </a:prstGeom>
+        </p:spPr>
+        <p:txBody>
+          <a:bodyPr vert="horz" lIns="91440" tIns="45720" rIns="91440" bIns="45720" rtlCol="0" anchor="b"/>
+          <a:lstStyle>
+            <a:lvl1pPr algn="l">
+              <a:defRPr sz="1200"/>
+            </a:lvl1pPr>
+          </a:lstStyle>
+          <a:p>
+            <a:endParaRPr lang="pt-BR"/>
+          </a:p>
+        </p:txBody>
+      </p:sp>
+      <p:sp>
+        <p:nvSpPr>
+          <p:cNvPr id="7" name="Espaço Reservado para Número de Slide 6"/>
+          <p:cNvSpPr>
+            <a:spLocks noGrp="1"/>
+          </p:cNvSpPr>
+          <p:nvPr>
+            <p:ph type="sldNum" sz="quarter" idx="5"/>
+          </p:nvPr>
+        </p:nvSpPr>
+        <p:spPr>
+          <a:xfrm>
+            <a:off x="3884613" y="8685213"/>
+            <a:ext cx="2971800" cy="458787"/>
+          </a:xfrm>
+          <a:prstGeom prst="rect">
+            <a:avLst/>
+          </a:prstGeom>
+        </p:spPr>
+        <p:txBody>
+          <a:bodyPr vert="horz" lIns="91440" tIns="45720" rIns="91440" bIns="45720" rtlCol="0" anchor="b"/>
+          <a:lstStyle>
+            <a:lvl1pPr algn="r">
+              <a:defRPr sz="1200"/>
+            </a:lvl1pPr>
+          </a:lstStyle>
+          <a:p>
+            <a:fld id="{DCC5EDF6-D540-4FFB-8E56-B7CAD68CF121}" type="slidenum">
+              <a:rPr lang="pt-BR" smtClean="0"/>
+              <a:t>‹nº›</a:t>
+            </a:fld>
+            <a:endParaRPr lang="pt-BR"/>
+          </a:p>
+        </p:txBody>
+      </p:sp>
+    </p:spTree>
+    <p:extLst>
+      <p:ext uri="{BB962C8B-B14F-4D97-AF65-F5344CB8AC3E}">
+        <p14:creationId xmlns:p14="http://schemas.microsoft.com/office/powerpoint/2010/main" val="1431221327"/>
+      </p:ext>
+    </p:extLst>
+  </p:cSld>
+  <p:clrMap bg1="lt1" tx1="dk1" bg2="lt2" tx2="dk2" accent1="accent1" accent2="accent2" accent3="accent3" accent4="accent4" accent5="accent5" accent6="accent6" hlink="hlink" folHlink="folHlink"/>
+  <p:notesStyle>
+    <a:lvl1pPr marL="0" algn="l" defTabSz="914400" rtl="0" eaLnBrk="1" latinLnBrk="0" hangingPunct="1">
+      <a:defRPr sz="1200" kern="1200">
+        <a:solidFill>
+          <a:schemeClr val="tx1"/>
+        </a:solidFill>
+        <a:latin typeface="+mn-lt"/>
+        <a:ea typeface="+mn-ea"/>
+        <a:cs typeface="+mn-cs"/>
+      </a:defRPr>
+    </a:lvl1pPr>
+    <a:lvl2pPr marL="457200" algn="l" defTabSz="914400" rtl="0" eaLnBrk="1" latinLnBrk="0" hangingPunct="1">
+      <a:defRPr sz="1200" kern="1200">
+        <a:solidFill>
+          <a:schemeClr val="tx1"/>
+        </a:solidFill>
+        <a:latin typeface="+mn-lt"/>
+        <a:ea typeface="+mn-ea"/>
+        <a:cs typeface="+mn-cs"/>
+      </a:defRPr>
+    </a:lvl2pPr>
+    <a:lvl3pPr marL="914400" algn="l" defTabSz="914400" rtl="0" eaLnBrk="1" latinLnBrk="0" hangingPunct="1">
+      <a:defRPr sz="1200" kern="1200">
+        <a:solidFill>
+          <a:schemeClr val="tx1"/>
+        </a:solidFill>
+        <a:latin typeface="+mn-lt"/>
+        <a:ea typeface="+mn-ea"/>
+        <a:cs typeface="+mn-cs"/>
+      </a:defRPr>
+    </a:lvl3pPr>
+    <a:lvl4pPr marL="1371600" algn="l" defTabSz="914400" rtl="0" eaLnBrk="1" latinLnBrk="0" hangingPunct="1">
+      <a:defRPr sz="1200" kern="1200">
+        <a:solidFill>
+          <a:schemeClr val="tx1"/>
+        </a:solidFill>
+        <a:latin typeface="+mn-lt"/>
+        <a:ea typeface="+mn-ea"/>
+        <a:cs typeface="+mn-cs"/>
+      </a:defRPr>
+    </a:lvl4pPr>
+    <a:lvl5pPr marL="1828800" algn="l" defTabSz="914400" rtl="0" eaLnBrk="1" latinLnBrk="0" hangingPunct="1">
+      <a:defRPr sz="1200" kern="1200">
+        <a:solidFill>
+          <a:schemeClr val="tx1"/>
+        </a:solidFill>
+        <a:latin typeface="+mn-lt"/>
+        <a:ea typeface="+mn-ea"/>
+        <a:cs typeface="+mn-cs"/>
+      </a:defRPr>
+    </a:lvl5pPr>
+    <a:lvl6pPr marL="2286000" algn="l" defTabSz="914400" rtl="0" eaLnBrk="1" latinLnBrk="0" hangingPunct="1">
+      <a:defRPr sz="1200" kern="1200">
+        <a:solidFill>
+          <a:schemeClr val="tx1"/>
+        </a:solidFill>
+        <a:latin typeface="+mn-lt"/>
+        <a:ea typeface="+mn-ea"/>
+        <a:cs typeface="+mn-cs"/>
+      </a:defRPr>
+    </a:lvl6pPr>
+    <a:lvl7pPr marL="2743200" algn="l" defTabSz="914400" rtl="0" eaLnBrk="1" latinLnBrk="0" hangingPunct="1">
+      <a:defRPr sz="1200" kern="1200">
+        <a:solidFill>
+          <a:schemeClr val="tx1"/>
+        </a:solidFill>
+        <a:latin typeface="+mn-lt"/>
+        <a:ea typeface="+mn-ea"/>
+        <a:cs typeface="+mn-cs"/>
+      </a:defRPr>
+    </a:lvl7pPr>
+    <a:lvl8pPr marL="3200400" algn="l" defTabSz="914400" rtl="0" eaLnBrk="1" latinLnBrk="0" hangingPunct="1">
+      <a:defRPr sz="1200" kern="1200">
+        <a:solidFill>
+          <a:schemeClr val="tx1"/>
+        </a:solidFill>
+        <a:latin typeface="+mn-lt"/>
+        <a:ea typeface="+mn-ea"/>
+        <a:cs typeface="+mn-cs"/>
+      </a:defRPr>
+    </a:lvl8pPr>
+    <a:lvl9pPr marL="3657600" algn="l" defTabSz="914400" rtl="0" eaLnBrk="1" latinLnBrk="0" hangingPunct="1">
+      <a:defRPr sz="1200" kern="1200">
+        <a:solidFill>
+          <a:schemeClr val="tx1"/>
+        </a:solidFill>
+        <a:latin typeface="+mn-lt"/>
+        <a:ea typeface="+mn-ea"/>
+        <a:cs typeface="+mn-cs"/>
+      </a:defRPr>
+    </a:lvl9pPr>
+  </p:notesStyle>
+</p:notesMaster>
+</file>
+
+<file path=ppt/notesSlides/notesSlide1.xml><?xml version="1.0" encoding="utf-8"?>
+<p:notes xmlns:a="http://schemas.openxmlformats.org/drawingml/2006/main" xmlns:r="http://schemas.openxmlformats.org/officeDocument/2006/relationships" xmlns:p="http://schemas.openxmlformats.org/presentationml/2006/main">
+  <p:cSld>
+    <p:spTree>
+      <p:nvGrpSpPr>
+        <p:cNvPr id="1" name=""/>
+        <p:cNvGrpSpPr/>
+        <p:nvPr/>
+      </p:nvGrpSpPr>
+      <p:grpSpPr>
+        <a:xfrm>
+          <a:off x="0" y="0"/>
+          <a:ext cx="0" cy="0"/>
+          <a:chOff x="0" y="0"/>
+          <a:chExt cx="0" cy="0"/>
+        </a:xfrm>
+      </p:grpSpPr>
+      <p:sp>
+        <p:nvSpPr>
+          <p:cNvPr id="2" name="Espaço Reservado para Imagem de Slide 1"/>
+          <p:cNvSpPr>
+            <a:spLocks noGrp="1" noRot="1" noChangeAspect="1"/>
+          </p:cNvSpPr>
+          <p:nvPr>
+            <p:ph type="sldImg"/>
+          </p:nvPr>
+        </p:nvSpPr>
+        <p:spPr/>
+      </p:sp>
+      <p:sp>
+        <p:nvSpPr>
+          <p:cNvPr id="3" name="Espaço Reservado para Anotações 2"/>
+          <p:cNvSpPr>
+            <a:spLocks noGrp="1"/>
+          </p:cNvSpPr>
+          <p:nvPr>
+            <p:ph type="body" idx="1"/>
+          </p:nvPr>
+        </p:nvSpPr>
+        <p:spPr/>
+        <p:txBody>
+          <a:bodyPr/>
+          <a:lstStyle/>
+          <a:p>
+            <a:endParaRPr lang="pt-BR" dirty="0"/>
+          </a:p>
+        </p:txBody>
+      </p:sp>
+      <p:sp>
+        <p:nvSpPr>
+          <p:cNvPr id="4" name="Espaço Reservado para Número de Slide 3"/>
+          <p:cNvSpPr>
+            <a:spLocks noGrp="1"/>
+          </p:cNvSpPr>
+          <p:nvPr>
+            <p:ph type="sldNum" sz="quarter" idx="5"/>
+          </p:nvPr>
+        </p:nvSpPr>
+        <p:spPr/>
+        <p:txBody>
+          <a:bodyPr/>
+          <a:lstStyle/>
+          <a:p>
+            <a:fld id="{DCC5EDF6-D540-4FFB-8E56-B7CAD68CF121}" type="slidenum">
+              <a:rPr lang="pt-BR" smtClean="0"/>
+              <a:t>46</a:t>
+            </a:fld>
+            <a:endParaRPr lang="pt-BR"/>
+          </a:p>
+        </p:txBody>
+      </p:sp>
+    </p:spTree>
+    <p:extLst>
+      <p:ext uri="{BB962C8B-B14F-4D97-AF65-F5344CB8AC3E}">
+        <p14:creationId xmlns:p14="http://schemas.microsoft.com/office/powerpoint/2010/main" val="4190901297"/>
+      </p:ext>
+    </p:extLst>
+  </p:cSld>
+  <p:clrMapOvr>
+    <a:masterClrMapping/>
+  </p:clrMapOvr>
+</p:notes>
 </file>
 
 <file path=ppt/slideLayouts/slideLayout1.xml><?xml version="1.0" encoding="utf-8"?>
@@ -4951,8 +5394,8 @@
         </p:nvSpPr>
         <p:spPr>
           <a:xfrm>
-            <a:off x="535256" y="3959604"/>
-            <a:ext cx="4355525" cy="2105636"/>
+            <a:off x="535257" y="3959604"/>
+            <a:ext cx="3122344" cy="1107346"/>
           </a:xfrm>
           <a:prstGeom prst="rect">
             <a:avLst/>
@@ -5000,8 +5443,8 @@
         </p:nvSpPr>
         <p:spPr>
           <a:xfrm>
-            <a:off x="6422493" y="4019725"/>
-            <a:ext cx="4355525" cy="2105636"/>
+            <a:off x="7076835" y="3925619"/>
+            <a:ext cx="3308736" cy="1047225"/>
           </a:xfrm>
           <a:prstGeom prst="rect">
             <a:avLst/>
@@ -5039,6 +5482,55 @@
             <a:r>
               <a:rPr lang="pt-BR" dirty="0"/>
               <a:t>)</a:t>
+            </a:r>
+          </a:p>
+        </p:txBody>
+      </p:sp>
+      <p:sp>
+        <p:nvSpPr>
+          <p:cNvPr id="8" name="Retângulo 7">
+            <a:extLst>
+              <a:ext uri="{FF2B5EF4-FFF2-40B4-BE49-F238E27FC236}">
+                <a16:creationId xmlns:a16="http://schemas.microsoft.com/office/drawing/2014/main" id="{43FB5B25-1BDE-4DEA-9472-175B8C4F81B3}"/>
+              </a:ext>
+            </a:extLst>
+          </p:cNvPr>
+          <p:cNvSpPr/>
+          <p:nvPr/>
+        </p:nvSpPr>
+        <p:spPr>
+          <a:xfrm>
+            <a:off x="535257" y="5592740"/>
+            <a:ext cx="3122344" cy="925077"/>
+          </a:xfrm>
+          <a:prstGeom prst="rect">
+            <a:avLst/>
+          </a:prstGeom>
+        </p:spPr>
+        <p:style>
+          <a:lnRef idx="2">
+            <a:schemeClr val="accent1">
+              <a:shade val="50000"/>
+            </a:schemeClr>
+          </a:lnRef>
+          <a:fillRef idx="1">
+            <a:schemeClr val="accent1"/>
+          </a:fillRef>
+          <a:effectRef idx="0">
+            <a:schemeClr val="accent1"/>
+          </a:effectRef>
+          <a:fontRef idx="minor">
+            <a:schemeClr val="lt1"/>
+          </a:fontRef>
+        </p:style>
+        <p:txBody>
+          <a:bodyPr rtlCol="0" anchor="ctr"/>
+          <a:lstStyle/>
+          <a:p>
+            <a:pPr algn="ctr"/>
+            <a:r>
+              <a:rPr lang="pt-BR" dirty="0"/>
+              <a:t>Operador (Luciano)</a:t>
             </a:r>
           </a:p>
         </p:txBody>
@@ -8484,13 +8976,13 @@
           <a:p>
             <a:r>
               <a:rPr lang="pt-BR" dirty="0"/>
+              <a:t>Barra Horizontal</a:t>
+            </a:r>
+          </a:p>
+          <a:p>
+            <a:r>
+              <a:rPr lang="pt-BR" dirty="0"/>
               <a:t>Linha</a:t>
-            </a:r>
-          </a:p>
-          <a:p>
-            <a:r>
-              <a:rPr lang="pt-BR" dirty="0"/>
-              <a:t>Barra</a:t>
             </a:r>
           </a:p>
           <a:p>
@@ -8739,6 +9231,1199 @@
     <p:extLst>
       <p:ext uri="{BB962C8B-B14F-4D97-AF65-F5344CB8AC3E}">
         <p14:creationId xmlns:p14="http://schemas.microsoft.com/office/powerpoint/2010/main" val="3787270125"/>
+      </p:ext>
+    </p:extLst>
+  </p:cSld>
+  <p:clrMapOvr>
+    <a:masterClrMapping/>
+  </p:clrMapOvr>
+</p:sld>
+</file>
+
+<file path=ppt/slides/slide40.xml><?xml version="1.0" encoding="utf-8"?>
+<p:sld xmlns:a="http://schemas.openxmlformats.org/drawingml/2006/main" xmlns:r="http://schemas.openxmlformats.org/officeDocument/2006/relationships" xmlns:p="http://schemas.openxmlformats.org/presentationml/2006/main">
+  <p:cSld>
+    <p:spTree>
+      <p:nvGrpSpPr>
+        <p:cNvPr id="1" name=""/>
+        <p:cNvGrpSpPr/>
+        <p:nvPr/>
+      </p:nvGrpSpPr>
+      <p:grpSpPr>
+        <a:xfrm>
+          <a:off x="0" y="0"/>
+          <a:ext cx="0" cy="0"/>
+          <a:chOff x="0" y="0"/>
+          <a:chExt cx="0" cy="0"/>
+        </a:xfrm>
+      </p:grpSpPr>
+      <p:pic>
+        <p:nvPicPr>
+          <p:cNvPr id="4" name="Imagem 3">
+            <a:extLst>
+              <a:ext uri="{FF2B5EF4-FFF2-40B4-BE49-F238E27FC236}">
+                <a16:creationId xmlns:a16="http://schemas.microsoft.com/office/drawing/2014/main" id="{428451E3-785D-421C-9443-B7D00171EE89}"/>
+              </a:ext>
+            </a:extLst>
+          </p:cNvPr>
+          <p:cNvPicPr>
+            <a:picLocks noChangeAspect="1"/>
+          </p:cNvPicPr>
+          <p:nvPr/>
+        </p:nvPicPr>
+        <p:blipFill>
+          <a:blip r:embed="rId2"/>
+          <a:stretch>
+            <a:fillRect/>
+          </a:stretch>
+        </p:blipFill>
+        <p:spPr>
+          <a:xfrm>
+            <a:off x="975776" y="492582"/>
+            <a:ext cx="4030658" cy="2077762"/>
+          </a:xfrm>
+          <a:prstGeom prst="rect">
+            <a:avLst/>
+          </a:prstGeom>
+          <a:ln w="19050" cap="sq">
+            <a:solidFill>
+              <a:srgbClr val="000000"/>
+            </a:solidFill>
+            <a:miter lim="800000"/>
+          </a:ln>
+          <a:effectLst>
+            <a:outerShdw blurRad="57150" dist="50800" dir="2700000" algn="tl" rotWithShape="0">
+              <a:srgbClr val="000000">
+                <a:alpha val="40000"/>
+              </a:srgbClr>
+            </a:outerShdw>
+          </a:effectLst>
+        </p:spPr>
+      </p:pic>
+      <p:sp>
+        <p:nvSpPr>
+          <p:cNvPr id="5" name="CaixaDeTexto 4">
+            <a:extLst>
+              <a:ext uri="{FF2B5EF4-FFF2-40B4-BE49-F238E27FC236}">
+                <a16:creationId xmlns:a16="http://schemas.microsoft.com/office/drawing/2014/main" id="{D7677DEC-55C1-4073-946E-90BE42659748}"/>
+              </a:ext>
+            </a:extLst>
+          </p:cNvPr>
+          <p:cNvSpPr txBox="1"/>
+          <p:nvPr/>
+        </p:nvSpPr>
+        <p:spPr>
+          <a:xfrm>
+            <a:off x="3548543" y="609082"/>
+            <a:ext cx="1350050" cy="369332"/>
+          </a:xfrm>
+          <a:prstGeom prst="rect">
+            <a:avLst/>
+          </a:prstGeom>
+          <a:solidFill>
+            <a:schemeClr val="tx2">
+              <a:lumMod val="50000"/>
+            </a:schemeClr>
+          </a:solidFill>
+        </p:spPr>
+        <p:txBody>
+          <a:bodyPr wrap="none" rtlCol="0">
+            <a:spAutoFit/>
+          </a:bodyPr>
+          <a:lstStyle/>
+          <a:p>
+            <a:r>
+              <a:rPr lang="pt-BR" dirty="0">
+                <a:solidFill>
+                  <a:schemeClr val="bg1"/>
+                </a:solidFill>
+              </a:rPr>
+              <a:t>SUBPLOT 1</a:t>
+            </a:r>
+          </a:p>
+        </p:txBody>
+      </p:sp>
+      <p:pic>
+        <p:nvPicPr>
+          <p:cNvPr id="6" name="Imagem 5">
+            <a:extLst>
+              <a:ext uri="{FF2B5EF4-FFF2-40B4-BE49-F238E27FC236}">
+                <a16:creationId xmlns:a16="http://schemas.microsoft.com/office/drawing/2014/main" id="{A5DFBE3C-36AB-4ECC-81AB-2A08DEB0174A}"/>
+              </a:ext>
+            </a:extLst>
+          </p:cNvPr>
+          <p:cNvPicPr>
+            <a:picLocks noChangeAspect="1"/>
+          </p:cNvPicPr>
+          <p:nvPr/>
+        </p:nvPicPr>
+        <p:blipFill>
+          <a:blip r:embed="rId3"/>
+          <a:stretch>
+            <a:fillRect/>
+          </a:stretch>
+        </p:blipFill>
+        <p:spPr>
+          <a:xfrm>
+            <a:off x="5760481" y="492582"/>
+            <a:ext cx="4206460" cy="2087093"/>
+          </a:xfrm>
+          <a:prstGeom prst="rect">
+            <a:avLst/>
+          </a:prstGeom>
+          <a:ln w="19050" cap="sq">
+            <a:solidFill>
+              <a:srgbClr val="000000"/>
+            </a:solidFill>
+            <a:miter lim="800000"/>
+          </a:ln>
+          <a:effectLst>
+            <a:outerShdw blurRad="57150" dist="50800" dir="2700000" algn="tl" rotWithShape="0">
+              <a:srgbClr val="000000">
+                <a:alpha val="40000"/>
+              </a:srgbClr>
+            </a:outerShdw>
+          </a:effectLst>
+        </p:spPr>
+      </p:pic>
+      <p:sp>
+        <p:nvSpPr>
+          <p:cNvPr id="7" name="CaixaDeTexto 6">
+            <a:extLst>
+              <a:ext uri="{FF2B5EF4-FFF2-40B4-BE49-F238E27FC236}">
+                <a16:creationId xmlns:a16="http://schemas.microsoft.com/office/drawing/2014/main" id="{5302631F-46F5-4A8E-BB09-6CECA6648790}"/>
+              </a:ext>
+            </a:extLst>
+          </p:cNvPr>
+          <p:cNvSpPr txBox="1"/>
+          <p:nvPr/>
+        </p:nvSpPr>
+        <p:spPr>
+          <a:xfrm>
+            <a:off x="8457500" y="667826"/>
+            <a:ext cx="1350050" cy="369332"/>
+          </a:xfrm>
+          <a:prstGeom prst="rect">
+            <a:avLst/>
+          </a:prstGeom>
+          <a:solidFill>
+            <a:schemeClr val="tx2">
+              <a:lumMod val="50000"/>
+            </a:schemeClr>
+          </a:solidFill>
+        </p:spPr>
+        <p:txBody>
+          <a:bodyPr wrap="none" rtlCol="0">
+            <a:spAutoFit/>
+          </a:bodyPr>
+          <a:lstStyle/>
+          <a:p>
+            <a:r>
+              <a:rPr lang="pt-BR" dirty="0">
+                <a:solidFill>
+                  <a:schemeClr val="bg1"/>
+                </a:solidFill>
+              </a:rPr>
+              <a:t>SUBPLOT 2</a:t>
+            </a:r>
+          </a:p>
+        </p:txBody>
+      </p:sp>
+      <p:pic>
+        <p:nvPicPr>
+          <p:cNvPr id="8" name="Imagem 7">
+            <a:extLst>
+              <a:ext uri="{FF2B5EF4-FFF2-40B4-BE49-F238E27FC236}">
+                <a16:creationId xmlns:a16="http://schemas.microsoft.com/office/drawing/2014/main" id="{DBDA95F7-272B-426C-88E1-934265E7A2A7}"/>
+              </a:ext>
+            </a:extLst>
+          </p:cNvPr>
+          <p:cNvPicPr>
+            <a:picLocks noChangeAspect="1"/>
+          </p:cNvPicPr>
+          <p:nvPr/>
+        </p:nvPicPr>
+        <p:blipFill>
+          <a:blip r:embed="rId4"/>
+          <a:stretch>
+            <a:fillRect/>
+          </a:stretch>
+        </p:blipFill>
+        <p:spPr>
+          <a:xfrm>
+            <a:off x="892705" y="2936148"/>
+            <a:ext cx="9121441" cy="3680730"/>
+          </a:xfrm>
+          <a:prstGeom prst="rect">
+            <a:avLst/>
+          </a:prstGeom>
+          <a:ln w="19050" cap="sq">
+            <a:solidFill>
+              <a:srgbClr val="000000"/>
+            </a:solidFill>
+            <a:miter lim="800000"/>
+          </a:ln>
+          <a:effectLst>
+            <a:outerShdw blurRad="57150" dist="50800" dir="2700000" algn="tl" rotWithShape="0">
+              <a:srgbClr val="000000">
+                <a:alpha val="40000"/>
+              </a:srgbClr>
+            </a:outerShdw>
+          </a:effectLst>
+        </p:spPr>
+      </p:pic>
+      <p:sp>
+        <p:nvSpPr>
+          <p:cNvPr id="11" name="CaixaDeTexto 10">
+            <a:extLst>
+              <a:ext uri="{FF2B5EF4-FFF2-40B4-BE49-F238E27FC236}">
+                <a16:creationId xmlns:a16="http://schemas.microsoft.com/office/drawing/2014/main" id="{9CC77B9B-415C-4FB4-B9C3-1308F4E36E53}"/>
+              </a:ext>
+            </a:extLst>
+          </p:cNvPr>
+          <p:cNvSpPr txBox="1"/>
+          <p:nvPr/>
+        </p:nvSpPr>
+        <p:spPr>
+          <a:xfrm>
+            <a:off x="8457500" y="3059668"/>
+            <a:ext cx="1350050" cy="369332"/>
+          </a:xfrm>
+          <a:prstGeom prst="rect">
+            <a:avLst/>
+          </a:prstGeom>
+          <a:solidFill>
+            <a:schemeClr val="tx2">
+              <a:lumMod val="50000"/>
+            </a:schemeClr>
+          </a:solidFill>
+        </p:spPr>
+        <p:txBody>
+          <a:bodyPr wrap="none" rtlCol="0">
+            <a:spAutoFit/>
+          </a:bodyPr>
+          <a:lstStyle/>
+          <a:p>
+            <a:r>
+              <a:rPr lang="pt-BR" dirty="0">
+                <a:solidFill>
+                  <a:schemeClr val="bg1"/>
+                </a:solidFill>
+              </a:rPr>
+              <a:t>SUBPLOT 3</a:t>
+            </a:r>
+          </a:p>
+        </p:txBody>
+      </p:sp>
+    </p:spTree>
+    <p:extLst>
+      <p:ext uri="{BB962C8B-B14F-4D97-AF65-F5344CB8AC3E}">
+        <p14:creationId xmlns:p14="http://schemas.microsoft.com/office/powerpoint/2010/main" val="2375121468"/>
+      </p:ext>
+    </p:extLst>
+  </p:cSld>
+  <p:clrMapOvr>
+    <a:masterClrMapping/>
+  </p:clrMapOvr>
+</p:sld>
+</file>
+
+<file path=ppt/slides/slide41.xml><?xml version="1.0" encoding="utf-8"?>
+<p:sld xmlns:a="http://schemas.openxmlformats.org/drawingml/2006/main" xmlns:r="http://schemas.openxmlformats.org/officeDocument/2006/relationships" xmlns:p="http://schemas.openxmlformats.org/presentationml/2006/main">
+  <p:cSld>
+    <p:spTree>
+      <p:nvGrpSpPr>
+        <p:cNvPr id="1" name=""/>
+        <p:cNvGrpSpPr/>
+        <p:nvPr/>
+      </p:nvGrpSpPr>
+      <p:grpSpPr>
+        <a:xfrm>
+          <a:off x="0" y="0"/>
+          <a:ext cx="0" cy="0"/>
+          <a:chOff x="0" y="0"/>
+          <a:chExt cx="0" cy="0"/>
+        </a:xfrm>
+      </p:grpSpPr>
+      <p:sp>
+        <p:nvSpPr>
+          <p:cNvPr id="2" name="Título 1">
+            <a:extLst>
+              <a:ext uri="{FF2B5EF4-FFF2-40B4-BE49-F238E27FC236}">
+                <a16:creationId xmlns:a16="http://schemas.microsoft.com/office/drawing/2014/main" id="{E88600D0-F8B6-4C7E-865A-C312F94804DA}"/>
+              </a:ext>
+            </a:extLst>
+          </p:cNvPr>
+          <p:cNvSpPr>
+            <a:spLocks noGrp="1"/>
+          </p:cNvSpPr>
+          <p:nvPr>
+            <p:ph type="title"/>
+          </p:nvPr>
+        </p:nvSpPr>
+        <p:spPr/>
+        <p:txBody>
+          <a:bodyPr/>
+          <a:lstStyle/>
+          <a:p>
+            <a:r>
+              <a:rPr lang="pt-BR" dirty="0"/>
+              <a:t>Passo 1 – Variáveis ?</a:t>
+            </a:r>
+          </a:p>
+        </p:txBody>
+      </p:sp>
+      <p:sp>
+        <p:nvSpPr>
+          <p:cNvPr id="3" name="Espaço Reservado para Conteúdo 2">
+            <a:extLst>
+              <a:ext uri="{FF2B5EF4-FFF2-40B4-BE49-F238E27FC236}">
+                <a16:creationId xmlns:a16="http://schemas.microsoft.com/office/drawing/2014/main" id="{8F850B91-3917-4EB9-8482-807FD31812C0}"/>
+              </a:ext>
+            </a:extLst>
+          </p:cNvPr>
+          <p:cNvSpPr>
+            <a:spLocks noGrp="1"/>
+          </p:cNvSpPr>
+          <p:nvPr>
+            <p:ph idx="1"/>
+          </p:nvPr>
+        </p:nvSpPr>
+        <p:spPr>
+          <a:xfrm>
+            <a:off x="1063752" y="1878127"/>
+            <a:ext cx="10058400" cy="4050792"/>
+          </a:xfrm>
+        </p:spPr>
+        <p:txBody>
+          <a:bodyPr>
+            <a:normAutofit fontScale="85000" lnSpcReduction="20000"/>
+          </a:bodyPr>
+          <a:lstStyle/>
+          <a:p>
+            <a:r>
+              <a:rPr lang="pt-BR" u="sng" dirty="0"/>
+              <a:t>Professor</a:t>
+            </a:r>
+          </a:p>
+          <a:p>
+            <a:pPr lvl="1"/>
+            <a:r>
+              <a:rPr lang="pt-BR" dirty="0"/>
+              <a:t>Categórica</a:t>
+            </a:r>
+          </a:p>
+          <a:p>
+            <a:pPr lvl="2"/>
+            <a:r>
+              <a:rPr lang="pt-BR" dirty="0"/>
+              <a:t>Qualitativa</a:t>
+            </a:r>
+          </a:p>
+          <a:p>
+            <a:pPr lvl="2"/>
+            <a:r>
+              <a:rPr lang="pt-BR" dirty="0"/>
+              <a:t>Nominal</a:t>
+            </a:r>
+          </a:p>
+          <a:p>
+            <a:r>
+              <a:rPr lang="pt-BR" dirty="0"/>
+              <a:t>Faixa-etária</a:t>
+            </a:r>
+          </a:p>
+          <a:p>
+            <a:pPr lvl="1"/>
+            <a:r>
+              <a:rPr lang="pt-BR" dirty="0"/>
+              <a:t>Categórica</a:t>
+            </a:r>
+          </a:p>
+          <a:p>
+            <a:pPr lvl="2"/>
+            <a:r>
+              <a:rPr lang="pt-BR" dirty="0"/>
+              <a:t>Qualitativa</a:t>
+            </a:r>
+          </a:p>
+          <a:p>
+            <a:pPr lvl="2"/>
+            <a:r>
+              <a:rPr lang="pt-BR" dirty="0"/>
+              <a:t>Ordinal</a:t>
+            </a:r>
+          </a:p>
+          <a:p>
+            <a:r>
+              <a:rPr lang="pt-BR" dirty="0"/>
+              <a:t>Idade</a:t>
+            </a:r>
+          </a:p>
+          <a:p>
+            <a:pPr lvl="1"/>
+            <a:r>
+              <a:rPr lang="pt-BR" dirty="0" err="1"/>
+              <a:t>Númerica</a:t>
+            </a:r>
+            <a:endParaRPr lang="pt-BR" dirty="0"/>
+          </a:p>
+          <a:p>
+            <a:pPr lvl="2"/>
+            <a:r>
+              <a:rPr lang="pt-BR" dirty="0"/>
+              <a:t>Q	</a:t>
+            </a:r>
+            <a:r>
+              <a:rPr lang="pt-BR" dirty="0" err="1"/>
+              <a:t>uantitativa</a:t>
+            </a:r>
+            <a:endParaRPr lang="pt-BR" dirty="0"/>
+          </a:p>
+          <a:p>
+            <a:pPr lvl="2"/>
+            <a:r>
+              <a:rPr lang="pt-BR" dirty="0"/>
+              <a:t>Discreta</a:t>
+            </a:r>
+          </a:p>
+          <a:p>
+            <a:r>
+              <a:rPr lang="pt-BR" dirty="0"/>
+              <a:t>Qual a sua pretensão salarial para o curso </a:t>
+            </a:r>
+          </a:p>
+          <a:p>
+            <a:pPr lvl="1"/>
+            <a:r>
+              <a:rPr lang="pt-BR" dirty="0" err="1"/>
+              <a:t>Númerica</a:t>
+            </a:r>
+            <a:endParaRPr lang="pt-BR" dirty="0"/>
+          </a:p>
+          <a:p>
+            <a:pPr lvl="2"/>
+            <a:r>
+              <a:rPr lang="pt-BR" dirty="0"/>
+              <a:t>Quantitativa</a:t>
+            </a:r>
+          </a:p>
+          <a:p>
+            <a:pPr lvl="2"/>
+            <a:r>
+              <a:rPr lang="pt-BR" dirty="0"/>
+              <a:t>Contínuas</a:t>
+            </a:r>
+          </a:p>
+          <a:p>
+            <a:pPr lvl="2"/>
+            <a:endParaRPr lang="pt-BR" dirty="0"/>
+          </a:p>
+          <a:p>
+            <a:endParaRPr lang="pt-BR" dirty="0"/>
+          </a:p>
+        </p:txBody>
+      </p:sp>
+      <p:pic>
+        <p:nvPicPr>
+          <p:cNvPr id="4" name="Imagem 3">
+            <a:extLst>
+              <a:ext uri="{FF2B5EF4-FFF2-40B4-BE49-F238E27FC236}">
+                <a16:creationId xmlns:a16="http://schemas.microsoft.com/office/drawing/2014/main" id="{2A6AA43A-B5F9-47DD-9AE0-D75FBDE2CE7F}"/>
+              </a:ext>
+            </a:extLst>
+          </p:cNvPr>
+          <p:cNvPicPr>
+            <a:picLocks noChangeAspect="1"/>
+          </p:cNvPicPr>
+          <p:nvPr/>
+        </p:nvPicPr>
+        <p:blipFill>
+          <a:blip r:embed="rId2"/>
+          <a:stretch>
+            <a:fillRect/>
+          </a:stretch>
+        </p:blipFill>
+        <p:spPr>
+          <a:xfrm>
+            <a:off x="6635692" y="2266140"/>
+            <a:ext cx="5069928" cy="3049879"/>
+          </a:xfrm>
+          <a:prstGeom prst="rect">
+            <a:avLst/>
+          </a:prstGeom>
+          <a:ln w="88900" cap="sq" cmpd="thickThin">
+            <a:solidFill>
+              <a:srgbClr val="000000"/>
+            </a:solidFill>
+            <a:prstDash val="solid"/>
+            <a:miter lim="800000"/>
+          </a:ln>
+          <a:effectLst>
+            <a:innerShdw blurRad="76200">
+              <a:srgbClr val="000000"/>
+            </a:innerShdw>
+          </a:effectLst>
+        </p:spPr>
+      </p:pic>
+    </p:spTree>
+    <p:extLst>
+      <p:ext uri="{BB962C8B-B14F-4D97-AF65-F5344CB8AC3E}">
+        <p14:creationId xmlns:p14="http://schemas.microsoft.com/office/powerpoint/2010/main" val="471282979"/>
+      </p:ext>
+    </p:extLst>
+  </p:cSld>
+  <p:clrMapOvr>
+    <a:masterClrMapping/>
+  </p:clrMapOvr>
+</p:sld>
+</file>
+
+<file path=ppt/slides/slide42.xml><?xml version="1.0" encoding="utf-8"?>
+<p:sld xmlns:a="http://schemas.openxmlformats.org/drawingml/2006/main" xmlns:r="http://schemas.openxmlformats.org/officeDocument/2006/relationships" xmlns:p="http://schemas.openxmlformats.org/presentationml/2006/main">
+  <p:cSld>
+    <p:spTree>
+      <p:nvGrpSpPr>
+        <p:cNvPr id="1" name=""/>
+        <p:cNvGrpSpPr/>
+        <p:nvPr/>
+      </p:nvGrpSpPr>
+      <p:grpSpPr>
+        <a:xfrm>
+          <a:off x="0" y="0"/>
+          <a:ext cx="0" cy="0"/>
+          <a:chOff x="0" y="0"/>
+          <a:chExt cx="0" cy="0"/>
+        </a:xfrm>
+      </p:grpSpPr>
+      <p:sp>
+        <p:nvSpPr>
+          <p:cNvPr id="2" name="Título 1">
+            <a:extLst>
+              <a:ext uri="{FF2B5EF4-FFF2-40B4-BE49-F238E27FC236}">
+                <a16:creationId xmlns:a16="http://schemas.microsoft.com/office/drawing/2014/main" id="{0523F8DF-D24E-4C3F-B299-A6B44CD13D0A}"/>
+              </a:ext>
+            </a:extLst>
+          </p:cNvPr>
+          <p:cNvSpPr>
+            <a:spLocks noGrp="1"/>
+          </p:cNvSpPr>
+          <p:nvPr>
+            <p:ph type="title"/>
+          </p:nvPr>
+        </p:nvSpPr>
+        <p:spPr/>
+        <p:txBody>
+          <a:bodyPr/>
+          <a:lstStyle/>
+          <a:p>
+            <a:r>
+              <a:rPr lang="pt-BR" dirty="0"/>
+              <a:t>Passo 2 - notebook</a:t>
+            </a:r>
+          </a:p>
+        </p:txBody>
+      </p:sp>
+      <p:pic>
+        <p:nvPicPr>
+          <p:cNvPr id="4" name="Imagem 3">
+            <a:extLst>
+              <a:ext uri="{FF2B5EF4-FFF2-40B4-BE49-F238E27FC236}">
+                <a16:creationId xmlns:a16="http://schemas.microsoft.com/office/drawing/2014/main" id="{416E7C96-8B82-43A5-B4E4-80D5AE771157}"/>
+              </a:ext>
+            </a:extLst>
+          </p:cNvPr>
+          <p:cNvPicPr>
+            <a:picLocks noChangeAspect="1"/>
+          </p:cNvPicPr>
+          <p:nvPr/>
+        </p:nvPicPr>
+        <p:blipFill>
+          <a:blip r:embed="rId2"/>
+          <a:stretch>
+            <a:fillRect/>
+          </a:stretch>
+        </p:blipFill>
+        <p:spPr>
+          <a:xfrm>
+            <a:off x="1170264" y="1851520"/>
+            <a:ext cx="9448800" cy="4648200"/>
+          </a:xfrm>
+          <a:prstGeom prst="rect">
+            <a:avLst/>
+          </a:prstGeom>
+        </p:spPr>
+      </p:pic>
+    </p:spTree>
+    <p:extLst>
+      <p:ext uri="{BB962C8B-B14F-4D97-AF65-F5344CB8AC3E}">
+        <p14:creationId xmlns:p14="http://schemas.microsoft.com/office/powerpoint/2010/main" val="995989975"/>
+      </p:ext>
+    </p:extLst>
+  </p:cSld>
+  <p:clrMapOvr>
+    <a:masterClrMapping/>
+  </p:clrMapOvr>
+</p:sld>
+</file>
+
+<file path=ppt/slides/slide43.xml><?xml version="1.0" encoding="utf-8"?>
+<p:sld xmlns:a="http://schemas.openxmlformats.org/drawingml/2006/main" xmlns:r="http://schemas.openxmlformats.org/officeDocument/2006/relationships" xmlns:p="http://schemas.openxmlformats.org/presentationml/2006/main">
+  <p:cSld>
+    <p:spTree>
+      <p:nvGrpSpPr>
+        <p:cNvPr id="1" name=""/>
+        <p:cNvGrpSpPr/>
+        <p:nvPr/>
+      </p:nvGrpSpPr>
+      <p:grpSpPr>
+        <a:xfrm>
+          <a:off x="0" y="0"/>
+          <a:ext cx="0" cy="0"/>
+          <a:chOff x="0" y="0"/>
+          <a:chExt cx="0" cy="0"/>
+        </a:xfrm>
+      </p:grpSpPr>
+      <p:sp>
+        <p:nvSpPr>
+          <p:cNvPr id="2" name="Título 1">
+            <a:extLst>
+              <a:ext uri="{FF2B5EF4-FFF2-40B4-BE49-F238E27FC236}">
+                <a16:creationId xmlns:a16="http://schemas.microsoft.com/office/drawing/2014/main" id="{0523F8DF-D24E-4C3F-B299-A6B44CD13D0A}"/>
+              </a:ext>
+            </a:extLst>
+          </p:cNvPr>
+          <p:cNvSpPr>
+            <a:spLocks noGrp="1"/>
+          </p:cNvSpPr>
+          <p:nvPr>
+            <p:ph type="title"/>
+          </p:nvPr>
+        </p:nvSpPr>
+        <p:spPr/>
+        <p:txBody>
+          <a:bodyPr/>
+          <a:lstStyle/>
+          <a:p>
+            <a:r>
+              <a:rPr lang="pt-BR" dirty="0"/>
+              <a:t>Passo 3 - notebook</a:t>
+            </a:r>
+          </a:p>
+        </p:txBody>
+      </p:sp>
+      <p:pic>
+        <p:nvPicPr>
+          <p:cNvPr id="3" name="Imagem 2">
+            <a:extLst>
+              <a:ext uri="{FF2B5EF4-FFF2-40B4-BE49-F238E27FC236}">
+                <a16:creationId xmlns:a16="http://schemas.microsoft.com/office/drawing/2014/main" id="{F30E0E22-8442-4969-BB8F-BB1EF08F70C6}"/>
+              </a:ext>
+            </a:extLst>
+          </p:cNvPr>
+          <p:cNvPicPr>
+            <a:picLocks noChangeAspect="1"/>
+          </p:cNvPicPr>
+          <p:nvPr/>
+        </p:nvPicPr>
+        <p:blipFill>
+          <a:blip r:embed="rId2"/>
+          <a:stretch>
+            <a:fillRect/>
+          </a:stretch>
+        </p:blipFill>
+        <p:spPr>
+          <a:xfrm>
+            <a:off x="1182848" y="1934901"/>
+            <a:ext cx="10335237" cy="2640440"/>
+          </a:xfrm>
+          <a:prstGeom prst="rect">
+            <a:avLst/>
+          </a:prstGeom>
+        </p:spPr>
+      </p:pic>
+    </p:spTree>
+    <p:extLst>
+      <p:ext uri="{BB962C8B-B14F-4D97-AF65-F5344CB8AC3E}">
+        <p14:creationId xmlns:p14="http://schemas.microsoft.com/office/powerpoint/2010/main" val="2846214196"/>
+      </p:ext>
+    </p:extLst>
+  </p:cSld>
+  <p:clrMapOvr>
+    <a:masterClrMapping/>
+  </p:clrMapOvr>
+</p:sld>
+</file>
+
+<file path=ppt/slides/slide44.xml><?xml version="1.0" encoding="utf-8"?>
+<p:sld xmlns:a="http://schemas.openxmlformats.org/drawingml/2006/main" xmlns:r="http://schemas.openxmlformats.org/officeDocument/2006/relationships" xmlns:p="http://schemas.openxmlformats.org/presentationml/2006/main">
+  <p:cSld>
+    <p:spTree>
+      <p:nvGrpSpPr>
+        <p:cNvPr id="1" name=""/>
+        <p:cNvGrpSpPr/>
+        <p:nvPr/>
+      </p:nvGrpSpPr>
+      <p:grpSpPr>
+        <a:xfrm>
+          <a:off x="0" y="0"/>
+          <a:ext cx="0" cy="0"/>
+          <a:chOff x="0" y="0"/>
+          <a:chExt cx="0" cy="0"/>
+        </a:xfrm>
+      </p:grpSpPr>
+      <p:sp>
+        <p:nvSpPr>
+          <p:cNvPr id="2" name="Título 1">
+            <a:extLst>
+              <a:ext uri="{FF2B5EF4-FFF2-40B4-BE49-F238E27FC236}">
+                <a16:creationId xmlns:a16="http://schemas.microsoft.com/office/drawing/2014/main" id="{2D564FE4-1C79-4562-A87B-6684703F4BAD}"/>
+              </a:ext>
+            </a:extLst>
+          </p:cNvPr>
+          <p:cNvSpPr>
+            <a:spLocks noGrp="1"/>
+          </p:cNvSpPr>
+          <p:nvPr>
+            <p:ph type="title"/>
+          </p:nvPr>
+        </p:nvSpPr>
+        <p:spPr/>
+        <p:txBody>
+          <a:bodyPr/>
+          <a:lstStyle/>
+          <a:p>
+            <a:r>
+              <a:rPr lang="pt-BR" dirty="0"/>
+              <a:t>É hora de </a:t>
+            </a:r>
+            <a:r>
+              <a:rPr lang="pt-BR" dirty="0" err="1"/>
+              <a:t>codar</a:t>
+            </a:r>
+            <a:endParaRPr lang="pt-BR" dirty="0"/>
+          </a:p>
+        </p:txBody>
+      </p:sp>
+      <p:sp>
+        <p:nvSpPr>
+          <p:cNvPr id="3" name="Espaço Reservado para Texto 2">
+            <a:extLst>
+              <a:ext uri="{FF2B5EF4-FFF2-40B4-BE49-F238E27FC236}">
+                <a16:creationId xmlns:a16="http://schemas.microsoft.com/office/drawing/2014/main" id="{4B4F99FC-D7E5-413D-A335-A46E14F84AD4}"/>
+              </a:ext>
+            </a:extLst>
+          </p:cNvPr>
+          <p:cNvSpPr>
+            <a:spLocks noGrp="1"/>
+          </p:cNvSpPr>
+          <p:nvPr>
+            <p:ph type="body" idx="1"/>
+          </p:nvPr>
+        </p:nvSpPr>
+        <p:spPr/>
+        <p:txBody>
+          <a:bodyPr/>
+          <a:lstStyle/>
+          <a:p>
+            <a:r>
+              <a:rPr lang="pt-BR" dirty="0"/>
+              <a:t>Manualmente ou com IA (GITHUB </a:t>
+            </a:r>
+            <a:r>
+              <a:rPr lang="pt-BR" dirty="0" err="1"/>
+              <a:t>Copilot</a:t>
+            </a:r>
+            <a:r>
+              <a:rPr lang="pt-BR" dirty="0"/>
+              <a:t>)</a:t>
+            </a:r>
+          </a:p>
+        </p:txBody>
+      </p:sp>
+    </p:spTree>
+    <p:extLst>
+      <p:ext uri="{BB962C8B-B14F-4D97-AF65-F5344CB8AC3E}">
+        <p14:creationId xmlns:p14="http://schemas.microsoft.com/office/powerpoint/2010/main" val="3692590860"/>
+      </p:ext>
+    </p:extLst>
+  </p:cSld>
+  <p:clrMapOvr>
+    <a:masterClrMapping/>
+  </p:clrMapOvr>
+</p:sld>
+</file>
+
+<file path=ppt/slides/slide45.xml><?xml version="1.0" encoding="utf-8"?>
+<p:sld xmlns:a="http://schemas.openxmlformats.org/drawingml/2006/main" xmlns:r="http://schemas.openxmlformats.org/officeDocument/2006/relationships" xmlns:p="http://schemas.openxmlformats.org/presentationml/2006/main">
+  <p:cSld>
+    <p:spTree>
+      <p:nvGrpSpPr>
+        <p:cNvPr id="1" name=""/>
+        <p:cNvGrpSpPr/>
+        <p:nvPr/>
+      </p:nvGrpSpPr>
+      <p:grpSpPr>
+        <a:xfrm>
+          <a:off x="0" y="0"/>
+          <a:ext cx="0" cy="0"/>
+          <a:chOff x="0" y="0"/>
+          <a:chExt cx="0" cy="0"/>
+        </a:xfrm>
+      </p:grpSpPr>
+      <p:pic>
+        <p:nvPicPr>
+          <p:cNvPr id="2" name="Imagem 1">
+            <a:extLst>
+              <a:ext uri="{FF2B5EF4-FFF2-40B4-BE49-F238E27FC236}">
+                <a16:creationId xmlns:a16="http://schemas.microsoft.com/office/drawing/2014/main" id="{969BDA59-F721-401C-85DD-72C90BE78A8A}"/>
+              </a:ext>
+            </a:extLst>
+          </p:cNvPr>
+          <p:cNvPicPr>
+            <a:picLocks noChangeAspect="1"/>
+          </p:cNvPicPr>
+          <p:nvPr/>
+        </p:nvPicPr>
+        <p:blipFill>
+          <a:blip r:embed="rId2"/>
+          <a:stretch>
+            <a:fillRect/>
+          </a:stretch>
+        </p:blipFill>
+        <p:spPr>
+          <a:xfrm>
+            <a:off x="100668" y="285600"/>
+            <a:ext cx="12192000" cy="5112342"/>
+          </a:xfrm>
+          <a:prstGeom prst="rect">
+            <a:avLst/>
+          </a:prstGeom>
+        </p:spPr>
+      </p:pic>
+      <p:sp>
+        <p:nvSpPr>
+          <p:cNvPr id="3" name="Retângulo 2">
+            <a:extLst>
+              <a:ext uri="{FF2B5EF4-FFF2-40B4-BE49-F238E27FC236}">
+                <a16:creationId xmlns:a16="http://schemas.microsoft.com/office/drawing/2014/main" id="{BB27EF32-1072-430E-86FB-C625F68685EF}"/>
+              </a:ext>
+            </a:extLst>
+          </p:cNvPr>
+          <p:cNvSpPr/>
+          <p:nvPr/>
+        </p:nvSpPr>
+        <p:spPr>
+          <a:xfrm>
+            <a:off x="1012425" y="5480275"/>
+            <a:ext cx="9414885" cy="769441"/>
+          </a:xfrm>
+          <a:prstGeom prst="rect">
+            <a:avLst/>
+          </a:prstGeom>
+        </p:spPr>
+        <p:txBody>
+          <a:bodyPr wrap="none">
+            <a:spAutoFit/>
+          </a:bodyPr>
+          <a:lstStyle/>
+          <a:p>
+            <a:r>
+              <a:rPr lang="pt-BR" sz="4400" dirty="0"/>
+              <a:t>https://github.com/features/copilot</a:t>
+            </a:r>
+          </a:p>
+        </p:txBody>
+      </p:sp>
+    </p:spTree>
+    <p:extLst>
+      <p:ext uri="{BB962C8B-B14F-4D97-AF65-F5344CB8AC3E}">
+        <p14:creationId xmlns:p14="http://schemas.microsoft.com/office/powerpoint/2010/main" val="1224489325"/>
+      </p:ext>
+    </p:extLst>
+  </p:cSld>
+  <p:clrMapOvr>
+    <a:masterClrMapping/>
+  </p:clrMapOvr>
+</p:sld>
+</file>
+
+<file path=ppt/slides/slide46.xml><?xml version="1.0" encoding="utf-8"?>
+<p:sld xmlns:a="http://schemas.openxmlformats.org/drawingml/2006/main" xmlns:r="http://schemas.openxmlformats.org/officeDocument/2006/relationships" xmlns:p="http://schemas.openxmlformats.org/presentationml/2006/main">
+  <p:cSld>
+    <p:spTree>
+      <p:nvGrpSpPr>
+        <p:cNvPr id="1" name=""/>
+        <p:cNvGrpSpPr/>
+        <p:nvPr/>
+      </p:nvGrpSpPr>
+      <p:grpSpPr>
+        <a:xfrm>
+          <a:off x="0" y="0"/>
+          <a:ext cx="0" cy="0"/>
+          <a:chOff x="0" y="0"/>
+          <a:chExt cx="0" cy="0"/>
+        </a:xfrm>
+      </p:grpSpPr>
+      <p:sp>
+        <p:nvSpPr>
+          <p:cNvPr id="2" name="Título 1">
+            <a:extLst>
+              <a:ext uri="{FF2B5EF4-FFF2-40B4-BE49-F238E27FC236}">
+                <a16:creationId xmlns:a16="http://schemas.microsoft.com/office/drawing/2014/main" id="{668A3E59-6F22-4FDC-BE48-C9DFCECA2B3E}"/>
+              </a:ext>
+            </a:extLst>
+          </p:cNvPr>
+          <p:cNvSpPr>
+            <a:spLocks noGrp="1"/>
+          </p:cNvSpPr>
+          <p:nvPr>
+            <p:ph type="title"/>
+          </p:nvPr>
+        </p:nvSpPr>
+        <p:spPr/>
+        <p:txBody>
+          <a:bodyPr/>
+          <a:lstStyle/>
+          <a:p>
+            <a:r>
+              <a:rPr lang="pt-BR" dirty="0"/>
+              <a:t>métodos</a:t>
+            </a:r>
+          </a:p>
+        </p:txBody>
+      </p:sp>
+      <p:graphicFrame>
+        <p:nvGraphicFramePr>
+          <p:cNvPr id="4" name="Espaço Reservado para Conteúdo 3">
+            <a:extLst>
+              <a:ext uri="{FF2B5EF4-FFF2-40B4-BE49-F238E27FC236}">
+                <a16:creationId xmlns:a16="http://schemas.microsoft.com/office/drawing/2014/main" id="{45E877B5-C2B0-4CFB-A1C3-5DE310309769}"/>
+              </a:ext>
+            </a:extLst>
+          </p:cNvPr>
+          <p:cNvGraphicFramePr>
+            <a:graphicFrameLocks noGrp="1"/>
+          </p:cNvGraphicFramePr>
+          <p:nvPr>
+            <p:ph idx="1"/>
+            <p:extLst>
+              <p:ext uri="{D42A27DB-BD31-4B8C-83A1-F6EECF244321}">
+                <p14:modId xmlns:p14="http://schemas.microsoft.com/office/powerpoint/2010/main" val="1632579179"/>
+              </p:ext>
+            </p:extLst>
+          </p:nvPr>
+        </p:nvGraphicFramePr>
+        <p:xfrm>
+          <a:off x="1069975" y="2120900"/>
+          <a:ext cx="10058400" cy="2291080"/>
+        </p:xfrm>
+        <a:graphic>
+          <a:graphicData uri="http://schemas.openxmlformats.org/drawingml/2006/table">
+            <a:tbl>
+              <a:tblPr firstRow="1" bandRow="1">
+                <a:tableStyleId>{5C22544A-7EE6-4342-B048-85BDC9FD1C3A}</a:tableStyleId>
+              </a:tblPr>
+              <a:tblGrid>
+                <a:gridCol w="5029200">
+                  <a:extLst>
+                    <a:ext uri="{9D8B030D-6E8A-4147-A177-3AD203B41FA5}">
+                      <a16:colId xmlns:a16="http://schemas.microsoft.com/office/drawing/2014/main" val="1318134573"/>
+                    </a:ext>
+                  </a:extLst>
+                </a:gridCol>
+                <a:gridCol w="5029200">
+                  <a:extLst>
+                    <a:ext uri="{9D8B030D-6E8A-4147-A177-3AD203B41FA5}">
+                      <a16:colId xmlns:a16="http://schemas.microsoft.com/office/drawing/2014/main" val="1625611822"/>
+                    </a:ext>
+                  </a:extLst>
+                </a:gridCol>
+              </a:tblGrid>
+              <a:tr h="370840">
+                <a:tc>
+                  <a:txBody>
+                    <a:bodyPr/>
+                    <a:lstStyle/>
+                    <a:p>
+                      <a:r>
+                        <a:rPr lang="pt-BR" dirty="0"/>
+                        <a:t>Nome</a:t>
+                      </a:r>
+                    </a:p>
+                  </a:txBody>
+                  <a:tcPr/>
+                </a:tc>
+                <a:tc>
+                  <a:txBody>
+                    <a:bodyPr/>
+                    <a:lstStyle/>
+                    <a:p>
+                      <a:r>
+                        <a:rPr lang="pt-BR" dirty="0"/>
+                        <a:t>Utilidade</a:t>
+                      </a:r>
+                    </a:p>
+                  </a:txBody>
+                  <a:tcPr/>
+                </a:tc>
+                <a:extLst>
+                  <a:ext uri="{0D108BD9-81ED-4DB2-BD59-A6C34878D82A}">
+                    <a16:rowId xmlns:a16="http://schemas.microsoft.com/office/drawing/2014/main" val="2447981136"/>
+                  </a:ext>
+                </a:extLst>
+              </a:tr>
+              <a:tr h="370840">
+                <a:tc>
+                  <a:txBody>
+                    <a:bodyPr/>
+                    <a:lstStyle/>
+                    <a:p>
+                      <a:r>
+                        <a:rPr lang="pt-BR" dirty="0" err="1"/>
+                        <a:t>head</a:t>
+                      </a:r>
+                      <a:r>
+                        <a:rPr lang="pt-BR" dirty="0"/>
+                        <a:t>( )</a:t>
+                      </a:r>
+                    </a:p>
+                  </a:txBody>
+                  <a:tcPr/>
+                </a:tc>
+                <a:tc>
+                  <a:txBody>
+                    <a:bodyPr/>
+                    <a:lstStyle/>
+                    <a:p>
+                      <a:r>
+                        <a:rPr lang="pt-BR" dirty="0"/>
+                        <a:t>Cabeçalho do </a:t>
+                      </a:r>
+                      <a:r>
+                        <a:rPr lang="pt-BR" dirty="0" err="1"/>
+                        <a:t>Dataframe</a:t>
+                      </a:r>
+                      <a:r>
+                        <a:rPr lang="pt-BR" dirty="0"/>
+                        <a:t> (mostra as primeiras linhas do </a:t>
+                      </a:r>
+                      <a:r>
+                        <a:rPr lang="pt-BR" dirty="0" err="1"/>
+                        <a:t>dataframe</a:t>
+                      </a:r>
+                      <a:r>
+                        <a:rPr lang="pt-BR" dirty="0"/>
+                        <a:t>)</a:t>
+                      </a:r>
+                    </a:p>
+                  </a:txBody>
+                  <a:tcPr/>
+                </a:tc>
+                <a:extLst>
+                  <a:ext uri="{0D108BD9-81ED-4DB2-BD59-A6C34878D82A}">
+                    <a16:rowId xmlns:a16="http://schemas.microsoft.com/office/drawing/2014/main" val="2286306838"/>
+                  </a:ext>
+                </a:extLst>
+              </a:tr>
+              <a:tr h="370840">
+                <a:tc>
+                  <a:txBody>
+                    <a:bodyPr/>
+                    <a:lstStyle/>
+                    <a:p>
+                      <a:r>
+                        <a:rPr lang="pt-BR" dirty="0" err="1"/>
+                        <a:t>info</a:t>
+                      </a:r>
+                      <a:r>
+                        <a:rPr lang="pt-BR" dirty="0"/>
+                        <a:t>( )</a:t>
+                      </a:r>
+                    </a:p>
+                  </a:txBody>
+                  <a:tcPr/>
+                </a:tc>
+                <a:tc>
+                  <a:txBody>
+                    <a:bodyPr/>
+                    <a:lstStyle/>
+                    <a:p>
+                      <a:r>
+                        <a:rPr lang="pt-BR" dirty="0"/>
+                        <a:t>Informações técnicas do </a:t>
+                      </a:r>
+                      <a:r>
+                        <a:rPr lang="pt-BR" dirty="0" err="1"/>
+                        <a:t>dataframe</a:t>
+                      </a:r>
+                      <a:r>
+                        <a:rPr lang="pt-BR" dirty="0"/>
+                        <a:t> (o tipo , valores nulos, total de entrada etc..)</a:t>
+                      </a:r>
+                    </a:p>
+                  </a:txBody>
+                  <a:tcPr/>
+                </a:tc>
+                <a:extLst>
+                  <a:ext uri="{0D108BD9-81ED-4DB2-BD59-A6C34878D82A}">
+                    <a16:rowId xmlns:a16="http://schemas.microsoft.com/office/drawing/2014/main" val="2396898949"/>
+                  </a:ext>
+                </a:extLst>
+              </a:tr>
+              <a:tr h="370840">
+                <a:tc>
+                  <a:txBody>
+                    <a:bodyPr/>
+                    <a:lstStyle/>
+                    <a:p>
+                      <a:r>
+                        <a:rPr lang="pt-BR" dirty="0" err="1"/>
+                        <a:t>describe</a:t>
+                      </a:r>
+                      <a:r>
+                        <a:rPr lang="pt-BR" dirty="0"/>
+                        <a:t>( )</a:t>
+                      </a:r>
+                    </a:p>
+                  </a:txBody>
+                  <a:tcPr/>
+                </a:tc>
+                <a:tc>
+                  <a:txBody>
+                    <a:bodyPr/>
+                    <a:lstStyle/>
+                    <a:p>
+                      <a:r>
+                        <a:rPr lang="pt-BR" dirty="0"/>
+                        <a:t>Informações de estatística descritiva (min, </a:t>
+                      </a:r>
+                      <a:r>
+                        <a:rPr lang="pt-BR" dirty="0" err="1"/>
+                        <a:t>max</a:t>
+                      </a:r>
+                      <a:r>
+                        <a:rPr lang="pt-BR" dirty="0"/>
+                        <a:t>, média, mediana, quartis)</a:t>
+                      </a:r>
+                    </a:p>
+                  </a:txBody>
+                  <a:tcPr/>
+                </a:tc>
+                <a:extLst>
+                  <a:ext uri="{0D108BD9-81ED-4DB2-BD59-A6C34878D82A}">
+                    <a16:rowId xmlns:a16="http://schemas.microsoft.com/office/drawing/2014/main" val="1438871966"/>
+                  </a:ext>
+                </a:extLst>
+              </a:tr>
+            </a:tbl>
+          </a:graphicData>
+        </a:graphic>
+      </p:graphicFrame>
+    </p:spTree>
+    <p:extLst>
+      <p:ext uri="{BB962C8B-B14F-4D97-AF65-F5344CB8AC3E}">
+        <p14:creationId xmlns:p14="http://schemas.microsoft.com/office/powerpoint/2010/main" val="2841148144"/>
       </p:ext>
     </p:extLst>
   </p:cSld>
@@ -9674,4 +11359,299 @@
     </a:ext>
   </a:extLst>
 </a:theme>
+</file>
+
+<file path=ppt/theme/theme2.xml><?xml version="1.0" encoding="utf-8"?>
+<a:theme xmlns:a="http://schemas.openxmlformats.org/drawingml/2006/main" name="Tema do Office">
+  <a:themeElements>
+    <a:clrScheme name="Office">
+      <a:dk1>
+        <a:sysClr val="windowText" lastClr="000000"/>
+      </a:dk1>
+      <a:lt1>
+        <a:sysClr val="window" lastClr="FFFFFF"/>
+      </a:lt1>
+      <a:dk2>
+        <a:srgbClr val="44546A"/>
+      </a:dk2>
+      <a:lt2>
+        <a:srgbClr val="E7E6E6"/>
+      </a:lt2>
+      <a:accent1>
+        <a:srgbClr val="4472C4"/>
+      </a:accent1>
+      <a:accent2>
+        <a:srgbClr val="ED7D31"/>
+      </a:accent2>
+      <a:accent3>
+        <a:srgbClr val="A5A5A5"/>
+      </a:accent3>
+      <a:accent4>
+        <a:srgbClr val="FFC000"/>
+      </a:accent4>
+      <a:accent5>
+        <a:srgbClr val="5B9BD5"/>
+      </a:accent5>
+      <a:accent6>
+        <a:srgbClr val="70AD47"/>
+      </a:accent6>
+      <a:hlink>
+        <a:srgbClr val="0563C1"/>
+      </a:hlink>
+      <a:folHlink>
+        <a:srgbClr val="954F72"/>
+      </a:folHlink>
+    </a:clrScheme>
+    <a:fontScheme name="Office">
+      <a:majorFont>
+        <a:latin typeface="Calibri Light" panose="020F0302020204030204"/>
+        <a:ea typeface=""/>
+        <a:cs typeface=""/>
+        <a:font script="Jpan" typeface="游ゴシック Light"/>
+        <a:font script="Hang" typeface="맑은 고딕"/>
+        <a:font script="Hans" typeface="等线 Light"/>
+        <a:font script="Hant" typeface="新細明體"/>
+        <a:font script="Arab" typeface="Times New Roman"/>
+        <a:font script="Hebr" typeface="Times New Roman"/>
+        <a:font script="Thai" typeface="Angsana New"/>
+        <a:font script="Ethi" typeface="Nyala"/>
+        <a:font script="Beng" typeface="Vrinda"/>
+        <a:font script="Gujr" typeface="Shruti"/>
+        <a:font script="Khmr" typeface="MoolBoran"/>
+        <a:font script="Knda" typeface="Tunga"/>
+        <a:font script="Guru" typeface="Raavi"/>
+        <a:font script="Cans" typeface="Euphemia"/>
+        <a:font script="Cher" typeface="Plantagenet Cherokee"/>
+        <a:font script="Yiii" typeface="Microsoft Yi Baiti"/>
+        <a:font script="Tibt" typeface="Microsoft Himalaya"/>
+        <a:font script="Thaa" typeface="MV Boli"/>
+        <a:font script="Deva" typeface="Mangal"/>
+        <a:font script="Telu" typeface="Gautami"/>
+        <a:font script="Taml" typeface="Latha"/>
+        <a:font script="Syrc" typeface="Estrangelo Edessa"/>
+        <a:font script="Orya" typeface="Kalinga"/>
+        <a:font script="Mlym" typeface="Kartika"/>
+        <a:font script="Laoo" typeface="DokChampa"/>
+        <a:font script="Sinh" typeface="Iskoola Pota"/>
+        <a:font script="Mong" typeface="Mongolian Baiti"/>
+        <a:font script="Viet" typeface="Times New Roman"/>
+        <a:font script="Uigh" typeface="Microsoft Uighur"/>
+        <a:font script="Geor" typeface="Sylfaen"/>
+        <a:font script="Armn" typeface="Arial"/>
+        <a:font script="Bugi" typeface="Leelawadee UI"/>
+        <a:font script="Bopo" typeface="Microsoft JhengHei"/>
+        <a:font script="Java" typeface="Javanese Text"/>
+        <a:font script="Lisu" typeface="Segoe UI"/>
+        <a:font script="Mymr" typeface="Myanmar Text"/>
+        <a:font script="Nkoo" typeface="Ebrima"/>
+        <a:font script="Olck" typeface="Nirmala UI"/>
+        <a:font script="Osma" typeface="Ebrima"/>
+        <a:font script="Phag" typeface="Phagspa"/>
+        <a:font script="Syrn" typeface="Estrangelo Edessa"/>
+        <a:font script="Syrj" typeface="Estrangelo Edessa"/>
+        <a:font script="Syre" typeface="Estrangelo Edessa"/>
+        <a:font script="Sora" typeface="Nirmala UI"/>
+        <a:font script="Tale" typeface="Microsoft Tai Le"/>
+        <a:font script="Talu" typeface="Microsoft New Tai Lue"/>
+        <a:font script="Tfng" typeface="Ebrima"/>
+      </a:majorFont>
+      <a:minorFont>
+        <a:latin typeface="Calibri" panose="020F0502020204030204"/>
+        <a:ea typeface=""/>
+        <a:cs typeface=""/>
+        <a:font script="Jpan" typeface="游ゴシック"/>
+        <a:font script="Hang" typeface="맑은 고딕"/>
+        <a:font script="Hans" typeface="等线"/>
+        <a:font script="Hant" typeface="新細明體"/>
+        <a:font script="Arab" typeface="Arial"/>
+        <a:font script="Hebr" typeface="Arial"/>
+        <a:font script="Thai" typeface="Cordia New"/>
+        <a:font script="Ethi" typeface="Nyala"/>
+        <a:font script="Beng" typeface="Vrinda"/>
+        <a:font script="Gujr" typeface="Shruti"/>
+        <a:font script="Khmr" typeface="DaunPenh"/>
+        <a:font script="Knda" typeface="Tunga"/>
+        <a:font script="Guru" typeface="Raavi"/>
+        <a:font script="Cans" typeface="Euphemia"/>
+        <a:font script="Cher" typeface="Plantagenet Cherokee"/>
+        <a:font script="Yiii" typeface="Microsoft Yi Baiti"/>
+        <a:font script="Tibt" typeface="Microsoft Himalaya"/>
+        <a:font script="Thaa" typeface="MV Boli"/>
+        <a:font script="Deva" typeface="Mangal"/>
+        <a:font script="Telu" typeface="Gautami"/>
+        <a:font script="Taml" typeface="Latha"/>
+        <a:font script="Syrc" typeface="Estrangelo Edessa"/>
+        <a:font script="Orya" typeface="Kalinga"/>
+        <a:font script="Mlym" typeface="Kartika"/>
+        <a:font script="Laoo" typeface="DokChampa"/>
+        <a:font script="Sinh" typeface="Iskoola Pota"/>
+        <a:font script="Mong" typeface="Mongolian Baiti"/>
+        <a:font script="Viet" typeface="Arial"/>
+        <a:font script="Uigh" typeface="Microsoft Uighur"/>
+        <a:font script="Geor" typeface="Sylfaen"/>
+        <a:font script="Armn" typeface="Arial"/>
+        <a:font script="Bugi" typeface="Leelawadee UI"/>
+        <a:font script="Bopo" typeface="Microsoft JhengHei"/>
+        <a:font script="Java" typeface="Javanese Text"/>
+        <a:font script="Lisu" typeface="Segoe UI"/>
+        <a:font script="Mymr" typeface="Myanmar Text"/>
+        <a:font script="Nkoo" typeface="Ebrima"/>
+        <a:font script="Olck" typeface="Nirmala UI"/>
+        <a:font script="Osma" typeface="Ebrima"/>
+        <a:font script="Phag" typeface="Phagspa"/>
+        <a:font script="Syrn" typeface="Estrangelo Edessa"/>
+        <a:font script="Syrj" typeface="Estrangelo Edessa"/>
+        <a:font script="Syre" typeface="Estrangelo Edessa"/>
+        <a:font script="Sora" typeface="Nirmala UI"/>
+        <a:font script="Tale" typeface="Microsoft Tai Le"/>
+        <a:font script="Talu" typeface="Microsoft New Tai Lue"/>
+        <a:font script="Tfng" typeface="Ebrima"/>
+      </a:minorFont>
+    </a:fontScheme>
+    <a:fmtScheme name="Office">
+      <a:fillStyleLst>
+        <a:solidFill>
+          <a:schemeClr val="phClr"/>
+        </a:solidFill>
+        <a:gradFill rotWithShape="1">
+          <a:gsLst>
+            <a:gs pos="0">
+              <a:schemeClr val="phClr">
+                <a:lumMod val="110000"/>
+                <a:satMod val="105000"/>
+                <a:tint val="67000"/>
+              </a:schemeClr>
+            </a:gs>
+            <a:gs pos="50000">
+              <a:schemeClr val="phClr">
+                <a:lumMod val="105000"/>
+                <a:satMod val="103000"/>
+                <a:tint val="73000"/>
+              </a:schemeClr>
+            </a:gs>
+            <a:gs pos="100000">
+              <a:schemeClr val="phClr">
+                <a:lumMod val="105000"/>
+                <a:satMod val="109000"/>
+                <a:tint val="81000"/>
+              </a:schemeClr>
+            </a:gs>
+          </a:gsLst>
+          <a:lin ang="5400000" scaled="0"/>
+        </a:gradFill>
+        <a:gradFill rotWithShape="1">
+          <a:gsLst>
+            <a:gs pos="0">
+              <a:schemeClr val="phClr">
+                <a:satMod val="103000"/>
+                <a:lumMod val="102000"/>
+                <a:tint val="94000"/>
+              </a:schemeClr>
+            </a:gs>
+            <a:gs pos="50000">
+              <a:schemeClr val="phClr">
+                <a:satMod val="110000"/>
+                <a:lumMod val="100000"/>
+                <a:shade val="100000"/>
+              </a:schemeClr>
+            </a:gs>
+            <a:gs pos="100000">
+              <a:schemeClr val="phClr">
+                <a:lumMod val="99000"/>
+                <a:satMod val="120000"/>
+                <a:shade val="78000"/>
+              </a:schemeClr>
+            </a:gs>
+          </a:gsLst>
+          <a:lin ang="5400000" scaled="0"/>
+        </a:gradFill>
+      </a:fillStyleLst>
+      <a:lnStyleLst>
+        <a:ln w="6350" cap="flat" cmpd="sng" algn="ctr">
+          <a:solidFill>
+            <a:schemeClr val="phClr"/>
+          </a:solidFill>
+          <a:prstDash val="solid"/>
+          <a:miter lim="800000"/>
+        </a:ln>
+        <a:ln w="12700" cap="flat" cmpd="sng" algn="ctr">
+          <a:solidFill>
+            <a:schemeClr val="phClr"/>
+          </a:solidFill>
+          <a:prstDash val="solid"/>
+          <a:miter lim="800000"/>
+        </a:ln>
+        <a:ln w="19050" cap="flat" cmpd="sng" algn="ctr">
+          <a:solidFill>
+            <a:schemeClr val="phClr"/>
+          </a:solidFill>
+          <a:prstDash val="solid"/>
+          <a:miter lim="800000"/>
+        </a:ln>
+      </a:lnStyleLst>
+      <a:effectStyleLst>
+        <a:effectStyle>
+          <a:effectLst/>
+        </a:effectStyle>
+        <a:effectStyle>
+          <a:effectLst/>
+        </a:effectStyle>
+        <a:effectStyle>
+          <a:effectLst>
+            <a:outerShdw blurRad="57150" dist="19050" dir="5400000" algn="ctr" rotWithShape="0">
+              <a:srgbClr val="000000">
+                <a:alpha val="63000"/>
+              </a:srgbClr>
+            </a:outerShdw>
+          </a:effectLst>
+        </a:effectStyle>
+      </a:effectStyleLst>
+      <a:bgFillStyleLst>
+        <a:solidFill>
+          <a:schemeClr val="phClr"/>
+        </a:solidFill>
+        <a:solidFill>
+          <a:schemeClr val="phClr">
+            <a:tint val="95000"/>
+            <a:satMod val="170000"/>
+          </a:schemeClr>
+        </a:solidFill>
+        <a:gradFill rotWithShape="1">
+          <a:gsLst>
+            <a:gs pos="0">
+              <a:schemeClr val="phClr">
+                <a:tint val="93000"/>
+                <a:satMod val="150000"/>
+                <a:shade val="98000"/>
+                <a:lumMod val="102000"/>
+              </a:schemeClr>
+            </a:gs>
+            <a:gs pos="50000">
+              <a:schemeClr val="phClr">
+                <a:tint val="98000"/>
+                <a:satMod val="130000"/>
+                <a:shade val="90000"/>
+                <a:lumMod val="103000"/>
+              </a:schemeClr>
+            </a:gs>
+            <a:gs pos="100000">
+              <a:schemeClr val="phClr">
+                <a:shade val="63000"/>
+                <a:satMod val="120000"/>
+              </a:schemeClr>
+            </a:gs>
+          </a:gsLst>
+          <a:lin ang="5400000" scaled="0"/>
+        </a:gradFill>
+      </a:bgFillStyleLst>
+    </a:fmtScheme>
+  </a:themeElements>
+  <a:objectDefaults/>
+  <a:extraClrSchemeLst/>
+  <a:extLst>
+    <a:ext uri="{05A4C25C-085E-4340-85A3-A5531E510DB2}">
+      <thm15:themeFamily xmlns:thm15="http://schemas.microsoft.com/office/thememl/2012/main" name="Office Theme" id="{62F939B6-93AF-4DB8-9C6B-D6C7DFDC589F}" vid="{4A3C46E8-61CC-4603-A589-7422A47A8E4A}"/>
+    </a:ext>
+  </a:extLst>
+</a:theme>
 </file>